--- a/Documents/Algoritma Pemrograman.pptx
+++ b/Documents/Algoritma Pemrograman.pptx
@@ -5,7 +5,7 @@
     <p:sldMasterId id="2147483648" r:id="rId1"/>
   </p:sldMasterIdLst>
   <p:notesMasterIdLst>
-    <p:notesMasterId r:id="rId79"/>
+    <p:notesMasterId r:id="rId81"/>
   </p:notesMasterIdLst>
   <p:sldIdLst>
     <p:sldId id="256" r:id="rId2"/>
@@ -29,62 +29,64 @@
     <p:sldId id="330" r:id="rId20"/>
     <p:sldId id="331" r:id="rId21"/>
     <p:sldId id="332" r:id="rId22"/>
-    <p:sldId id="274" r:id="rId23"/>
-    <p:sldId id="275" r:id="rId24"/>
-    <p:sldId id="276" r:id="rId25"/>
-    <p:sldId id="277" r:id="rId26"/>
-    <p:sldId id="278" r:id="rId27"/>
-    <p:sldId id="279" r:id="rId28"/>
-    <p:sldId id="280" r:id="rId29"/>
-    <p:sldId id="281" r:id="rId30"/>
-    <p:sldId id="282" r:id="rId31"/>
-    <p:sldId id="283" r:id="rId32"/>
-    <p:sldId id="284" r:id="rId33"/>
-    <p:sldId id="285" r:id="rId34"/>
-    <p:sldId id="286" r:id="rId35"/>
-    <p:sldId id="287" r:id="rId36"/>
-    <p:sldId id="288" r:id="rId37"/>
-    <p:sldId id="289" r:id="rId38"/>
-    <p:sldId id="290" r:id="rId39"/>
-    <p:sldId id="291" r:id="rId40"/>
-    <p:sldId id="292" r:id="rId41"/>
-    <p:sldId id="293" r:id="rId42"/>
-    <p:sldId id="294" r:id="rId43"/>
-    <p:sldId id="295" r:id="rId44"/>
-    <p:sldId id="296" r:id="rId45"/>
-    <p:sldId id="297" r:id="rId46"/>
-    <p:sldId id="298" r:id="rId47"/>
-    <p:sldId id="299" r:id="rId48"/>
-    <p:sldId id="300" r:id="rId49"/>
-    <p:sldId id="301" r:id="rId50"/>
-    <p:sldId id="302" r:id="rId51"/>
-    <p:sldId id="303" r:id="rId52"/>
-    <p:sldId id="304" r:id="rId53"/>
-    <p:sldId id="305" r:id="rId54"/>
-    <p:sldId id="306" r:id="rId55"/>
-    <p:sldId id="307" r:id="rId56"/>
-    <p:sldId id="308" r:id="rId57"/>
-    <p:sldId id="309" r:id="rId58"/>
-    <p:sldId id="310" r:id="rId59"/>
-    <p:sldId id="311" r:id="rId60"/>
-    <p:sldId id="312" r:id="rId61"/>
-    <p:sldId id="313" r:id="rId62"/>
-    <p:sldId id="314" r:id="rId63"/>
-    <p:sldId id="315" r:id="rId64"/>
-    <p:sldId id="316" r:id="rId65"/>
-    <p:sldId id="317" r:id="rId66"/>
-    <p:sldId id="318" r:id="rId67"/>
-    <p:sldId id="319" r:id="rId68"/>
-    <p:sldId id="320" r:id="rId69"/>
-    <p:sldId id="321" r:id="rId70"/>
-    <p:sldId id="322" r:id="rId71"/>
-    <p:sldId id="323" r:id="rId72"/>
-    <p:sldId id="324" r:id="rId73"/>
-    <p:sldId id="325" r:id="rId74"/>
-    <p:sldId id="326" r:id="rId75"/>
-    <p:sldId id="327" r:id="rId76"/>
-    <p:sldId id="328" r:id="rId77"/>
-    <p:sldId id="329" r:id="rId78"/>
+    <p:sldId id="333" r:id="rId23"/>
+    <p:sldId id="274" r:id="rId24"/>
+    <p:sldId id="334" r:id="rId25"/>
+    <p:sldId id="275" r:id="rId26"/>
+    <p:sldId id="276" r:id="rId27"/>
+    <p:sldId id="277" r:id="rId28"/>
+    <p:sldId id="278" r:id="rId29"/>
+    <p:sldId id="279" r:id="rId30"/>
+    <p:sldId id="280" r:id="rId31"/>
+    <p:sldId id="281" r:id="rId32"/>
+    <p:sldId id="282" r:id="rId33"/>
+    <p:sldId id="283" r:id="rId34"/>
+    <p:sldId id="284" r:id="rId35"/>
+    <p:sldId id="285" r:id="rId36"/>
+    <p:sldId id="286" r:id="rId37"/>
+    <p:sldId id="287" r:id="rId38"/>
+    <p:sldId id="288" r:id="rId39"/>
+    <p:sldId id="289" r:id="rId40"/>
+    <p:sldId id="290" r:id="rId41"/>
+    <p:sldId id="291" r:id="rId42"/>
+    <p:sldId id="292" r:id="rId43"/>
+    <p:sldId id="293" r:id="rId44"/>
+    <p:sldId id="294" r:id="rId45"/>
+    <p:sldId id="295" r:id="rId46"/>
+    <p:sldId id="296" r:id="rId47"/>
+    <p:sldId id="297" r:id="rId48"/>
+    <p:sldId id="298" r:id="rId49"/>
+    <p:sldId id="299" r:id="rId50"/>
+    <p:sldId id="300" r:id="rId51"/>
+    <p:sldId id="301" r:id="rId52"/>
+    <p:sldId id="302" r:id="rId53"/>
+    <p:sldId id="303" r:id="rId54"/>
+    <p:sldId id="304" r:id="rId55"/>
+    <p:sldId id="305" r:id="rId56"/>
+    <p:sldId id="306" r:id="rId57"/>
+    <p:sldId id="307" r:id="rId58"/>
+    <p:sldId id="308" r:id="rId59"/>
+    <p:sldId id="309" r:id="rId60"/>
+    <p:sldId id="310" r:id="rId61"/>
+    <p:sldId id="311" r:id="rId62"/>
+    <p:sldId id="312" r:id="rId63"/>
+    <p:sldId id="313" r:id="rId64"/>
+    <p:sldId id="314" r:id="rId65"/>
+    <p:sldId id="315" r:id="rId66"/>
+    <p:sldId id="316" r:id="rId67"/>
+    <p:sldId id="317" r:id="rId68"/>
+    <p:sldId id="318" r:id="rId69"/>
+    <p:sldId id="319" r:id="rId70"/>
+    <p:sldId id="320" r:id="rId71"/>
+    <p:sldId id="321" r:id="rId72"/>
+    <p:sldId id="322" r:id="rId73"/>
+    <p:sldId id="323" r:id="rId74"/>
+    <p:sldId id="324" r:id="rId75"/>
+    <p:sldId id="325" r:id="rId76"/>
+    <p:sldId id="326" r:id="rId77"/>
+    <p:sldId id="327" r:id="rId78"/>
+    <p:sldId id="328" r:id="rId79"/>
+    <p:sldId id="329" r:id="rId80"/>
   </p:sldIdLst>
   <p:sldSz cx="13004800" cy="9753600"/>
   <p:notesSz cx="6858000" cy="9144000"/>
@@ -5796,13 +5798,60 @@
             </a:r>
             <a:r>
               <a:rPr lang="en-US" dirty="0"/>
-              <a:t>, UTS</a:t>
-            </a:r>
-            <a:r>
-              <a:rPr lang="en-US"/>
-              <a:t>, UAS</a:t>
-            </a:r>
-            <a:endParaRPr lang="en-US" dirty="0"/>
+              <a:t>, UTS, UAS</a:t>
+            </a:r>
+          </a:p>
+          <a:p>
+            <a:r>
+              <a:rPr lang="en-US" dirty="0" err="1"/>
+              <a:t>hadir</a:t>
+            </a:r>
+            <a:r>
+              <a:rPr lang="en-US" dirty="0"/>
+              <a:t> = </a:t>
+            </a:r>
+            <a:r>
+              <a:rPr lang="en-US" dirty="0" err="1"/>
+              <a:t>hadir</a:t>
+            </a:r>
+            <a:r>
+              <a:rPr lang="en-US" dirty="0"/>
+              <a:t>/</a:t>
+            </a:r>
+            <a:r>
+              <a:rPr lang="en-US" dirty="0" err="1"/>
+              <a:t>maks_hadir</a:t>
+            </a:r>
+            <a:r>
+              <a:rPr lang="en-US" dirty="0"/>
+              <a:t> *100</a:t>
+            </a:r>
+          </a:p>
+          <a:p>
+            <a:r>
+              <a:rPr lang="en-US" dirty="0" err="1"/>
+              <a:t>Nilai</a:t>
+            </a:r>
+            <a:r>
+              <a:rPr lang="en-US" dirty="0"/>
+              <a:t> = </a:t>
+            </a:r>
+            <a:r>
+              <a:rPr lang="en-US" dirty="0" err="1"/>
+              <a:t>hadir</a:t>
+            </a:r>
+            <a:r>
+              <a:rPr lang="en-US" dirty="0"/>
+              <a:t>*10% + </a:t>
+            </a:r>
+            <a:r>
+              <a:rPr lang="en-US" dirty="0" err="1"/>
+              <a:t>Tugas</a:t>
+            </a:r>
+            <a:r>
+              <a:rPr lang="en-US" dirty="0"/>
+              <a:t>*20% + UTS*30% + UAS*40%</a:t>
+            </a:r>
           </a:p>
           <a:p>
             <a:r>
@@ -5832,6 +5881,146 @@
 </file>
 
 <file path=ppt/slides/slide22.xml><?xml version="1.0" encoding="utf-8"?>
+<p:sld xmlns:a="http://schemas.openxmlformats.org/drawingml/2006/main" xmlns:r="http://schemas.openxmlformats.org/officeDocument/2006/relationships" xmlns:p="http://schemas.openxmlformats.org/presentationml/2006/main">
+  <p:cSld>
+    <p:spTree>
+      <p:nvGrpSpPr>
+        <p:cNvPr id="1" name=""/>
+        <p:cNvGrpSpPr/>
+        <p:nvPr/>
+      </p:nvGrpSpPr>
+      <p:grpSpPr>
+        <a:xfrm>
+          <a:off x="0" y="0"/>
+          <a:ext cx="0" cy="0"/>
+          <a:chOff x="0" y="0"/>
+          <a:chExt cx="0" cy="0"/>
+        </a:xfrm>
+      </p:grpSpPr>
+      <p:sp>
+        <p:nvSpPr>
+          <p:cNvPr id="2" name="Title 1">
+            <a:extLst>
+              <a:ext uri="{FF2B5EF4-FFF2-40B4-BE49-F238E27FC236}">
+                <a16:creationId xmlns:a16="http://schemas.microsoft.com/office/drawing/2014/main" id="{C5E7C53A-0D36-BA45-B80F-324F3EE864B4}"/>
+              </a:ext>
+            </a:extLst>
+          </p:cNvPr>
+          <p:cNvSpPr>
+            <a:spLocks noGrp="1"/>
+          </p:cNvSpPr>
+          <p:nvPr>
+            <p:ph type="title"/>
+          </p:nvPr>
+        </p:nvSpPr>
+        <p:spPr/>
+        <p:txBody>
+          <a:bodyPr/>
+          <a:lstStyle/>
+          <a:p>
+            <a:r>
+              <a:rPr lang="en-US" dirty="0" err="1"/>
+              <a:t>Testcase</a:t>
+            </a:r>
+            <a:r>
+              <a:rPr lang="en-US" dirty="0"/>
+              <a:t> </a:t>
+            </a:r>
+            <a:r>
+              <a:rPr lang="en-US" dirty="0" err="1"/>
+              <a:t>nilai</a:t>
+            </a:r>
+            <a:endParaRPr lang="en-US" dirty="0"/>
+          </a:p>
+        </p:txBody>
+      </p:sp>
+      <p:sp>
+        <p:nvSpPr>
+          <p:cNvPr id="3" name="Text Placeholder 2">
+            <a:extLst>
+              <a:ext uri="{FF2B5EF4-FFF2-40B4-BE49-F238E27FC236}">
+                <a16:creationId xmlns:a16="http://schemas.microsoft.com/office/drawing/2014/main" id="{D4C87A73-1F95-7740-8FC0-C5B7E6F4C30C}"/>
+              </a:ext>
+            </a:extLst>
+          </p:cNvPr>
+          <p:cNvSpPr>
+            <a:spLocks noGrp="1"/>
+          </p:cNvSpPr>
+          <p:nvPr>
+            <p:ph type="body" idx="1"/>
+          </p:nvPr>
+        </p:nvSpPr>
+        <p:spPr/>
+        <p:txBody>
+          <a:bodyPr/>
+          <a:lstStyle/>
+          <a:p>
+            <a:r>
+              <a:rPr lang="en-US" dirty="0" err="1"/>
+              <a:t>Hadir</a:t>
+            </a:r>
+            <a:r>
+              <a:rPr lang="en-US" dirty="0"/>
+              <a:t> =14, </a:t>
+            </a:r>
+            <a:r>
+              <a:rPr lang="en-US" dirty="0" err="1"/>
+              <a:t>maks_hadir</a:t>
+            </a:r>
+            <a:r>
+              <a:rPr lang="en-US" dirty="0"/>
+              <a:t>=14</a:t>
+            </a:r>
+          </a:p>
+          <a:p>
+            <a:r>
+              <a:rPr lang="en-US" dirty="0" err="1"/>
+              <a:t>Hadir</a:t>
+            </a:r>
+            <a:r>
+              <a:rPr lang="en-US" dirty="0"/>
+              <a:t> = 14/14*100 = 100</a:t>
+            </a:r>
+          </a:p>
+          <a:p>
+            <a:r>
+              <a:rPr lang="en-US" dirty="0" err="1"/>
+              <a:t>Tugas</a:t>
+            </a:r>
+            <a:r>
+              <a:rPr lang="en-US" dirty="0"/>
+              <a:t>= 100</a:t>
+            </a:r>
+          </a:p>
+          <a:p>
+            <a:r>
+              <a:rPr lang="en-US" dirty="0"/>
+              <a:t>UTS =100</a:t>
+            </a:r>
+          </a:p>
+          <a:p>
+            <a:r>
+              <a:rPr lang="en-US" dirty="0"/>
+              <a:t>UAS = 100</a:t>
+            </a:r>
+          </a:p>
+        </p:txBody>
+      </p:sp>
+    </p:spTree>
+    <p:extLst>
+      <p:ext uri="{BB962C8B-B14F-4D97-AF65-F5344CB8AC3E}">
+        <p14:creationId xmlns:p14="http://schemas.microsoft.com/office/powerpoint/2010/main" val="3942313492"/>
+      </p:ext>
+    </p:extLst>
+  </p:cSld>
+  <p:clrMapOvr>
+    <a:masterClrMapping/>
+  </p:clrMapOvr>
+  <p:transition spd="med"/>
+</p:sld>
+</file>
+
+<file path=ppt/slides/slide23.xml><?xml version="1.0" encoding="utf-8"?>
 <p:sld xmlns:a="http://schemas.openxmlformats.org/drawingml/2006/main" xmlns:r="http://schemas.openxmlformats.org/officeDocument/2006/relationships" xmlns:p="http://schemas.openxmlformats.org/presentationml/2006/main">
   <p:cSld>
     <p:spTree>
@@ -6129,7 +6318,219 @@
 </p:sld>
 </file>
 
-<file path=ppt/slides/slide23.xml><?xml version="1.0" encoding="utf-8"?>
+<file path=ppt/slides/slide24.xml><?xml version="1.0" encoding="utf-8"?>
+<p:sld xmlns:a="http://schemas.openxmlformats.org/drawingml/2006/main" xmlns:r="http://schemas.openxmlformats.org/officeDocument/2006/relationships" xmlns:p="http://schemas.openxmlformats.org/presentationml/2006/main">
+  <p:cSld>
+    <p:spTree>
+      <p:nvGrpSpPr>
+        <p:cNvPr id="1" name=""/>
+        <p:cNvGrpSpPr/>
+        <p:nvPr/>
+      </p:nvGrpSpPr>
+      <p:grpSpPr>
+        <a:xfrm>
+          <a:off x="0" y="0"/>
+          <a:ext cx="0" cy="0"/>
+          <a:chOff x="0" y="0"/>
+          <a:chExt cx="0" cy="0"/>
+        </a:xfrm>
+      </p:grpSpPr>
+      <p:sp>
+        <p:nvSpPr>
+          <p:cNvPr id="2" name="Title 1">
+            <a:extLst>
+              <a:ext uri="{FF2B5EF4-FFF2-40B4-BE49-F238E27FC236}">
+                <a16:creationId xmlns:a16="http://schemas.microsoft.com/office/drawing/2014/main" id="{A1A524F1-5C49-CC49-895D-E835F2ED114D}"/>
+              </a:ext>
+            </a:extLst>
+          </p:cNvPr>
+          <p:cNvSpPr>
+            <a:spLocks noGrp="1"/>
+          </p:cNvSpPr>
+          <p:nvPr>
+            <p:ph type="title"/>
+          </p:nvPr>
+        </p:nvSpPr>
+        <p:spPr/>
+        <p:txBody>
+          <a:bodyPr/>
+          <a:lstStyle/>
+          <a:p>
+            <a:r>
+              <a:rPr lang="en-US" dirty="0" err="1"/>
+              <a:t>Contoh</a:t>
+            </a:r>
+            <a:r>
+              <a:rPr lang="en-US" dirty="0"/>
+              <a:t>:</a:t>
+            </a:r>
+          </a:p>
+        </p:txBody>
+      </p:sp>
+      <p:sp>
+        <p:nvSpPr>
+          <p:cNvPr id="3" name="Text Placeholder 2">
+            <a:extLst>
+              <a:ext uri="{FF2B5EF4-FFF2-40B4-BE49-F238E27FC236}">
+                <a16:creationId xmlns:a16="http://schemas.microsoft.com/office/drawing/2014/main" id="{40FCAB5F-DCA0-5E48-94EE-9F8C85B1A6A7}"/>
+              </a:ext>
+            </a:extLst>
+          </p:cNvPr>
+          <p:cNvSpPr>
+            <a:spLocks noGrp="1"/>
+          </p:cNvSpPr>
+          <p:nvPr>
+            <p:ph type="body" idx="1"/>
+          </p:nvPr>
+        </p:nvSpPr>
+        <p:spPr/>
+        <p:txBody>
+          <a:bodyPr>
+            <a:normAutofit fontScale="62500" lnSpcReduction="20000"/>
+          </a:bodyPr>
+          <a:lstStyle/>
+          <a:p>
+            <a:r>
+              <a:rPr lang="en-US" dirty="0"/>
+              <a:t>Input : </a:t>
+            </a:r>
+            <a:r>
+              <a:rPr lang="en-US" dirty="0" err="1"/>
+              <a:t>pembelian</a:t>
+            </a:r>
+            <a:endParaRPr lang="en-US" dirty="0"/>
+          </a:p>
+          <a:p>
+            <a:r>
+              <a:rPr lang="en-US" dirty="0" err="1"/>
+              <a:t>Jika</a:t>
+            </a:r>
+            <a:r>
+              <a:rPr lang="en-US" dirty="0"/>
+              <a:t> </a:t>
+            </a:r>
+            <a:r>
+              <a:rPr lang="en-US" dirty="0" err="1"/>
+              <a:t>pembelian</a:t>
+            </a:r>
+            <a:r>
+              <a:rPr lang="en-US" dirty="0"/>
+              <a:t>&gt;1500 and </a:t>
+            </a:r>
+            <a:r>
+              <a:rPr lang="en-US" dirty="0" err="1"/>
+              <a:t>pembelian</a:t>
+            </a:r>
+            <a:r>
+              <a:rPr lang="en-US" dirty="0"/>
+              <a:t>&lt;3000:</a:t>
+            </a:r>
+          </a:p>
+          <a:p>
+            <a:pPr lvl="1"/>
+            <a:r>
+              <a:rPr lang="en-US" dirty="0"/>
+              <a:t>Discount = </a:t>
+            </a:r>
+            <a:r>
+              <a:rPr lang="en-US" dirty="0" err="1"/>
+              <a:t>pembelian</a:t>
+            </a:r>
+            <a:r>
+              <a:rPr lang="en-US" dirty="0"/>
+              <a:t> * 15%</a:t>
+            </a:r>
+          </a:p>
+          <a:p>
+            <a:r>
+              <a:rPr lang="en-US" dirty="0" err="1"/>
+              <a:t>Jika</a:t>
+            </a:r>
+            <a:r>
+              <a:rPr lang="en-US" dirty="0"/>
+              <a:t> </a:t>
+            </a:r>
+            <a:r>
+              <a:rPr lang="en-US" dirty="0" err="1"/>
+              <a:t>pembelian</a:t>
+            </a:r>
+            <a:r>
+              <a:rPr lang="en-US" dirty="0"/>
+              <a:t>&gt;=3000:</a:t>
+            </a:r>
+          </a:p>
+          <a:p>
+            <a:pPr lvl="1"/>
+            <a:r>
+              <a:rPr lang="en-US" dirty="0"/>
+              <a:t>Discount = </a:t>
+            </a:r>
+            <a:r>
+              <a:rPr lang="en-US" dirty="0" err="1"/>
+              <a:t>pembelian</a:t>
+            </a:r>
+            <a:r>
+              <a:rPr lang="en-US" dirty="0"/>
+              <a:t> * 20%</a:t>
+            </a:r>
+          </a:p>
+          <a:p>
+            <a:r>
+              <a:rPr lang="en-US" dirty="0" err="1"/>
+              <a:t>Pajak</a:t>
+            </a:r>
+            <a:r>
+              <a:rPr lang="en-US" dirty="0"/>
+              <a:t> = </a:t>
+            </a:r>
+            <a:r>
+              <a:rPr lang="en-US" dirty="0" err="1"/>
+              <a:t>pembelian</a:t>
+            </a:r>
+            <a:r>
+              <a:rPr lang="en-US" dirty="0"/>
+              <a:t> * 10%</a:t>
+            </a:r>
+          </a:p>
+          <a:p>
+            <a:r>
+              <a:rPr lang="en-US" dirty="0"/>
+              <a:t>Proses: </a:t>
+            </a:r>
+            <a:r>
+              <a:rPr lang="en-US" dirty="0" err="1"/>
+              <a:t>subtotal+pajak-discount</a:t>
+            </a:r>
+            <a:endParaRPr lang="en-US" dirty="0"/>
+          </a:p>
+          <a:p>
+            <a:r>
+              <a:rPr lang="en-US" dirty="0"/>
+              <a:t>Output: Total </a:t>
+            </a:r>
+            <a:r>
+              <a:rPr lang="en-US" dirty="0" err="1"/>
+              <a:t>pembayaran</a:t>
+            </a:r>
+            <a:endParaRPr lang="en-US" dirty="0"/>
+          </a:p>
+        </p:txBody>
+      </p:sp>
+    </p:spTree>
+    <p:extLst>
+      <p:ext uri="{BB962C8B-B14F-4D97-AF65-F5344CB8AC3E}">
+        <p14:creationId xmlns:p14="http://schemas.microsoft.com/office/powerpoint/2010/main" val="1793398725"/>
+      </p:ext>
+    </p:extLst>
+  </p:cSld>
+  <p:clrMapOvr>
+    <a:masterClrMapping/>
+  </p:clrMapOvr>
+  <p:transition spd="med"/>
+</p:sld>
+</file>
+
+<file path=ppt/slides/slide25.xml><?xml version="1.0" encoding="utf-8"?>
 <p:sld xmlns:a="http://schemas.openxmlformats.org/drawingml/2006/main" xmlns:r="http://schemas.openxmlformats.org/officeDocument/2006/relationships" xmlns:p="http://schemas.openxmlformats.org/presentationml/2006/main">
   <p:cSld>
     <p:spTree>
@@ -6510,7 +6911,7 @@
                   <a:srgbClr val="FFFFFF"/>
                 </a:solidFill>
               </a:rPr>
-              <a:t>23</a:t>
+              <a:t>25</a:t>
             </a:fld>
             <a:endParaRPr>
               <a:solidFill>
@@ -6529,7 +6930,7 @@
 </p:sld>
 </file>
 
-<file path=ppt/slides/slide24.xml><?xml version="1.0" encoding="utf-8"?>
+<file path=ppt/slides/slide26.xml><?xml version="1.0" encoding="utf-8"?>
 <p:sld xmlns:a="http://schemas.openxmlformats.org/drawingml/2006/main" xmlns:r="http://schemas.openxmlformats.org/officeDocument/2006/relationships" xmlns:p="http://schemas.openxmlformats.org/presentationml/2006/main">
   <p:cSld>
     <p:spTree>
@@ -6738,7 +7139,7 @@
                   <a:srgbClr val="FFFFFF"/>
                 </a:solidFill>
               </a:rPr>
-              <a:t>24</a:t>
+              <a:t>26</a:t>
             </a:fld>
             <a:endParaRPr>
               <a:solidFill>
@@ -6757,7 +7158,7 @@
 </p:sld>
 </file>
 
-<file path=ppt/slides/slide25.xml><?xml version="1.0" encoding="utf-8"?>
+<file path=ppt/slides/slide27.xml><?xml version="1.0" encoding="utf-8"?>
 <p:sld xmlns:a="http://schemas.openxmlformats.org/drawingml/2006/main" xmlns:r="http://schemas.openxmlformats.org/officeDocument/2006/relationships" xmlns:p="http://schemas.openxmlformats.org/presentationml/2006/main">
   <p:cSld>
     <p:spTree>
@@ -6949,7 +7350,7 @@
                   <a:srgbClr val="FFFFFF"/>
                 </a:solidFill>
               </a:rPr>
-              <a:t>25</a:t>
+              <a:t>27</a:t>
             </a:fld>
             <a:endParaRPr>
               <a:solidFill>
@@ -6968,7 +7369,7 @@
 </p:sld>
 </file>
 
-<file path=ppt/slides/slide26.xml><?xml version="1.0" encoding="utf-8"?>
+<file path=ppt/slides/slide28.xml><?xml version="1.0" encoding="utf-8"?>
 <p:sld xmlns:a="http://schemas.openxmlformats.org/drawingml/2006/main" xmlns:r="http://schemas.openxmlformats.org/officeDocument/2006/relationships" xmlns:p="http://schemas.openxmlformats.org/presentationml/2006/main">
   <p:cSld>
     <p:spTree>
@@ -7147,7 +7548,7 @@
                   <a:srgbClr val="FFFFFF"/>
                 </a:solidFill>
               </a:rPr>
-              <a:t>26</a:t>
+              <a:t>28</a:t>
             </a:fld>
             <a:endParaRPr>
               <a:solidFill>
@@ -7166,7 +7567,7 @@
 </p:sld>
 </file>
 
-<file path=ppt/slides/slide27.xml><?xml version="1.0" encoding="utf-8"?>
+<file path=ppt/slides/slide29.xml><?xml version="1.0" encoding="utf-8"?>
 <p:sld xmlns:a="http://schemas.openxmlformats.org/drawingml/2006/main" xmlns:r="http://schemas.openxmlformats.org/officeDocument/2006/relationships" xmlns:p="http://schemas.openxmlformats.org/presentationml/2006/main">
   <p:cSld>
     <p:spTree>
@@ -7437,680 +7838,6 @@
       <p:sp>
         <p:nvSpPr>
           <p:cNvPr id="131" name="Shape 131"/>
-          <p:cNvSpPr>
-            <a:spLocks noGrp="1"/>
-          </p:cNvSpPr>
-          <p:nvPr>
-            <p:ph type="sldNum" sz="quarter" idx="4294967295"/>
-          </p:nvPr>
-        </p:nvSpPr>
-        <p:spPr>
-          <a:xfrm>
-            <a:off x="6311798" y="9245600"/>
-            <a:ext cx="368504" cy="381000"/>
-          </a:xfrm>
-          <a:prstGeom prst="rect">
-            <a:avLst/>
-          </a:prstGeom>
-          <a:ln w="12700">
-            <a:miter lim="400000"/>
-          </a:ln>
-          <a:extLst>
-            <a:ext uri="{C572A759-6A51-4108-AA02-DFA0A04FC94B}">
-              <ma14:wrappingTextBoxFlag xmlns:ma14="http://schemas.microsoft.com/office/mac/drawingml/2011/main" xmlns="" val="1"/>
-            </a:ext>
-          </a:extLst>
-        </p:spPr>
-        <p:txBody>
-          <a:bodyPr wrap="none" lIns="0" tIns="0" rIns="0" bIns="0">
-            <a:spAutoFit/>
-          </a:bodyPr>
-          <a:lstStyle>
-            <a:lvl1pPr>
-              <a:defRPr sz="1800"/>
-            </a:lvl1pPr>
-          </a:lstStyle>
-          <a:p>
-            <a:pPr lvl="0">
-              <a:defRPr>
-                <a:solidFill>
-                  <a:srgbClr val="000000"/>
-                </a:solidFill>
-              </a:defRPr>
-            </a:pPr>
-            <a:fld id="{86CB4B4D-7CA3-9044-876B-883B54F8677D}" type="slidenum">
-              <a:rPr>
-                <a:solidFill>
-                  <a:srgbClr val="FFFFFF"/>
-                </a:solidFill>
-              </a:rPr>
-              <a:t>27</a:t>
-            </a:fld>
-            <a:endParaRPr>
-              <a:solidFill>
-                <a:srgbClr val="FFFFFF"/>
-              </a:solidFill>
-            </a:endParaRPr>
-          </a:p>
-        </p:txBody>
-      </p:sp>
-    </p:spTree>
-  </p:cSld>
-  <p:clrMapOvr>
-    <a:masterClrMapping/>
-  </p:clrMapOvr>
-  <p:transition spd="med"/>
-</p:sld>
-</file>
-
-<file path=ppt/slides/slide28.xml><?xml version="1.0" encoding="utf-8"?>
-<p:sld xmlns:a="http://schemas.openxmlformats.org/drawingml/2006/main" xmlns:r="http://schemas.openxmlformats.org/officeDocument/2006/relationships" xmlns:p="http://schemas.openxmlformats.org/presentationml/2006/main">
-  <p:cSld>
-    <p:spTree>
-      <p:nvGrpSpPr>
-        <p:cNvPr id="1" name=""/>
-        <p:cNvGrpSpPr/>
-        <p:nvPr/>
-      </p:nvGrpSpPr>
-      <p:grpSpPr>
-        <a:xfrm>
-          <a:off x="0" y="0"/>
-          <a:ext cx="0" cy="0"/>
-          <a:chOff x="0" y="0"/>
-          <a:chExt cx="0" cy="0"/>
-        </a:xfrm>
-      </p:grpSpPr>
-      <p:sp>
-        <p:nvSpPr>
-          <p:cNvPr id="133" name="Shape 133"/>
-          <p:cNvSpPr>
-            <a:spLocks noGrp="1"/>
-          </p:cNvSpPr>
-          <p:nvPr>
-            <p:ph type="title"/>
-          </p:nvPr>
-        </p:nvSpPr>
-        <p:spPr>
-          <a:prstGeom prst="rect">
-            <a:avLst/>
-          </a:prstGeom>
-        </p:spPr>
-        <p:txBody>
-          <a:bodyPr/>
-          <a:lstStyle/>
-          <a:p>
-            <a:pPr lvl="0">
-              <a:defRPr sz="1800">
-                <a:solidFill>
-                  <a:srgbClr val="000000"/>
-                </a:solidFill>
-              </a:defRPr>
-            </a:pPr>
-            <a:r>
-              <a:rPr sz="8000">
-                <a:solidFill>
-                  <a:srgbClr val="FFFFFF"/>
-                </a:solidFill>
-              </a:rPr>
-              <a:t>Contoh 2</a:t>
-            </a:r>
-          </a:p>
-        </p:txBody>
-      </p:sp>
-      <p:sp>
-        <p:nvSpPr>
-          <p:cNvPr id="134" name="Shape 134"/>
-          <p:cNvSpPr/>
-          <p:nvPr/>
-        </p:nvSpPr>
-        <p:spPr>
-          <a:xfrm>
-            <a:off x="928729" y="2486824"/>
-            <a:ext cx="10033026" cy="7112001"/>
-          </a:xfrm>
-          <a:prstGeom prst="rect">
-            <a:avLst/>
-          </a:prstGeom>
-          <a:ln w="12700">
-            <a:miter lim="400000"/>
-          </a:ln>
-          <a:extLst>
-            <a:ext uri="{C572A759-6A51-4108-AA02-DFA0A04FC94B}">
-              <ma14:wrappingTextBoxFlag xmlns:ma14="http://schemas.microsoft.com/office/mac/drawingml/2011/main" xmlns="" val="1"/>
-            </a:ext>
-          </a:extLst>
-        </p:spPr>
-        <p:txBody>
-          <a:bodyPr wrap="none" lIns="0" tIns="0" rIns="0" bIns="0">
-            <a:spAutoFit/>
-          </a:bodyPr>
-          <a:lstStyle/>
-          <a:p>
-            <a:pPr lvl="0" algn="l">
-              <a:defRPr sz="1800">
-                <a:solidFill>
-                  <a:srgbClr val="000000"/>
-                </a:solidFill>
-              </a:defRPr>
-            </a:pPr>
-            <a:r>
-              <a:rPr sz="3800">
-                <a:solidFill>
-                  <a:srgbClr val="FFFFFF"/>
-                </a:solidFill>
-              </a:rPr>
-              <a:t>#include &lt;stdio.h&gt;</a:t>
-            </a:r>
-          </a:p>
-          <a:p>
-            <a:pPr lvl="0" algn="l">
-              <a:defRPr sz="1800">
-                <a:solidFill>
-                  <a:srgbClr val="000000"/>
-                </a:solidFill>
-              </a:defRPr>
-            </a:pPr>
-            <a:r>
-              <a:rPr sz="3800">
-                <a:solidFill>
-                  <a:srgbClr val="FFFFFF"/>
-                </a:solidFill>
-              </a:rPr>
-              <a:t>#include &lt;stdio.h&gt;</a:t>
-            </a:r>
-          </a:p>
-          <a:p>
-            <a:pPr lvl="0" algn="l">
-              <a:defRPr sz="1800">
-                <a:solidFill>
-                  <a:srgbClr val="000000"/>
-                </a:solidFill>
-              </a:defRPr>
-            </a:pPr>
-            <a:endParaRPr sz="3800">
-              <a:solidFill>
-                <a:srgbClr val="FFFFFF"/>
-              </a:solidFill>
-            </a:endParaRPr>
-          </a:p>
-          <a:p>
-            <a:pPr lvl="0" algn="l">
-              <a:defRPr sz="1800">
-                <a:solidFill>
-                  <a:srgbClr val="000000"/>
-                </a:solidFill>
-              </a:defRPr>
-            </a:pPr>
-            <a:r>
-              <a:rPr sz="3800">
-                <a:solidFill>
-                  <a:srgbClr val="FFFFFF"/>
-                </a:solidFill>
-              </a:rPr>
-              <a:t>int main()</a:t>
-            </a:r>
-          </a:p>
-          <a:p>
-            <a:pPr lvl="0" algn="l">
-              <a:defRPr sz="1800">
-                <a:solidFill>
-                  <a:srgbClr val="000000"/>
-                </a:solidFill>
-              </a:defRPr>
-            </a:pPr>
-            <a:r>
-              <a:rPr sz="3800">
-                <a:solidFill>
-                  <a:srgbClr val="FFFFFF"/>
-                </a:solidFill>
-              </a:rPr>
-              <a:t>{</a:t>
-            </a:r>
-          </a:p>
-          <a:p>
-            <a:pPr lvl="1" algn="l">
-              <a:defRPr sz="1800">
-                <a:solidFill>
-                  <a:srgbClr val="000000"/>
-                </a:solidFill>
-              </a:defRPr>
-            </a:pPr>
-            <a:r>
-              <a:rPr sz="3800">
-                <a:solidFill>
-                  <a:srgbClr val="FFFFFF"/>
-                </a:solidFill>
-              </a:rPr>
-              <a:t>char hrf;</a:t>
-            </a:r>
-          </a:p>
-          <a:p>
-            <a:pPr lvl="1" algn="l">
-              <a:defRPr sz="1800">
-                <a:solidFill>
-                  <a:srgbClr val="000000"/>
-                </a:solidFill>
-              </a:defRPr>
-            </a:pPr>
-            <a:r>
-              <a:rPr sz="3800">
-                <a:solidFill>
-                  <a:srgbClr val="FFFFFF"/>
-                </a:solidFill>
-              </a:rPr>
-              <a:t>printf (“Masukkan Sebuah karakter: ”);</a:t>
-            </a:r>
-          </a:p>
-          <a:p>
-            <a:pPr lvl="1" algn="l">
-              <a:defRPr sz="1800">
-                <a:solidFill>
-                  <a:srgbClr val="000000"/>
-                </a:solidFill>
-              </a:defRPr>
-            </a:pPr>
-            <a:r>
-              <a:rPr sz="3800">
-                <a:solidFill>
-                  <a:srgbClr val="FFFFFF"/>
-                </a:solidFill>
-              </a:rPr>
-              <a:t>hrf = getchar();</a:t>
-            </a:r>
-          </a:p>
-          <a:p>
-            <a:pPr lvl="1" algn="l">
-              <a:defRPr sz="1800">
-                <a:solidFill>
-                  <a:srgbClr val="000000"/>
-                </a:solidFill>
-              </a:defRPr>
-            </a:pPr>
-            <a:r>
-              <a:rPr sz="3800">
-                <a:solidFill>
-                  <a:srgbClr val="FFFFFF"/>
-                </a:solidFill>
-              </a:rPr>
-              <a:t>printf(“\nNilai yang dimasukkan : %c\n”, hrf);</a:t>
-            </a:r>
-          </a:p>
-          <a:p>
-            <a:pPr lvl="1" algn="l">
-              <a:defRPr sz="1800">
-                <a:solidFill>
-                  <a:srgbClr val="000000"/>
-                </a:solidFill>
-              </a:defRPr>
-            </a:pPr>
-            <a:r>
-              <a:rPr sz="3800">
-                <a:solidFill>
-                  <a:srgbClr val="FFFFFF"/>
-                </a:solidFill>
-              </a:rPr>
-              <a:t>getch();</a:t>
-            </a:r>
-          </a:p>
-          <a:p>
-            <a:pPr lvl="1" algn="l">
-              <a:defRPr sz="1800">
-                <a:solidFill>
-                  <a:srgbClr val="000000"/>
-                </a:solidFill>
-              </a:defRPr>
-            </a:pPr>
-            <a:r>
-              <a:rPr sz="3800">
-                <a:solidFill>
-                  <a:srgbClr val="FFFFFF"/>
-                </a:solidFill>
-              </a:rPr>
-              <a:t>}</a:t>
-            </a:r>
-          </a:p>
-        </p:txBody>
-      </p:sp>
-      <p:sp>
-        <p:nvSpPr>
-          <p:cNvPr id="135" name="Shape 135"/>
-          <p:cNvSpPr>
-            <a:spLocks noGrp="1"/>
-          </p:cNvSpPr>
-          <p:nvPr>
-            <p:ph type="sldNum" sz="quarter" idx="4294967295"/>
-          </p:nvPr>
-        </p:nvSpPr>
-        <p:spPr>
-          <a:xfrm>
-            <a:off x="6311798" y="9245600"/>
-            <a:ext cx="368504" cy="381000"/>
-          </a:xfrm>
-          <a:prstGeom prst="rect">
-            <a:avLst/>
-          </a:prstGeom>
-          <a:ln w="12700">
-            <a:miter lim="400000"/>
-          </a:ln>
-          <a:extLst>
-            <a:ext uri="{C572A759-6A51-4108-AA02-DFA0A04FC94B}">
-              <ma14:wrappingTextBoxFlag xmlns:ma14="http://schemas.microsoft.com/office/mac/drawingml/2011/main" xmlns="" val="1"/>
-            </a:ext>
-          </a:extLst>
-        </p:spPr>
-        <p:txBody>
-          <a:bodyPr wrap="none" lIns="0" tIns="0" rIns="0" bIns="0">
-            <a:spAutoFit/>
-          </a:bodyPr>
-          <a:lstStyle>
-            <a:lvl1pPr>
-              <a:defRPr sz="1800"/>
-            </a:lvl1pPr>
-          </a:lstStyle>
-          <a:p>
-            <a:pPr lvl="0">
-              <a:defRPr>
-                <a:solidFill>
-                  <a:srgbClr val="000000"/>
-                </a:solidFill>
-              </a:defRPr>
-            </a:pPr>
-            <a:fld id="{86CB4B4D-7CA3-9044-876B-883B54F8677D}" type="slidenum">
-              <a:rPr>
-                <a:solidFill>
-                  <a:srgbClr val="FFFFFF"/>
-                </a:solidFill>
-              </a:rPr>
-              <a:t>28</a:t>
-            </a:fld>
-            <a:endParaRPr>
-              <a:solidFill>
-                <a:srgbClr val="FFFFFF"/>
-              </a:solidFill>
-            </a:endParaRPr>
-          </a:p>
-        </p:txBody>
-      </p:sp>
-    </p:spTree>
-  </p:cSld>
-  <p:clrMapOvr>
-    <a:masterClrMapping/>
-  </p:clrMapOvr>
-  <p:transition spd="med"/>
-</p:sld>
-</file>
-
-<file path=ppt/slides/slide29.xml><?xml version="1.0" encoding="utf-8"?>
-<p:sld xmlns:a="http://schemas.openxmlformats.org/drawingml/2006/main" xmlns:r="http://schemas.openxmlformats.org/officeDocument/2006/relationships" xmlns:p="http://schemas.openxmlformats.org/presentationml/2006/main">
-  <p:cSld>
-    <p:spTree>
-      <p:nvGrpSpPr>
-        <p:cNvPr id="1" name=""/>
-        <p:cNvGrpSpPr/>
-        <p:nvPr/>
-      </p:nvGrpSpPr>
-      <p:grpSpPr>
-        <a:xfrm>
-          <a:off x="0" y="0"/>
-          <a:ext cx="0" cy="0"/>
-          <a:chOff x="0" y="0"/>
-          <a:chExt cx="0" cy="0"/>
-        </a:xfrm>
-      </p:grpSpPr>
-      <p:sp>
-        <p:nvSpPr>
-          <p:cNvPr id="137" name="Shape 137"/>
-          <p:cNvSpPr>
-            <a:spLocks noGrp="1"/>
-          </p:cNvSpPr>
-          <p:nvPr>
-            <p:ph type="title"/>
-          </p:nvPr>
-        </p:nvSpPr>
-        <p:spPr>
-          <a:prstGeom prst="rect">
-            <a:avLst/>
-          </a:prstGeom>
-        </p:spPr>
-        <p:txBody>
-          <a:bodyPr/>
-          <a:lstStyle/>
-          <a:p>
-            <a:pPr lvl="0">
-              <a:defRPr sz="1800">
-                <a:solidFill>
-                  <a:srgbClr val="000000"/>
-                </a:solidFill>
-              </a:defRPr>
-            </a:pPr>
-            <a:r>
-              <a:rPr sz="8000">
-                <a:solidFill>
-                  <a:srgbClr val="FFFFFF"/>
-                </a:solidFill>
-              </a:rPr>
-              <a:t>Contoh 3</a:t>
-            </a:r>
-          </a:p>
-        </p:txBody>
-      </p:sp>
-      <p:sp>
-        <p:nvSpPr>
-          <p:cNvPr id="138" name="Shape 138"/>
-          <p:cNvSpPr/>
-          <p:nvPr/>
-        </p:nvSpPr>
-        <p:spPr>
-          <a:xfrm>
-            <a:off x="1205738" y="2810011"/>
-            <a:ext cx="10033026" cy="7112001"/>
-          </a:xfrm>
-          <a:prstGeom prst="rect">
-            <a:avLst/>
-          </a:prstGeom>
-          <a:ln w="12700">
-            <a:miter lim="400000"/>
-          </a:ln>
-          <a:extLst>
-            <a:ext uri="{C572A759-6A51-4108-AA02-DFA0A04FC94B}">
-              <ma14:wrappingTextBoxFlag xmlns:ma14="http://schemas.microsoft.com/office/mac/drawingml/2011/main" xmlns="" val="1"/>
-            </a:ext>
-          </a:extLst>
-        </p:spPr>
-        <p:txBody>
-          <a:bodyPr wrap="none" lIns="50800" tIns="50800" rIns="50800" bIns="50800" anchor="ctr">
-            <a:spAutoFit/>
-          </a:bodyPr>
-          <a:lstStyle/>
-          <a:p>
-            <a:pPr lvl="0" algn="l">
-              <a:defRPr sz="1800">
-                <a:solidFill>
-                  <a:srgbClr val="000000"/>
-                </a:solidFill>
-              </a:defRPr>
-            </a:pPr>
-            <a:r>
-              <a:rPr sz="3800">
-                <a:solidFill>
-                  <a:srgbClr val="FFFFFF"/>
-                </a:solidFill>
-              </a:rPr>
-              <a:t>#include &lt;stdio.h&gt;</a:t>
-            </a:r>
-          </a:p>
-          <a:p>
-            <a:pPr lvl="0" algn="l">
-              <a:defRPr sz="1800">
-                <a:solidFill>
-                  <a:srgbClr val="000000"/>
-                </a:solidFill>
-              </a:defRPr>
-            </a:pPr>
-            <a:r>
-              <a:rPr sz="3800">
-                <a:solidFill>
-                  <a:srgbClr val="FFFFFF"/>
-                </a:solidFill>
-              </a:rPr>
-              <a:t>#include &lt;stdio.h&gt;</a:t>
-            </a:r>
-          </a:p>
-          <a:p>
-            <a:pPr lvl="0" algn="l">
-              <a:defRPr sz="1800">
-                <a:solidFill>
-                  <a:srgbClr val="000000"/>
-                </a:solidFill>
-              </a:defRPr>
-            </a:pPr>
-            <a:endParaRPr sz="3800">
-              <a:solidFill>
-                <a:srgbClr val="FFFFFF"/>
-              </a:solidFill>
-            </a:endParaRPr>
-          </a:p>
-          <a:p>
-            <a:pPr lvl="0" algn="l">
-              <a:defRPr sz="1800">
-                <a:solidFill>
-                  <a:srgbClr val="000000"/>
-                </a:solidFill>
-              </a:defRPr>
-            </a:pPr>
-            <a:r>
-              <a:rPr sz="3800">
-                <a:solidFill>
-                  <a:srgbClr val="FFFFFF"/>
-                </a:solidFill>
-              </a:rPr>
-              <a:t>int main()</a:t>
-            </a:r>
-          </a:p>
-          <a:p>
-            <a:pPr lvl="0" algn="l">
-              <a:defRPr sz="1800">
-                <a:solidFill>
-                  <a:srgbClr val="000000"/>
-                </a:solidFill>
-              </a:defRPr>
-            </a:pPr>
-            <a:r>
-              <a:rPr sz="3800">
-                <a:solidFill>
-                  <a:srgbClr val="FFFFFF"/>
-                </a:solidFill>
-              </a:rPr>
-              <a:t>{</a:t>
-            </a:r>
-          </a:p>
-          <a:p>
-            <a:pPr lvl="1" algn="l">
-              <a:defRPr sz="1800">
-                <a:solidFill>
-                  <a:srgbClr val="000000"/>
-                </a:solidFill>
-              </a:defRPr>
-            </a:pPr>
-            <a:r>
-              <a:rPr sz="3800">
-                <a:solidFill>
-                  <a:srgbClr val="FFFFFF"/>
-                </a:solidFill>
-              </a:rPr>
-              <a:t>char hrf;</a:t>
-            </a:r>
-          </a:p>
-          <a:p>
-            <a:pPr lvl="1" algn="l">
-              <a:defRPr sz="1800">
-                <a:solidFill>
-                  <a:srgbClr val="000000"/>
-                </a:solidFill>
-              </a:defRPr>
-            </a:pPr>
-            <a:r>
-              <a:rPr sz="3800">
-                <a:solidFill>
-                  <a:srgbClr val="FFFFFF"/>
-                </a:solidFill>
-              </a:rPr>
-              <a:t>printf (“Masukkan Sebuah karakter: ”);</a:t>
-            </a:r>
-          </a:p>
-          <a:p>
-            <a:pPr lvl="1" algn="l">
-              <a:defRPr sz="1800">
-                <a:solidFill>
-                  <a:srgbClr val="000000"/>
-                </a:solidFill>
-              </a:defRPr>
-            </a:pPr>
-            <a:r>
-              <a:rPr sz="3800">
-                <a:solidFill>
-                  <a:srgbClr val="FFFFFF"/>
-                </a:solidFill>
-              </a:rPr>
-              <a:t>hrf = getch();</a:t>
-            </a:r>
-          </a:p>
-          <a:p>
-            <a:pPr lvl="1" algn="l">
-              <a:defRPr sz="1800">
-                <a:solidFill>
-                  <a:srgbClr val="000000"/>
-                </a:solidFill>
-              </a:defRPr>
-            </a:pPr>
-            <a:r>
-              <a:rPr sz="3800">
-                <a:solidFill>
-                  <a:srgbClr val="FFFFFF"/>
-                </a:solidFill>
-              </a:rPr>
-              <a:t>printf(“\nNilai yang dimasukkan : %c\n”, hrf);</a:t>
-            </a:r>
-          </a:p>
-          <a:p>
-            <a:pPr lvl="1" algn="l">
-              <a:defRPr sz="1800">
-                <a:solidFill>
-                  <a:srgbClr val="000000"/>
-                </a:solidFill>
-              </a:defRPr>
-            </a:pPr>
-            <a:r>
-              <a:rPr sz="3800">
-                <a:solidFill>
-                  <a:srgbClr val="FFFFFF"/>
-                </a:solidFill>
-              </a:rPr>
-              <a:t>getch();</a:t>
-            </a:r>
-          </a:p>
-          <a:p>
-            <a:pPr lvl="1" algn="l">
-              <a:defRPr sz="1800">
-                <a:solidFill>
-                  <a:srgbClr val="000000"/>
-                </a:solidFill>
-              </a:defRPr>
-            </a:pPr>
-            <a:r>
-              <a:rPr sz="3800">
-                <a:solidFill>
-                  <a:srgbClr val="FFFFFF"/>
-                </a:solidFill>
-              </a:rPr>
-              <a:t>}</a:t>
-            </a:r>
-          </a:p>
-        </p:txBody>
-      </p:sp>
-      <p:sp>
-        <p:nvSpPr>
-          <p:cNvPr id="139" name="Shape 139"/>
           <p:cNvSpPr>
             <a:spLocks noGrp="1"/>
           </p:cNvSpPr>
@@ -8390,6 +8117,680 @@
       </p:grpSpPr>
       <p:sp>
         <p:nvSpPr>
+          <p:cNvPr id="133" name="Shape 133"/>
+          <p:cNvSpPr>
+            <a:spLocks noGrp="1"/>
+          </p:cNvSpPr>
+          <p:nvPr>
+            <p:ph type="title"/>
+          </p:nvPr>
+        </p:nvSpPr>
+        <p:spPr>
+          <a:prstGeom prst="rect">
+            <a:avLst/>
+          </a:prstGeom>
+        </p:spPr>
+        <p:txBody>
+          <a:bodyPr/>
+          <a:lstStyle/>
+          <a:p>
+            <a:pPr lvl="0">
+              <a:defRPr sz="1800">
+                <a:solidFill>
+                  <a:srgbClr val="000000"/>
+                </a:solidFill>
+              </a:defRPr>
+            </a:pPr>
+            <a:r>
+              <a:rPr sz="8000">
+                <a:solidFill>
+                  <a:srgbClr val="FFFFFF"/>
+                </a:solidFill>
+              </a:rPr>
+              <a:t>Contoh 2</a:t>
+            </a:r>
+          </a:p>
+        </p:txBody>
+      </p:sp>
+      <p:sp>
+        <p:nvSpPr>
+          <p:cNvPr id="134" name="Shape 134"/>
+          <p:cNvSpPr/>
+          <p:nvPr/>
+        </p:nvSpPr>
+        <p:spPr>
+          <a:xfrm>
+            <a:off x="928729" y="2486824"/>
+            <a:ext cx="10033026" cy="7112001"/>
+          </a:xfrm>
+          <a:prstGeom prst="rect">
+            <a:avLst/>
+          </a:prstGeom>
+          <a:ln w="12700">
+            <a:miter lim="400000"/>
+          </a:ln>
+          <a:extLst>
+            <a:ext uri="{C572A759-6A51-4108-AA02-DFA0A04FC94B}">
+              <ma14:wrappingTextBoxFlag xmlns:ma14="http://schemas.microsoft.com/office/mac/drawingml/2011/main" xmlns="" val="1"/>
+            </a:ext>
+          </a:extLst>
+        </p:spPr>
+        <p:txBody>
+          <a:bodyPr wrap="none" lIns="0" tIns="0" rIns="0" bIns="0">
+            <a:spAutoFit/>
+          </a:bodyPr>
+          <a:lstStyle/>
+          <a:p>
+            <a:pPr lvl="0" algn="l">
+              <a:defRPr sz="1800">
+                <a:solidFill>
+                  <a:srgbClr val="000000"/>
+                </a:solidFill>
+              </a:defRPr>
+            </a:pPr>
+            <a:r>
+              <a:rPr sz="3800">
+                <a:solidFill>
+                  <a:srgbClr val="FFFFFF"/>
+                </a:solidFill>
+              </a:rPr>
+              <a:t>#include &lt;stdio.h&gt;</a:t>
+            </a:r>
+          </a:p>
+          <a:p>
+            <a:pPr lvl="0" algn="l">
+              <a:defRPr sz="1800">
+                <a:solidFill>
+                  <a:srgbClr val="000000"/>
+                </a:solidFill>
+              </a:defRPr>
+            </a:pPr>
+            <a:r>
+              <a:rPr sz="3800">
+                <a:solidFill>
+                  <a:srgbClr val="FFFFFF"/>
+                </a:solidFill>
+              </a:rPr>
+              <a:t>#include &lt;stdio.h&gt;</a:t>
+            </a:r>
+          </a:p>
+          <a:p>
+            <a:pPr lvl="0" algn="l">
+              <a:defRPr sz="1800">
+                <a:solidFill>
+                  <a:srgbClr val="000000"/>
+                </a:solidFill>
+              </a:defRPr>
+            </a:pPr>
+            <a:endParaRPr sz="3800">
+              <a:solidFill>
+                <a:srgbClr val="FFFFFF"/>
+              </a:solidFill>
+            </a:endParaRPr>
+          </a:p>
+          <a:p>
+            <a:pPr lvl="0" algn="l">
+              <a:defRPr sz="1800">
+                <a:solidFill>
+                  <a:srgbClr val="000000"/>
+                </a:solidFill>
+              </a:defRPr>
+            </a:pPr>
+            <a:r>
+              <a:rPr sz="3800">
+                <a:solidFill>
+                  <a:srgbClr val="FFFFFF"/>
+                </a:solidFill>
+              </a:rPr>
+              <a:t>int main()</a:t>
+            </a:r>
+          </a:p>
+          <a:p>
+            <a:pPr lvl="0" algn="l">
+              <a:defRPr sz="1800">
+                <a:solidFill>
+                  <a:srgbClr val="000000"/>
+                </a:solidFill>
+              </a:defRPr>
+            </a:pPr>
+            <a:r>
+              <a:rPr sz="3800">
+                <a:solidFill>
+                  <a:srgbClr val="FFFFFF"/>
+                </a:solidFill>
+              </a:rPr>
+              <a:t>{</a:t>
+            </a:r>
+          </a:p>
+          <a:p>
+            <a:pPr lvl="1" algn="l">
+              <a:defRPr sz="1800">
+                <a:solidFill>
+                  <a:srgbClr val="000000"/>
+                </a:solidFill>
+              </a:defRPr>
+            </a:pPr>
+            <a:r>
+              <a:rPr sz="3800">
+                <a:solidFill>
+                  <a:srgbClr val="FFFFFF"/>
+                </a:solidFill>
+              </a:rPr>
+              <a:t>char hrf;</a:t>
+            </a:r>
+          </a:p>
+          <a:p>
+            <a:pPr lvl="1" algn="l">
+              <a:defRPr sz="1800">
+                <a:solidFill>
+                  <a:srgbClr val="000000"/>
+                </a:solidFill>
+              </a:defRPr>
+            </a:pPr>
+            <a:r>
+              <a:rPr sz="3800">
+                <a:solidFill>
+                  <a:srgbClr val="FFFFFF"/>
+                </a:solidFill>
+              </a:rPr>
+              <a:t>printf (“Masukkan Sebuah karakter: ”);</a:t>
+            </a:r>
+          </a:p>
+          <a:p>
+            <a:pPr lvl="1" algn="l">
+              <a:defRPr sz="1800">
+                <a:solidFill>
+                  <a:srgbClr val="000000"/>
+                </a:solidFill>
+              </a:defRPr>
+            </a:pPr>
+            <a:r>
+              <a:rPr sz="3800">
+                <a:solidFill>
+                  <a:srgbClr val="FFFFFF"/>
+                </a:solidFill>
+              </a:rPr>
+              <a:t>hrf = getchar();</a:t>
+            </a:r>
+          </a:p>
+          <a:p>
+            <a:pPr lvl="1" algn="l">
+              <a:defRPr sz="1800">
+                <a:solidFill>
+                  <a:srgbClr val="000000"/>
+                </a:solidFill>
+              </a:defRPr>
+            </a:pPr>
+            <a:r>
+              <a:rPr sz="3800">
+                <a:solidFill>
+                  <a:srgbClr val="FFFFFF"/>
+                </a:solidFill>
+              </a:rPr>
+              <a:t>printf(“\nNilai yang dimasukkan : %c\n”, hrf);</a:t>
+            </a:r>
+          </a:p>
+          <a:p>
+            <a:pPr lvl="1" algn="l">
+              <a:defRPr sz="1800">
+                <a:solidFill>
+                  <a:srgbClr val="000000"/>
+                </a:solidFill>
+              </a:defRPr>
+            </a:pPr>
+            <a:r>
+              <a:rPr sz="3800">
+                <a:solidFill>
+                  <a:srgbClr val="FFFFFF"/>
+                </a:solidFill>
+              </a:rPr>
+              <a:t>getch();</a:t>
+            </a:r>
+          </a:p>
+          <a:p>
+            <a:pPr lvl="1" algn="l">
+              <a:defRPr sz="1800">
+                <a:solidFill>
+                  <a:srgbClr val="000000"/>
+                </a:solidFill>
+              </a:defRPr>
+            </a:pPr>
+            <a:r>
+              <a:rPr sz="3800">
+                <a:solidFill>
+                  <a:srgbClr val="FFFFFF"/>
+                </a:solidFill>
+              </a:rPr>
+              <a:t>}</a:t>
+            </a:r>
+          </a:p>
+        </p:txBody>
+      </p:sp>
+      <p:sp>
+        <p:nvSpPr>
+          <p:cNvPr id="135" name="Shape 135"/>
+          <p:cNvSpPr>
+            <a:spLocks noGrp="1"/>
+          </p:cNvSpPr>
+          <p:nvPr>
+            <p:ph type="sldNum" sz="quarter" idx="4294967295"/>
+          </p:nvPr>
+        </p:nvSpPr>
+        <p:spPr>
+          <a:xfrm>
+            <a:off x="6311798" y="9245600"/>
+            <a:ext cx="368504" cy="381000"/>
+          </a:xfrm>
+          <a:prstGeom prst="rect">
+            <a:avLst/>
+          </a:prstGeom>
+          <a:ln w="12700">
+            <a:miter lim="400000"/>
+          </a:ln>
+          <a:extLst>
+            <a:ext uri="{C572A759-6A51-4108-AA02-DFA0A04FC94B}">
+              <ma14:wrappingTextBoxFlag xmlns:ma14="http://schemas.microsoft.com/office/mac/drawingml/2011/main" xmlns="" val="1"/>
+            </a:ext>
+          </a:extLst>
+        </p:spPr>
+        <p:txBody>
+          <a:bodyPr wrap="none" lIns="0" tIns="0" rIns="0" bIns="0">
+            <a:spAutoFit/>
+          </a:bodyPr>
+          <a:lstStyle>
+            <a:lvl1pPr>
+              <a:defRPr sz="1800"/>
+            </a:lvl1pPr>
+          </a:lstStyle>
+          <a:p>
+            <a:pPr lvl="0">
+              <a:defRPr>
+                <a:solidFill>
+                  <a:srgbClr val="000000"/>
+                </a:solidFill>
+              </a:defRPr>
+            </a:pPr>
+            <a:fld id="{86CB4B4D-7CA3-9044-876B-883B54F8677D}" type="slidenum">
+              <a:rPr>
+                <a:solidFill>
+                  <a:srgbClr val="FFFFFF"/>
+                </a:solidFill>
+              </a:rPr>
+              <a:t>30</a:t>
+            </a:fld>
+            <a:endParaRPr>
+              <a:solidFill>
+                <a:srgbClr val="FFFFFF"/>
+              </a:solidFill>
+            </a:endParaRPr>
+          </a:p>
+        </p:txBody>
+      </p:sp>
+    </p:spTree>
+  </p:cSld>
+  <p:clrMapOvr>
+    <a:masterClrMapping/>
+  </p:clrMapOvr>
+  <p:transition spd="med"/>
+</p:sld>
+</file>
+
+<file path=ppt/slides/slide31.xml><?xml version="1.0" encoding="utf-8"?>
+<p:sld xmlns:a="http://schemas.openxmlformats.org/drawingml/2006/main" xmlns:r="http://schemas.openxmlformats.org/officeDocument/2006/relationships" xmlns:p="http://schemas.openxmlformats.org/presentationml/2006/main">
+  <p:cSld>
+    <p:spTree>
+      <p:nvGrpSpPr>
+        <p:cNvPr id="1" name=""/>
+        <p:cNvGrpSpPr/>
+        <p:nvPr/>
+      </p:nvGrpSpPr>
+      <p:grpSpPr>
+        <a:xfrm>
+          <a:off x="0" y="0"/>
+          <a:ext cx="0" cy="0"/>
+          <a:chOff x="0" y="0"/>
+          <a:chExt cx="0" cy="0"/>
+        </a:xfrm>
+      </p:grpSpPr>
+      <p:sp>
+        <p:nvSpPr>
+          <p:cNvPr id="137" name="Shape 137"/>
+          <p:cNvSpPr>
+            <a:spLocks noGrp="1"/>
+          </p:cNvSpPr>
+          <p:nvPr>
+            <p:ph type="title"/>
+          </p:nvPr>
+        </p:nvSpPr>
+        <p:spPr>
+          <a:prstGeom prst="rect">
+            <a:avLst/>
+          </a:prstGeom>
+        </p:spPr>
+        <p:txBody>
+          <a:bodyPr/>
+          <a:lstStyle/>
+          <a:p>
+            <a:pPr lvl="0">
+              <a:defRPr sz="1800">
+                <a:solidFill>
+                  <a:srgbClr val="000000"/>
+                </a:solidFill>
+              </a:defRPr>
+            </a:pPr>
+            <a:r>
+              <a:rPr sz="8000">
+                <a:solidFill>
+                  <a:srgbClr val="FFFFFF"/>
+                </a:solidFill>
+              </a:rPr>
+              <a:t>Contoh 3</a:t>
+            </a:r>
+          </a:p>
+        </p:txBody>
+      </p:sp>
+      <p:sp>
+        <p:nvSpPr>
+          <p:cNvPr id="138" name="Shape 138"/>
+          <p:cNvSpPr/>
+          <p:nvPr/>
+        </p:nvSpPr>
+        <p:spPr>
+          <a:xfrm>
+            <a:off x="1205738" y="2810011"/>
+            <a:ext cx="10033026" cy="7112001"/>
+          </a:xfrm>
+          <a:prstGeom prst="rect">
+            <a:avLst/>
+          </a:prstGeom>
+          <a:ln w="12700">
+            <a:miter lim="400000"/>
+          </a:ln>
+          <a:extLst>
+            <a:ext uri="{C572A759-6A51-4108-AA02-DFA0A04FC94B}">
+              <ma14:wrappingTextBoxFlag xmlns:ma14="http://schemas.microsoft.com/office/mac/drawingml/2011/main" xmlns="" val="1"/>
+            </a:ext>
+          </a:extLst>
+        </p:spPr>
+        <p:txBody>
+          <a:bodyPr wrap="none" lIns="50800" tIns="50800" rIns="50800" bIns="50800" anchor="ctr">
+            <a:spAutoFit/>
+          </a:bodyPr>
+          <a:lstStyle/>
+          <a:p>
+            <a:pPr lvl="0" algn="l">
+              <a:defRPr sz="1800">
+                <a:solidFill>
+                  <a:srgbClr val="000000"/>
+                </a:solidFill>
+              </a:defRPr>
+            </a:pPr>
+            <a:r>
+              <a:rPr sz="3800">
+                <a:solidFill>
+                  <a:srgbClr val="FFFFFF"/>
+                </a:solidFill>
+              </a:rPr>
+              <a:t>#include &lt;stdio.h&gt;</a:t>
+            </a:r>
+          </a:p>
+          <a:p>
+            <a:pPr lvl="0" algn="l">
+              <a:defRPr sz="1800">
+                <a:solidFill>
+                  <a:srgbClr val="000000"/>
+                </a:solidFill>
+              </a:defRPr>
+            </a:pPr>
+            <a:r>
+              <a:rPr sz="3800">
+                <a:solidFill>
+                  <a:srgbClr val="FFFFFF"/>
+                </a:solidFill>
+              </a:rPr>
+              <a:t>#include &lt;stdio.h&gt;</a:t>
+            </a:r>
+          </a:p>
+          <a:p>
+            <a:pPr lvl="0" algn="l">
+              <a:defRPr sz="1800">
+                <a:solidFill>
+                  <a:srgbClr val="000000"/>
+                </a:solidFill>
+              </a:defRPr>
+            </a:pPr>
+            <a:endParaRPr sz="3800">
+              <a:solidFill>
+                <a:srgbClr val="FFFFFF"/>
+              </a:solidFill>
+            </a:endParaRPr>
+          </a:p>
+          <a:p>
+            <a:pPr lvl="0" algn="l">
+              <a:defRPr sz="1800">
+                <a:solidFill>
+                  <a:srgbClr val="000000"/>
+                </a:solidFill>
+              </a:defRPr>
+            </a:pPr>
+            <a:r>
+              <a:rPr sz="3800">
+                <a:solidFill>
+                  <a:srgbClr val="FFFFFF"/>
+                </a:solidFill>
+              </a:rPr>
+              <a:t>int main()</a:t>
+            </a:r>
+          </a:p>
+          <a:p>
+            <a:pPr lvl="0" algn="l">
+              <a:defRPr sz="1800">
+                <a:solidFill>
+                  <a:srgbClr val="000000"/>
+                </a:solidFill>
+              </a:defRPr>
+            </a:pPr>
+            <a:r>
+              <a:rPr sz="3800">
+                <a:solidFill>
+                  <a:srgbClr val="FFFFFF"/>
+                </a:solidFill>
+              </a:rPr>
+              <a:t>{</a:t>
+            </a:r>
+          </a:p>
+          <a:p>
+            <a:pPr lvl="1" algn="l">
+              <a:defRPr sz="1800">
+                <a:solidFill>
+                  <a:srgbClr val="000000"/>
+                </a:solidFill>
+              </a:defRPr>
+            </a:pPr>
+            <a:r>
+              <a:rPr sz="3800">
+                <a:solidFill>
+                  <a:srgbClr val="FFFFFF"/>
+                </a:solidFill>
+              </a:rPr>
+              <a:t>char hrf;</a:t>
+            </a:r>
+          </a:p>
+          <a:p>
+            <a:pPr lvl="1" algn="l">
+              <a:defRPr sz="1800">
+                <a:solidFill>
+                  <a:srgbClr val="000000"/>
+                </a:solidFill>
+              </a:defRPr>
+            </a:pPr>
+            <a:r>
+              <a:rPr sz="3800">
+                <a:solidFill>
+                  <a:srgbClr val="FFFFFF"/>
+                </a:solidFill>
+              </a:rPr>
+              <a:t>printf (“Masukkan Sebuah karakter: ”);</a:t>
+            </a:r>
+          </a:p>
+          <a:p>
+            <a:pPr lvl="1" algn="l">
+              <a:defRPr sz="1800">
+                <a:solidFill>
+                  <a:srgbClr val="000000"/>
+                </a:solidFill>
+              </a:defRPr>
+            </a:pPr>
+            <a:r>
+              <a:rPr sz="3800">
+                <a:solidFill>
+                  <a:srgbClr val="FFFFFF"/>
+                </a:solidFill>
+              </a:rPr>
+              <a:t>hrf = getch();</a:t>
+            </a:r>
+          </a:p>
+          <a:p>
+            <a:pPr lvl="1" algn="l">
+              <a:defRPr sz="1800">
+                <a:solidFill>
+                  <a:srgbClr val="000000"/>
+                </a:solidFill>
+              </a:defRPr>
+            </a:pPr>
+            <a:r>
+              <a:rPr sz="3800">
+                <a:solidFill>
+                  <a:srgbClr val="FFFFFF"/>
+                </a:solidFill>
+              </a:rPr>
+              <a:t>printf(“\nNilai yang dimasukkan : %c\n”, hrf);</a:t>
+            </a:r>
+          </a:p>
+          <a:p>
+            <a:pPr lvl="1" algn="l">
+              <a:defRPr sz="1800">
+                <a:solidFill>
+                  <a:srgbClr val="000000"/>
+                </a:solidFill>
+              </a:defRPr>
+            </a:pPr>
+            <a:r>
+              <a:rPr sz="3800">
+                <a:solidFill>
+                  <a:srgbClr val="FFFFFF"/>
+                </a:solidFill>
+              </a:rPr>
+              <a:t>getch();</a:t>
+            </a:r>
+          </a:p>
+          <a:p>
+            <a:pPr lvl="1" algn="l">
+              <a:defRPr sz="1800">
+                <a:solidFill>
+                  <a:srgbClr val="000000"/>
+                </a:solidFill>
+              </a:defRPr>
+            </a:pPr>
+            <a:r>
+              <a:rPr sz="3800">
+                <a:solidFill>
+                  <a:srgbClr val="FFFFFF"/>
+                </a:solidFill>
+              </a:rPr>
+              <a:t>}</a:t>
+            </a:r>
+          </a:p>
+        </p:txBody>
+      </p:sp>
+      <p:sp>
+        <p:nvSpPr>
+          <p:cNvPr id="139" name="Shape 139"/>
+          <p:cNvSpPr>
+            <a:spLocks noGrp="1"/>
+          </p:cNvSpPr>
+          <p:nvPr>
+            <p:ph type="sldNum" sz="quarter" idx="4294967295"/>
+          </p:nvPr>
+        </p:nvSpPr>
+        <p:spPr>
+          <a:xfrm>
+            <a:off x="6311798" y="9245600"/>
+            <a:ext cx="368504" cy="381000"/>
+          </a:xfrm>
+          <a:prstGeom prst="rect">
+            <a:avLst/>
+          </a:prstGeom>
+          <a:ln w="12700">
+            <a:miter lim="400000"/>
+          </a:ln>
+          <a:extLst>
+            <a:ext uri="{C572A759-6A51-4108-AA02-DFA0A04FC94B}">
+              <ma14:wrappingTextBoxFlag xmlns:ma14="http://schemas.microsoft.com/office/mac/drawingml/2011/main" xmlns="" val="1"/>
+            </a:ext>
+          </a:extLst>
+        </p:spPr>
+        <p:txBody>
+          <a:bodyPr wrap="none" lIns="0" tIns="0" rIns="0" bIns="0">
+            <a:spAutoFit/>
+          </a:bodyPr>
+          <a:lstStyle>
+            <a:lvl1pPr>
+              <a:defRPr sz="1800"/>
+            </a:lvl1pPr>
+          </a:lstStyle>
+          <a:p>
+            <a:pPr lvl="0">
+              <a:defRPr>
+                <a:solidFill>
+                  <a:srgbClr val="000000"/>
+                </a:solidFill>
+              </a:defRPr>
+            </a:pPr>
+            <a:fld id="{86CB4B4D-7CA3-9044-876B-883B54F8677D}" type="slidenum">
+              <a:rPr>
+                <a:solidFill>
+                  <a:srgbClr val="FFFFFF"/>
+                </a:solidFill>
+              </a:rPr>
+              <a:t>31</a:t>
+            </a:fld>
+            <a:endParaRPr>
+              <a:solidFill>
+                <a:srgbClr val="FFFFFF"/>
+              </a:solidFill>
+            </a:endParaRPr>
+          </a:p>
+        </p:txBody>
+      </p:sp>
+    </p:spTree>
+  </p:cSld>
+  <p:clrMapOvr>
+    <a:masterClrMapping/>
+  </p:clrMapOvr>
+  <p:transition spd="med"/>
+</p:sld>
+</file>
+
+<file path=ppt/slides/slide32.xml><?xml version="1.0" encoding="utf-8"?>
+<p:sld xmlns:a="http://schemas.openxmlformats.org/drawingml/2006/main" xmlns:r="http://schemas.openxmlformats.org/officeDocument/2006/relationships" xmlns:p="http://schemas.openxmlformats.org/presentationml/2006/main">
+  <p:cSld>
+    <p:spTree>
+      <p:nvGrpSpPr>
+        <p:cNvPr id="1" name=""/>
+        <p:cNvGrpSpPr/>
+        <p:nvPr/>
+      </p:nvGrpSpPr>
+      <p:grpSpPr>
+        <a:xfrm>
+          <a:off x="0" y="0"/>
+          <a:ext cx="0" cy="0"/>
+          <a:chOff x="0" y="0"/>
+          <a:chExt cx="0" cy="0"/>
+        </a:xfrm>
+      </p:grpSpPr>
+      <p:sp>
+        <p:nvSpPr>
           <p:cNvPr id="141" name="Shape 141"/>
           <p:cNvSpPr>
             <a:spLocks noGrp="1"/>
@@ -8689,7 +9090,7 @@
                   <a:srgbClr val="FFFFFF"/>
                 </a:solidFill>
               </a:rPr>
-              <a:t>30</a:t>
+              <a:t>32</a:t>
             </a:fld>
             <a:endParaRPr>
               <a:solidFill>
@@ -8708,7 +9109,7 @@
 </p:sld>
 </file>
 
-<file path=ppt/slides/slide31.xml><?xml version="1.0" encoding="utf-8"?>
+<file path=ppt/slides/slide33.xml><?xml version="1.0" encoding="utf-8"?>
 <p:sld xmlns:a="http://schemas.openxmlformats.org/drawingml/2006/main" xmlns:r="http://schemas.openxmlformats.org/officeDocument/2006/relationships" xmlns:p="http://schemas.openxmlformats.org/presentationml/2006/main">
   <p:cSld>
     <p:spTree>
@@ -9658,7 +10059,7 @@
                   <a:srgbClr val="FFFFFF"/>
                 </a:solidFill>
               </a:rPr>
-              <a:t>31</a:t>
+              <a:t>33</a:t>
             </a:fld>
             <a:endParaRPr>
               <a:solidFill>
@@ -9677,7 +10078,7 @@
 </p:sld>
 </file>
 
-<file path=ppt/slides/slide32.xml><?xml version="1.0" encoding="utf-8"?>
+<file path=ppt/slides/slide34.xml><?xml version="1.0" encoding="utf-8"?>
 <p:sld xmlns:a="http://schemas.openxmlformats.org/drawingml/2006/main" xmlns:r="http://schemas.openxmlformats.org/officeDocument/2006/relationships" xmlns:p="http://schemas.openxmlformats.org/presentationml/2006/main">
   <p:cSld>
     <p:spTree>
@@ -9995,7 +10396,7 @@
                   <a:srgbClr val="FFFFFF"/>
                 </a:solidFill>
               </a:rPr>
-              <a:t>32</a:t>
+              <a:t>34</a:t>
             </a:fld>
             <a:endParaRPr>
               <a:solidFill>
@@ -10014,7 +10415,7 @@
 </p:sld>
 </file>
 
-<file path=ppt/slides/slide33.xml><?xml version="1.0" encoding="utf-8"?>
+<file path=ppt/slides/slide35.xml><?xml version="1.0" encoding="utf-8"?>
 <p:sld xmlns:a="http://schemas.openxmlformats.org/drawingml/2006/main" xmlns:r="http://schemas.openxmlformats.org/officeDocument/2006/relationships" xmlns:p="http://schemas.openxmlformats.org/presentationml/2006/main">
   <p:cSld>
     <p:spTree>
@@ -10346,7 +10747,7 @@
                   <a:srgbClr val="FFFFFF"/>
                 </a:solidFill>
               </a:rPr>
-              <a:t>33</a:t>
+              <a:t>35</a:t>
             </a:fld>
             <a:endParaRPr>
               <a:solidFill>
@@ -10365,7 +10766,7 @@
 </p:sld>
 </file>
 
-<file path=ppt/slides/slide34.xml><?xml version="1.0" encoding="utf-8"?>
+<file path=ppt/slides/slide36.xml><?xml version="1.0" encoding="utf-8"?>
 <p:sld xmlns:a="http://schemas.openxmlformats.org/drawingml/2006/main" xmlns:r="http://schemas.openxmlformats.org/officeDocument/2006/relationships" xmlns:p="http://schemas.openxmlformats.org/presentationml/2006/main">
   <p:cSld>
     <p:spTree>
@@ -10748,7 +11149,7 @@
                   <a:srgbClr val="FFFFFF"/>
                 </a:solidFill>
               </a:rPr>
-              <a:t>34</a:t>
+              <a:t>36</a:t>
             </a:fld>
             <a:endParaRPr>
               <a:solidFill>
@@ -10767,7 +11168,7 @@
 </p:sld>
 </file>
 
-<file path=ppt/slides/slide35.xml><?xml version="1.0" encoding="utf-8"?>
+<file path=ppt/slides/slide37.xml><?xml version="1.0" encoding="utf-8"?>
 <p:sld xmlns:a="http://schemas.openxmlformats.org/drawingml/2006/main" xmlns:r="http://schemas.openxmlformats.org/officeDocument/2006/relationships" xmlns:p="http://schemas.openxmlformats.org/presentationml/2006/main">
   <p:cSld>
     <p:spTree>
@@ -11085,7 +11486,7 @@
                   <a:srgbClr val="FFFFFF"/>
                 </a:solidFill>
               </a:rPr>
-              <a:t>35</a:t>
+              <a:t>37</a:t>
             </a:fld>
             <a:endParaRPr>
               <a:solidFill>
@@ -11104,7 +11505,7 @@
 </p:sld>
 </file>
 
-<file path=ppt/slides/slide36.xml><?xml version="1.0" encoding="utf-8"?>
+<file path=ppt/slides/slide38.xml><?xml version="1.0" encoding="utf-8"?>
 <p:sld xmlns:a="http://schemas.openxmlformats.org/drawingml/2006/main" xmlns:r="http://schemas.openxmlformats.org/officeDocument/2006/relationships" xmlns:p="http://schemas.openxmlformats.org/presentationml/2006/main">
   <p:cSld>
     <p:spTree>
@@ -11426,7 +11827,7 @@
                   <a:srgbClr val="FFFFFF"/>
                 </a:solidFill>
               </a:rPr>
-              <a:t>36</a:t>
+              <a:t>38</a:t>
             </a:fld>
             <a:endParaRPr>
               <a:solidFill>
@@ -11445,7 +11846,7 @@
 </p:sld>
 </file>
 
-<file path=ppt/slides/slide37.xml><?xml version="1.0" encoding="utf-8"?>
+<file path=ppt/slides/slide39.xml><?xml version="1.0" encoding="utf-8"?>
 <p:sld xmlns:a="http://schemas.openxmlformats.org/drawingml/2006/main" xmlns:r="http://schemas.openxmlformats.org/officeDocument/2006/relationships" xmlns:p="http://schemas.openxmlformats.org/presentationml/2006/main">
   <p:cSld>
     <p:spTree>
@@ -12480,475 +12881,13 @@
                   <a:srgbClr val="FFFFFF"/>
                 </a:solidFill>
               </a:rPr>
-              <a:t>37</a:t>
+              <a:t>39</a:t>
             </a:fld>
             <a:endParaRPr>
               <a:solidFill>
                 <a:srgbClr val="FFFFFF"/>
               </a:solidFill>
             </a:endParaRPr>
-          </a:p>
-        </p:txBody>
-      </p:sp>
-    </p:spTree>
-  </p:cSld>
-  <p:clrMapOvr>
-    <a:masterClrMapping/>
-  </p:clrMapOvr>
-  <p:transition spd="med"/>
-</p:sld>
-</file>
-
-<file path=ppt/slides/slide38.xml><?xml version="1.0" encoding="utf-8"?>
-<p:sld xmlns:a="http://schemas.openxmlformats.org/drawingml/2006/main" xmlns:r="http://schemas.openxmlformats.org/officeDocument/2006/relationships" xmlns:p="http://schemas.openxmlformats.org/presentationml/2006/main">
-  <p:cSld>
-    <p:spTree>
-      <p:nvGrpSpPr>
-        <p:cNvPr id="1" name=""/>
-        <p:cNvGrpSpPr/>
-        <p:nvPr/>
-      </p:nvGrpSpPr>
-      <p:grpSpPr>
-        <a:xfrm>
-          <a:off x="0" y="0"/>
-          <a:ext cx="0" cy="0"/>
-          <a:chOff x="0" y="0"/>
-          <a:chExt cx="0" cy="0"/>
-        </a:xfrm>
-      </p:grpSpPr>
-      <p:sp>
-        <p:nvSpPr>
-          <p:cNvPr id="173" name="Shape 173"/>
-          <p:cNvSpPr>
-            <a:spLocks noGrp="1"/>
-          </p:cNvSpPr>
-          <p:nvPr>
-            <p:ph type="title"/>
-          </p:nvPr>
-        </p:nvSpPr>
-        <p:spPr>
-          <a:prstGeom prst="rect">
-            <a:avLst/>
-          </a:prstGeom>
-        </p:spPr>
-        <p:txBody>
-          <a:bodyPr/>
-          <a:lstStyle>
-            <a:lvl1pPr defTabSz="484886">
-              <a:defRPr sz="6640"/>
-            </a:lvl1pPr>
-          </a:lstStyle>
-          <a:p>
-            <a:pPr lvl="0">
-              <a:defRPr sz="1800">
-                <a:solidFill>
-                  <a:srgbClr val="000000"/>
-                </a:solidFill>
-              </a:defRPr>
-            </a:pPr>
-            <a:r>
-              <a:rPr sz="6640">
-                <a:solidFill>
-                  <a:srgbClr val="FFFFFF"/>
-                </a:solidFill>
-              </a:rPr>
-              <a:t>Contoh 1 (karakter terformat)</a:t>
-            </a:r>
-          </a:p>
-        </p:txBody>
-      </p:sp>
-      <p:sp>
-        <p:nvSpPr>
-          <p:cNvPr id="174" name="Shape 174"/>
-          <p:cNvSpPr/>
-          <p:nvPr/>
-        </p:nvSpPr>
-        <p:spPr>
-          <a:xfrm>
-            <a:off x="789532" y="2378067"/>
-            <a:ext cx="5523866" cy="6502401"/>
-          </a:xfrm>
-          <a:prstGeom prst="rect">
-            <a:avLst/>
-          </a:prstGeom>
-          <a:ln w="12700">
-            <a:miter lim="400000"/>
-          </a:ln>
-          <a:extLst>
-            <a:ext uri="{C572A759-6A51-4108-AA02-DFA0A04FC94B}">
-              <ma14:wrappingTextBoxFlag xmlns:ma14="http://schemas.microsoft.com/office/mac/drawingml/2011/main" xmlns="" val="1"/>
-            </a:ext>
-          </a:extLst>
-        </p:spPr>
-        <p:txBody>
-          <a:bodyPr wrap="none" lIns="0" tIns="0" rIns="0" bIns="0">
-            <a:spAutoFit/>
-          </a:bodyPr>
-          <a:lstStyle/>
-          <a:p>
-            <a:pPr lvl="0" algn="l">
-              <a:defRPr sz="1800">
-                <a:solidFill>
-                  <a:srgbClr val="000000"/>
-                </a:solidFill>
-              </a:defRPr>
-            </a:pPr>
-            <a:r>
-              <a:rPr sz="3500">
-                <a:solidFill>
-                  <a:srgbClr val="FFFFFF"/>
-                </a:solidFill>
-              </a:rPr>
-              <a:t>#include &lt;stdio.h&gt;</a:t>
-            </a:r>
-          </a:p>
-          <a:p>
-            <a:pPr lvl="0" algn="l">
-              <a:defRPr sz="1800">
-                <a:solidFill>
-                  <a:srgbClr val="000000"/>
-                </a:solidFill>
-              </a:defRPr>
-            </a:pPr>
-            <a:r>
-              <a:rPr sz="3500">
-                <a:solidFill>
-                  <a:srgbClr val="FFFFFF"/>
-                </a:solidFill>
-              </a:rPr>
-              <a:t>#include &lt;conio.h&gt;</a:t>
-            </a:r>
-          </a:p>
-          <a:p>
-            <a:pPr lvl="0" algn="l">
-              <a:defRPr sz="1800">
-                <a:solidFill>
-                  <a:srgbClr val="000000"/>
-                </a:solidFill>
-              </a:defRPr>
-            </a:pPr>
-            <a:r>
-              <a:rPr sz="3500">
-                <a:solidFill>
-                  <a:srgbClr val="FFFFFF"/>
-                </a:solidFill>
-              </a:rPr>
-              <a:t>int main()</a:t>
-            </a:r>
-          </a:p>
-          <a:p>
-            <a:pPr lvl="0" algn="l">
-              <a:defRPr sz="1800">
-                <a:solidFill>
-                  <a:srgbClr val="000000"/>
-                </a:solidFill>
-              </a:defRPr>
-            </a:pPr>
-            <a:endParaRPr sz="3500">
-              <a:solidFill>
-                <a:srgbClr val="FFFFFF"/>
-              </a:solidFill>
-            </a:endParaRPr>
-          </a:p>
-          <a:p>
-            <a:pPr lvl="0" algn="l">
-              <a:defRPr sz="1800">
-                <a:solidFill>
-                  <a:srgbClr val="000000"/>
-                </a:solidFill>
-              </a:defRPr>
-            </a:pPr>
-            <a:r>
-              <a:rPr sz="3500">
-                <a:solidFill>
-                  <a:srgbClr val="FFFFFF"/>
-                </a:solidFill>
-              </a:rPr>
-              <a:t>{</a:t>
-            </a:r>
-          </a:p>
-          <a:p>
-            <a:pPr lvl="0" algn="l">
-              <a:defRPr sz="1800">
-                <a:solidFill>
-                  <a:srgbClr val="000000"/>
-                </a:solidFill>
-              </a:defRPr>
-            </a:pPr>
-            <a:r>
-              <a:rPr sz="3500">
-                <a:solidFill>
-                  <a:srgbClr val="FFFFFF"/>
-                </a:solidFill>
-              </a:rPr>
-              <a:t>char karakter = ‘a’;</a:t>
-            </a:r>
-          </a:p>
-          <a:p>
-            <a:pPr lvl="0" algn="l">
-              <a:defRPr sz="1800">
-                <a:solidFill>
-                  <a:srgbClr val="000000"/>
-                </a:solidFill>
-              </a:defRPr>
-            </a:pPr>
-            <a:r>
-              <a:rPr sz="3500">
-                <a:solidFill>
-                  <a:srgbClr val="FFFFFF"/>
-                </a:solidFill>
-              </a:rPr>
-              <a:t>printf (“%c \n”, karakter);</a:t>
-            </a:r>
-          </a:p>
-          <a:p>
-            <a:pPr lvl="0" algn="l">
-              <a:defRPr sz="1800">
-                <a:solidFill>
-                  <a:srgbClr val="000000"/>
-                </a:solidFill>
-              </a:defRPr>
-            </a:pPr>
-            <a:r>
-              <a:rPr sz="3500">
-                <a:solidFill>
-                  <a:srgbClr val="FFFFFF"/>
-                </a:solidFill>
-              </a:rPr>
-              <a:t>printf (“%3c \n”, karakter);</a:t>
-            </a:r>
-          </a:p>
-          <a:p>
-            <a:pPr lvl="0" algn="l">
-              <a:defRPr sz="1800">
-                <a:solidFill>
-                  <a:srgbClr val="000000"/>
-                </a:solidFill>
-              </a:defRPr>
-            </a:pPr>
-            <a:r>
-              <a:rPr sz="3500">
-                <a:solidFill>
-                  <a:srgbClr val="FFFFFF"/>
-                </a:solidFill>
-              </a:rPr>
-              <a:t>printf (“%-3c \n”, karakter);</a:t>
-            </a:r>
-          </a:p>
-          <a:p>
-            <a:pPr lvl="0" algn="l">
-              <a:defRPr sz="1800">
-                <a:solidFill>
-                  <a:srgbClr val="000000"/>
-                </a:solidFill>
-              </a:defRPr>
-            </a:pPr>
-            <a:r>
-              <a:rPr sz="3500">
-                <a:solidFill>
-                  <a:srgbClr val="FFFFFF"/>
-                </a:solidFill>
-              </a:rPr>
-              <a:t>getch();</a:t>
-            </a:r>
-          </a:p>
-          <a:p>
-            <a:pPr lvl="0" algn="l">
-              <a:defRPr sz="1800">
-                <a:solidFill>
-                  <a:srgbClr val="000000"/>
-                </a:solidFill>
-              </a:defRPr>
-            </a:pPr>
-            <a:r>
-              <a:rPr sz="3500">
-                <a:solidFill>
-                  <a:srgbClr val="FFFFFF"/>
-                </a:solidFill>
-              </a:rPr>
-              <a:t>}</a:t>
-            </a:r>
-          </a:p>
-        </p:txBody>
-      </p:sp>
-      <p:sp>
-        <p:nvSpPr>
-          <p:cNvPr id="175" name="Shape 175"/>
-          <p:cNvSpPr>
-            <a:spLocks noGrp="1"/>
-          </p:cNvSpPr>
-          <p:nvPr>
-            <p:ph type="sldNum" sz="quarter" idx="4294967295"/>
-          </p:nvPr>
-        </p:nvSpPr>
-        <p:spPr>
-          <a:xfrm>
-            <a:off x="6311798" y="9245600"/>
-            <a:ext cx="368504" cy="381000"/>
-          </a:xfrm>
-          <a:prstGeom prst="rect">
-            <a:avLst/>
-          </a:prstGeom>
-          <a:ln w="12700">
-            <a:miter lim="400000"/>
-          </a:ln>
-          <a:extLst>
-            <a:ext uri="{C572A759-6A51-4108-AA02-DFA0A04FC94B}">
-              <ma14:wrappingTextBoxFlag xmlns:ma14="http://schemas.microsoft.com/office/mac/drawingml/2011/main" xmlns="" val="1"/>
-            </a:ext>
-          </a:extLst>
-        </p:spPr>
-        <p:txBody>
-          <a:bodyPr wrap="none" lIns="0" tIns="0" rIns="0" bIns="0">
-            <a:spAutoFit/>
-          </a:bodyPr>
-          <a:lstStyle>
-            <a:lvl1pPr>
-              <a:defRPr sz="1800"/>
-            </a:lvl1pPr>
-          </a:lstStyle>
-          <a:p>
-            <a:pPr lvl="0">
-              <a:defRPr>
-                <a:solidFill>
-                  <a:srgbClr val="000000"/>
-                </a:solidFill>
-              </a:defRPr>
-            </a:pPr>
-            <a:fld id="{86CB4B4D-7CA3-9044-876B-883B54F8677D}" type="slidenum">
-              <a:rPr>
-                <a:solidFill>
-                  <a:srgbClr val="FFFFFF"/>
-                </a:solidFill>
-              </a:rPr>
-              <a:t>38</a:t>
-            </a:fld>
-            <a:endParaRPr>
-              <a:solidFill>
-                <a:srgbClr val="FFFFFF"/>
-              </a:solidFill>
-            </a:endParaRPr>
-          </a:p>
-        </p:txBody>
-      </p:sp>
-    </p:spTree>
-  </p:cSld>
-  <p:clrMapOvr>
-    <a:masterClrMapping/>
-  </p:clrMapOvr>
-  <p:transition spd="med"/>
-</p:sld>
-</file>
-
-<file path=ppt/slides/slide39.xml><?xml version="1.0" encoding="utf-8"?>
-<p:sld xmlns:a="http://schemas.openxmlformats.org/drawingml/2006/main" xmlns:r="http://schemas.openxmlformats.org/officeDocument/2006/relationships" xmlns:p="http://schemas.openxmlformats.org/presentationml/2006/main">
-  <p:cSld>
-    <p:spTree>
-      <p:nvGrpSpPr>
-        <p:cNvPr id="1" name=""/>
-        <p:cNvGrpSpPr/>
-        <p:nvPr/>
-      </p:nvGrpSpPr>
-      <p:grpSpPr>
-        <a:xfrm>
-          <a:off x="0" y="0"/>
-          <a:ext cx="0" cy="0"/>
-          <a:chOff x="0" y="0"/>
-          <a:chExt cx="0" cy="0"/>
-        </a:xfrm>
-      </p:grpSpPr>
-      <p:sp>
-        <p:nvSpPr>
-          <p:cNvPr id="177" name="Shape 177"/>
-          <p:cNvSpPr>
-            <a:spLocks noGrp="1"/>
-          </p:cNvSpPr>
-          <p:nvPr>
-            <p:ph type="title"/>
-          </p:nvPr>
-        </p:nvSpPr>
-        <p:spPr>
-          <a:prstGeom prst="rect">
-            <a:avLst/>
-          </a:prstGeom>
-        </p:spPr>
-        <p:txBody>
-          <a:bodyPr/>
-          <a:lstStyle/>
-          <a:p>
-            <a:pPr lvl="0"/>
-            <a:endParaRPr/>
-          </a:p>
-        </p:txBody>
-      </p:sp>
-      <p:sp>
-        <p:nvSpPr>
-          <p:cNvPr id="178" name="Shape 178"/>
-          <p:cNvSpPr>
-            <a:spLocks noGrp="1"/>
-          </p:cNvSpPr>
-          <p:nvPr>
-            <p:ph type="body" idx="1"/>
-          </p:nvPr>
-        </p:nvSpPr>
-        <p:spPr>
-          <a:prstGeom prst="rect">
-            <a:avLst/>
-          </a:prstGeom>
-        </p:spPr>
-        <p:txBody>
-          <a:bodyPr/>
-          <a:lstStyle/>
-          <a:p>
-            <a:pPr lvl="0">
-              <a:defRPr sz="1800">
-                <a:solidFill>
-                  <a:srgbClr val="000000"/>
-                </a:solidFill>
-              </a:defRPr>
-            </a:pPr>
-            <a:r>
-              <a:rPr sz="3800">
-                <a:solidFill>
-                  <a:srgbClr val="FFFFFF"/>
-                </a:solidFill>
-              </a:rPr>
-              <a:t>hasil = 25</a:t>
-            </a:r>
-          </a:p>
-          <a:p>
-            <a:pPr lvl="0">
-              <a:defRPr sz="1800">
-                <a:solidFill>
-                  <a:srgbClr val="000000"/>
-                </a:solidFill>
-              </a:defRPr>
-            </a:pPr>
-            <a:r>
-              <a:rPr sz="3800">
-                <a:solidFill>
-                  <a:srgbClr val="FFFFFF"/>
-                </a:solidFill>
-              </a:rPr>
-              <a:t>hasil = 25 didapat dari penjumlahan 10 dan 15</a:t>
-            </a:r>
-          </a:p>
-          <a:p>
-            <a:pPr lvl="0">
-              <a:defRPr sz="1800">
-                <a:solidFill>
-                  <a:srgbClr val="000000"/>
-                </a:solidFill>
-              </a:defRPr>
-            </a:pPr>
-            <a:r>
-              <a:rPr sz="3800">
-                <a:solidFill>
-                  <a:srgbClr val="FFFFFF"/>
-                </a:solidFill>
-              </a:rPr>
-              <a:t>clue: hasil = %d didapat dari %d dan %d</a:t>
-            </a:r>
           </a:p>
         </p:txBody>
       </p:sp>
@@ -13199,6 +13138,468 @@
       </p:grpSpPr>
       <p:sp>
         <p:nvSpPr>
+          <p:cNvPr id="173" name="Shape 173"/>
+          <p:cNvSpPr>
+            <a:spLocks noGrp="1"/>
+          </p:cNvSpPr>
+          <p:nvPr>
+            <p:ph type="title"/>
+          </p:nvPr>
+        </p:nvSpPr>
+        <p:spPr>
+          <a:prstGeom prst="rect">
+            <a:avLst/>
+          </a:prstGeom>
+        </p:spPr>
+        <p:txBody>
+          <a:bodyPr/>
+          <a:lstStyle>
+            <a:lvl1pPr defTabSz="484886">
+              <a:defRPr sz="6640"/>
+            </a:lvl1pPr>
+          </a:lstStyle>
+          <a:p>
+            <a:pPr lvl="0">
+              <a:defRPr sz="1800">
+                <a:solidFill>
+                  <a:srgbClr val="000000"/>
+                </a:solidFill>
+              </a:defRPr>
+            </a:pPr>
+            <a:r>
+              <a:rPr sz="6640">
+                <a:solidFill>
+                  <a:srgbClr val="FFFFFF"/>
+                </a:solidFill>
+              </a:rPr>
+              <a:t>Contoh 1 (karakter terformat)</a:t>
+            </a:r>
+          </a:p>
+        </p:txBody>
+      </p:sp>
+      <p:sp>
+        <p:nvSpPr>
+          <p:cNvPr id="174" name="Shape 174"/>
+          <p:cNvSpPr/>
+          <p:nvPr/>
+        </p:nvSpPr>
+        <p:spPr>
+          <a:xfrm>
+            <a:off x="789532" y="2378067"/>
+            <a:ext cx="5523866" cy="6502401"/>
+          </a:xfrm>
+          <a:prstGeom prst="rect">
+            <a:avLst/>
+          </a:prstGeom>
+          <a:ln w="12700">
+            <a:miter lim="400000"/>
+          </a:ln>
+          <a:extLst>
+            <a:ext uri="{C572A759-6A51-4108-AA02-DFA0A04FC94B}">
+              <ma14:wrappingTextBoxFlag xmlns:ma14="http://schemas.microsoft.com/office/mac/drawingml/2011/main" xmlns="" val="1"/>
+            </a:ext>
+          </a:extLst>
+        </p:spPr>
+        <p:txBody>
+          <a:bodyPr wrap="none" lIns="0" tIns="0" rIns="0" bIns="0">
+            <a:spAutoFit/>
+          </a:bodyPr>
+          <a:lstStyle/>
+          <a:p>
+            <a:pPr lvl="0" algn="l">
+              <a:defRPr sz="1800">
+                <a:solidFill>
+                  <a:srgbClr val="000000"/>
+                </a:solidFill>
+              </a:defRPr>
+            </a:pPr>
+            <a:r>
+              <a:rPr sz="3500">
+                <a:solidFill>
+                  <a:srgbClr val="FFFFFF"/>
+                </a:solidFill>
+              </a:rPr>
+              <a:t>#include &lt;stdio.h&gt;</a:t>
+            </a:r>
+          </a:p>
+          <a:p>
+            <a:pPr lvl="0" algn="l">
+              <a:defRPr sz="1800">
+                <a:solidFill>
+                  <a:srgbClr val="000000"/>
+                </a:solidFill>
+              </a:defRPr>
+            </a:pPr>
+            <a:r>
+              <a:rPr sz="3500">
+                <a:solidFill>
+                  <a:srgbClr val="FFFFFF"/>
+                </a:solidFill>
+              </a:rPr>
+              <a:t>#include &lt;conio.h&gt;</a:t>
+            </a:r>
+          </a:p>
+          <a:p>
+            <a:pPr lvl="0" algn="l">
+              <a:defRPr sz="1800">
+                <a:solidFill>
+                  <a:srgbClr val="000000"/>
+                </a:solidFill>
+              </a:defRPr>
+            </a:pPr>
+            <a:r>
+              <a:rPr sz="3500">
+                <a:solidFill>
+                  <a:srgbClr val="FFFFFF"/>
+                </a:solidFill>
+              </a:rPr>
+              <a:t>int main()</a:t>
+            </a:r>
+          </a:p>
+          <a:p>
+            <a:pPr lvl="0" algn="l">
+              <a:defRPr sz="1800">
+                <a:solidFill>
+                  <a:srgbClr val="000000"/>
+                </a:solidFill>
+              </a:defRPr>
+            </a:pPr>
+            <a:endParaRPr sz="3500">
+              <a:solidFill>
+                <a:srgbClr val="FFFFFF"/>
+              </a:solidFill>
+            </a:endParaRPr>
+          </a:p>
+          <a:p>
+            <a:pPr lvl="0" algn="l">
+              <a:defRPr sz="1800">
+                <a:solidFill>
+                  <a:srgbClr val="000000"/>
+                </a:solidFill>
+              </a:defRPr>
+            </a:pPr>
+            <a:r>
+              <a:rPr sz="3500">
+                <a:solidFill>
+                  <a:srgbClr val="FFFFFF"/>
+                </a:solidFill>
+              </a:rPr>
+              <a:t>{</a:t>
+            </a:r>
+          </a:p>
+          <a:p>
+            <a:pPr lvl="0" algn="l">
+              <a:defRPr sz="1800">
+                <a:solidFill>
+                  <a:srgbClr val="000000"/>
+                </a:solidFill>
+              </a:defRPr>
+            </a:pPr>
+            <a:r>
+              <a:rPr sz="3500">
+                <a:solidFill>
+                  <a:srgbClr val="FFFFFF"/>
+                </a:solidFill>
+              </a:rPr>
+              <a:t>char karakter = ‘a’;</a:t>
+            </a:r>
+          </a:p>
+          <a:p>
+            <a:pPr lvl="0" algn="l">
+              <a:defRPr sz="1800">
+                <a:solidFill>
+                  <a:srgbClr val="000000"/>
+                </a:solidFill>
+              </a:defRPr>
+            </a:pPr>
+            <a:r>
+              <a:rPr sz="3500">
+                <a:solidFill>
+                  <a:srgbClr val="FFFFFF"/>
+                </a:solidFill>
+              </a:rPr>
+              <a:t>printf (“%c \n”, karakter);</a:t>
+            </a:r>
+          </a:p>
+          <a:p>
+            <a:pPr lvl="0" algn="l">
+              <a:defRPr sz="1800">
+                <a:solidFill>
+                  <a:srgbClr val="000000"/>
+                </a:solidFill>
+              </a:defRPr>
+            </a:pPr>
+            <a:r>
+              <a:rPr sz="3500">
+                <a:solidFill>
+                  <a:srgbClr val="FFFFFF"/>
+                </a:solidFill>
+              </a:rPr>
+              <a:t>printf (“%3c \n”, karakter);</a:t>
+            </a:r>
+          </a:p>
+          <a:p>
+            <a:pPr lvl="0" algn="l">
+              <a:defRPr sz="1800">
+                <a:solidFill>
+                  <a:srgbClr val="000000"/>
+                </a:solidFill>
+              </a:defRPr>
+            </a:pPr>
+            <a:r>
+              <a:rPr sz="3500">
+                <a:solidFill>
+                  <a:srgbClr val="FFFFFF"/>
+                </a:solidFill>
+              </a:rPr>
+              <a:t>printf (“%-3c \n”, karakter);</a:t>
+            </a:r>
+          </a:p>
+          <a:p>
+            <a:pPr lvl="0" algn="l">
+              <a:defRPr sz="1800">
+                <a:solidFill>
+                  <a:srgbClr val="000000"/>
+                </a:solidFill>
+              </a:defRPr>
+            </a:pPr>
+            <a:r>
+              <a:rPr sz="3500">
+                <a:solidFill>
+                  <a:srgbClr val="FFFFFF"/>
+                </a:solidFill>
+              </a:rPr>
+              <a:t>getch();</a:t>
+            </a:r>
+          </a:p>
+          <a:p>
+            <a:pPr lvl="0" algn="l">
+              <a:defRPr sz="1800">
+                <a:solidFill>
+                  <a:srgbClr val="000000"/>
+                </a:solidFill>
+              </a:defRPr>
+            </a:pPr>
+            <a:r>
+              <a:rPr sz="3500">
+                <a:solidFill>
+                  <a:srgbClr val="FFFFFF"/>
+                </a:solidFill>
+              </a:rPr>
+              <a:t>}</a:t>
+            </a:r>
+          </a:p>
+        </p:txBody>
+      </p:sp>
+      <p:sp>
+        <p:nvSpPr>
+          <p:cNvPr id="175" name="Shape 175"/>
+          <p:cNvSpPr>
+            <a:spLocks noGrp="1"/>
+          </p:cNvSpPr>
+          <p:nvPr>
+            <p:ph type="sldNum" sz="quarter" idx="4294967295"/>
+          </p:nvPr>
+        </p:nvSpPr>
+        <p:spPr>
+          <a:xfrm>
+            <a:off x="6311798" y="9245600"/>
+            <a:ext cx="368504" cy="381000"/>
+          </a:xfrm>
+          <a:prstGeom prst="rect">
+            <a:avLst/>
+          </a:prstGeom>
+          <a:ln w="12700">
+            <a:miter lim="400000"/>
+          </a:ln>
+          <a:extLst>
+            <a:ext uri="{C572A759-6A51-4108-AA02-DFA0A04FC94B}">
+              <ma14:wrappingTextBoxFlag xmlns:ma14="http://schemas.microsoft.com/office/mac/drawingml/2011/main" xmlns="" val="1"/>
+            </a:ext>
+          </a:extLst>
+        </p:spPr>
+        <p:txBody>
+          <a:bodyPr wrap="none" lIns="0" tIns="0" rIns="0" bIns="0">
+            <a:spAutoFit/>
+          </a:bodyPr>
+          <a:lstStyle>
+            <a:lvl1pPr>
+              <a:defRPr sz="1800"/>
+            </a:lvl1pPr>
+          </a:lstStyle>
+          <a:p>
+            <a:pPr lvl="0">
+              <a:defRPr>
+                <a:solidFill>
+                  <a:srgbClr val="000000"/>
+                </a:solidFill>
+              </a:defRPr>
+            </a:pPr>
+            <a:fld id="{86CB4B4D-7CA3-9044-876B-883B54F8677D}" type="slidenum">
+              <a:rPr>
+                <a:solidFill>
+                  <a:srgbClr val="FFFFFF"/>
+                </a:solidFill>
+              </a:rPr>
+              <a:t>40</a:t>
+            </a:fld>
+            <a:endParaRPr>
+              <a:solidFill>
+                <a:srgbClr val="FFFFFF"/>
+              </a:solidFill>
+            </a:endParaRPr>
+          </a:p>
+        </p:txBody>
+      </p:sp>
+    </p:spTree>
+  </p:cSld>
+  <p:clrMapOvr>
+    <a:masterClrMapping/>
+  </p:clrMapOvr>
+  <p:transition spd="med"/>
+</p:sld>
+</file>
+
+<file path=ppt/slides/slide41.xml><?xml version="1.0" encoding="utf-8"?>
+<p:sld xmlns:a="http://schemas.openxmlformats.org/drawingml/2006/main" xmlns:r="http://schemas.openxmlformats.org/officeDocument/2006/relationships" xmlns:p="http://schemas.openxmlformats.org/presentationml/2006/main">
+  <p:cSld>
+    <p:spTree>
+      <p:nvGrpSpPr>
+        <p:cNvPr id="1" name=""/>
+        <p:cNvGrpSpPr/>
+        <p:nvPr/>
+      </p:nvGrpSpPr>
+      <p:grpSpPr>
+        <a:xfrm>
+          <a:off x="0" y="0"/>
+          <a:ext cx="0" cy="0"/>
+          <a:chOff x="0" y="0"/>
+          <a:chExt cx="0" cy="0"/>
+        </a:xfrm>
+      </p:grpSpPr>
+      <p:sp>
+        <p:nvSpPr>
+          <p:cNvPr id="177" name="Shape 177"/>
+          <p:cNvSpPr>
+            <a:spLocks noGrp="1"/>
+          </p:cNvSpPr>
+          <p:nvPr>
+            <p:ph type="title"/>
+          </p:nvPr>
+        </p:nvSpPr>
+        <p:spPr>
+          <a:prstGeom prst="rect">
+            <a:avLst/>
+          </a:prstGeom>
+        </p:spPr>
+        <p:txBody>
+          <a:bodyPr/>
+          <a:lstStyle/>
+          <a:p>
+            <a:pPr lvl="0"/>
+            <a:endParaRPr/>
+          </a:p>
+        </p:txBody>
+      </p:sp>
+      <p:sp>
+        <p:nvSpPr>
+          <p:cNvPr id="178" name="Shape 178"/>
+          <p:cNvSpPr>
+            <a:spLocks noGrp="1"/>
+          </p:cNvSpPr>
+          <p:nvPr>
+            <p:ph type="body" idx="1"/>
+          </p:nvPr>
+        </p:nvSpPr>
+        <p:spPr>
+          <a:prstGeom prst="rect">
+            <a:avLst/>
+          </a:prstGeom>
+        </p:spPr>
+        <p:txBody>
+          <a:bodyPr/>
+          <a:lstStyle/>
+          <a:p>
+            <a:pPr lvl="0">
+              <a:defRPr sz="1800">
+                <a:solidFill>
+                  <a:srgbClr val="000000"/>
+                </a:solidFill>
+              </a:defRPr>
+            </a:pPr>
+            <a:r>
+              <a:rPr sz="3800">
+                <a:solidFill>
+                  <a:srgbClr val="FFFFFF"/>
+                </a:solidFill>
+              </a:rPr>
+              <a:t>hasil = 25</a:t>
+            </a:r>
+          </a:p>
+          <a:p>
+            <a:pPr lvl="0">
+              <a:defRPr sz="1800">
+                <a:solidFill>
+                  <a:srgbClr val="000000"/>
+                </a:solidFill>
+              </a:defRPr>
+            </a:pPr>
+            <a:r>
+              <a:rPr sz="3800">
+                <a:solidFill>
+                  <a:srgbClr val="FFFFFF"/>
+                </a:solidFill>
+              </a:rPr>
+              <a:t>hasil = 25 didapat dari penjumlahan 10 dan 15</a:t>
+            </a:r>
+          </a:p>
+          <a:p>
+            <a:pPr lvl="0">
+              <a:defRPr sz="1800">
+                <a:solidFill>
+                  <a:srgbClr val="000000"/>
+                </a:solidFill>
+              </a:defRPr>
+            </a:pPr>
+            <a:r>
+              <a:rPr sz="3800">
+                <a:solidFill>
+                  <a:srgbClr val="FFFFFF"/>
+                </a:solidFill>
+              </a:rPr>
+              <a:t>clue: hasil = %d didapat dari %d dan %d</a:t>
+            </a:r>
+          </a:p>
+        </p:txBody>
+      </p:sp>
+    </p:spTree>
+  </p:cSld>
+  <p:clrMapOvr>
+    <a:masterClrMapping/>
+  </p:clrMapOvr>
+  <p:transition spd="med"/>
+</p:sld>
+</file>
+
+<file path=ppt/slides/slide42.xml><?xml version="1.0" encoding="utf-8"?>
+<p:sld xmlns:a="http://schemas.openxmlformats.org/drawingml/2006/main" xmlns:r="http://schemas.openxmlformats.org/officeDocument/2006/relationships" xmlns:p="http://schemas.openxmlformats.org/presentationml/2006/main">
+  <p:cSld>
+    <p:spTree>
+      <p:nvGrpSpPr>
+        <p:cNvPr id="1" name=""/>
+        <p:cNvGrpSpPr/>
+        <p:nvPr/>
+      </p:nvGrpSpPr>
+      <p:grpSpPr>
+        <a:xfrm>
+          <a:off x="0" y="0"/>
+          <a:ext cx="0" cy="0"/>
+          <a:chOff x="0" y="0"/>
+          <a:chExt cx="0" cy="0"/>
+        </a:xfrm>
+      </p:grpSpPr>
+      <p:sp>
+        <p:nvSpPr>
           <p:cNvPr id="180" name="Shape 180"/>
           <p:cNvSpPr>
             <a:spLocks noGrp="1"/>
@@ -13335,7 +13736,7 @@
 </p:sld>
 </file>
 
-<file path=ppt/slides/slide41.xml><?xml version="1.0" encoding="utf-8"?>
+<file path=ppt/slides/slide43.xml><?xml version="1.0" encoding="utf-8"?>
 <p:sld xmlns:a="http://schemas.openxmlformats.org/drawingml/2006/main" xmlns:r="http://schemas.openxmlformats.org/officeDocument/2006/relationships" xmlns:p="http://schemas.openxmlformats.org/presentationml/2006/main">
   <p:cSld>
     <p:spTree>
@@ -13422,7 +13823,7 @@
 </p:sld>
 </file>
 
-<file path=ppt/slides/slide42.xml><?xml version="1.0" encoding="utf-8"?>
+<file path=ppt/slides/slide44.xml><?xml version="1.0" encoding="utf-8"?>
 <p:sld xmlns:a="http://schemas.openxmlformats.org/drawingml/2006/main" xmlns:r="http://schemas.openxmlformats.org/officeDocument/2006/relationships" xmlns:p="http://schemas.openxmlformats.org/presentationml/2006/main">
   <p:cSld>
     <p:spTree>
@@ -13645,7 +14046,7 @@
 </p:sld>
 </file>
 
-<file path=ppt/slides/slide43.xml><?xml version="1.0" encoding="utf-8"?>
+<file path=ppt/slides/slide45.xml><?xml version="1.0" encoding="utf-8"?>
 <p:sld xmlns:a="http://schemas.openxmlformats.org/drawingml/2006/main" xmlns:r="http://schemas.openxmlformats.org/officeDocument/2006/relationships" xmlns:p="http://schemas.openxmlformats.org/presentationml/2006/main">
   <p:cSld>
     <p:spTree>
@@ -13766,7 +14167,7 @@
 </p:sld>
 </file>
 
-<file path=ppt/slides/slide44.xml><?xml version="1.0" encoding="utf-8"?>
+<file path=ppt/slides/slide46.xml><?xml version="1.0" encoding="utf-8"?>
 <p:sld xmlns:a="http://schemas.openxmlformats.org/drawingml/2006/main" xmlns:r="http://schemas.openxmlformats.org/officeDocument/2006/relationships" xmlns:p="http://schemas.openxmlformats.org/presentationml/2006/main">
   <p:cSld>
     <p:spTree>
@@ -14236,7 +14637,7 @@
                   <a:srgbClr val="FFFFFF"/>
                 </a:solidFill>
               </a:rPr>
-              <a:t>44</a:t>
+              <a:t>46</a:t>
             </a:fld>
             <a:endParaRPr>
               <a:solidFill>
@@ -14255,7 +14656,7 @@
 </p:sld>
 </file>
 
-<file path=ppt/slides/slide45.xml><?xml version="1.0" encoding="utf-8"?>
+<file path=ppt/slides/slide47.xml><?xml version="1.0" encoding="utf-8"?>
 <p:sld xmlns:a="http://schemas.openxmlformats.org/drawingml/2006/main" xmlns:r="http://schemas.openxmlformats.org/officeDocument/2006/relationships" xmlns:p="http://schemas.openxmlformats.org/presentationml/2006/main">
   <p:cSld>
     <p:spTree>
@@ -14784,7 +15185,7 @@
                   <a:srgbClr val="FFFFFF"/>
                 </a:solidFill>
               </a:rPr>
-              <a:t>45</a:t>
+              <a:t>47</a:t>
             </a:fld>
             <a:endParaRPr>
               <a:solidFill>
@@ -14803,7 +15204,7 @@
 </p:sld>
 </file>
 
-<file path=ppt/slides/slide46.xml><?xml version="1.0" encoding="utf-8"?>
+<file path=ppt/slides/slide48.xml><?xml version="1.0" encoding="utf-8"?>
 <p:sld xmlns:a="http://schemas.openxmlformats.org/drawingml/2006/main" xmlns:r="http://schemas.openxmlformats.org/officeDocument/2006/relationships" xmlns:p="http://schemas.openxmlformats.org/presentationml/2006/main">
   <p:cSld>
     <p:spTree>
@@ -15273,7 +15674,7 @@
                   <a:srgbClr val="FFFFFF"/>
                 </a:solidFill>
               </a:rPr>
-              <a:t>46</a:t>
+              <a:t>48</a:t>
             </a:fld>
             <a:endParaRPr>
               <a:solidFill>
@@ -15292,7 +15693,7 @@
 </p:sld>
 </file>
 
-<file path=ppt/slides/slide47.xml><?xml version="1.0" encoding="utf-8"?>
+<file path=ppt/slides/slide49.xml><?xml version="1.0" encoding="utf-8"?>
 <p:sld xmlns:a="http://schemas.openxmlformats.org/drawingml/2006/main" xmlns:r="http://schemas.openxmlformats.org/officeDocument/2006/relationships" xmlns:p="http://schemas.openxmlformats.org/presentationml/2006/main">
   <p:cSld>
     <p:spTree>
@@ -15424,524 +15825,6 @@
       <p:sp>
         <p:nvSpPr>
           <p:cNvPr id="206" name="Shape 206"/>
-          <p:cNvSpPr>
-            <a:spLocks noGrp="1"/>
-          </p:cNvSpPr>
-          <p:nvPr>
-            <p:ph type="sldNum" sz="quarter" idx="4294967295"/>
-          </p:nvPr>
-        </p:nvSpPr>
-        <p:spPr>
-          <a:xfrm>
-            <a:off x="6311798" y="9245600"/>
-            <a:ext cx="368504" cy="381000"/>
-          </a:xfrm>
-          <a:prstGeom prst="rect">
-            <a:avLst/>
-          </a:prstGeom>
-          <a:ln w="12700">
-            <a:miter lim="400000"/>
-          </a:ln>
-          <a:extLst>
-            <a:ext uri="{C572A759-6A51-4108-AA02-DFA0A04FC94B}">
-              <ma14:wrappingTextBoxFlag xmlns:ma14="http://schemas.microsoft.com/office/mac/drawingml/2011/main" xmlns="" val="1"/>
-            </a:ext>
-          </a:extLst>
-        </p:spPr>
-        <p:txBody>
-          <a:bodyPr wrap="none" lIns="0" tIns="0" rIns="0" bIns="0">
-            <a:spAutoFit/>
-          </a:bodyPr>
-          <a:lstStyle>
-            <a:lvl1pPr>
-              <a:defRPr sz="1800"/>
-            </a:lvl1pPr>
-          </a:lstStyle>
-          <a:p>
-            <a:pPr lvl="0">
-              <a:defRPr>
-                <a:solidFill>
-                  <a:srgbClr val="000000"/>
-                </a:solidFill>
-              </a:defRPr>
-            </a:pPr>
-            <a:fld id="{86CB4B4D-7CA3-9044-876B-883B54F8677D}" type="slidenum">
-              <a:rPr>
-                <a:solidFill>
-                  <a:srgbClr val="FFFFFF"/>
-                </a:solidFill>
-              </a:rPr>
-              <a:t>47</a:t>
-            </a:fld>
-            <a:endParaRPr>
-              <a:solidFill>
-                <a:srgbClr val="FFFFFF"/>
-              </a:solidFill>
-            </a:endParaRPr>
-          </a:p>
-        </p:txBody>
-      </p:sp>
-    </p:spTree>
-  </p:cSld>
-  <p:clrMapOvr>
-    <a:masterClrMapping/>
-  </p:clrMapOvr>
-  <p:transition spd="med"/>
-</p:sld>
-</file>
-
-<file path=ppt/slides/slide48.xml><?xml version="1.0" encoding="utf-8"?>
-<p:sld xmlns:a="http://schemas.openxmlformats.org/drawingml/2006/main" xmlns:r="http://schemas.openxmlformats.org/officeDocument/2006/relationships" xmlns:p="http://schemas.openxmlformats.org/presentationml/2006/main">
-  <p:cSld>
-    <p:spTree>
-      <p:nvGrpSpPr>
-        <p:cNvPr id="1" name=""/>
-        <p:cNvGrpSpPr/>
-        <p:nvPr/>
-      </p:nvGrpSpPr>
-      <p:grpSpPr>
-        <a:xfrm>
-          <a:off x="0" y="0"/>
-          <a:ext cx="0" cy="0"/>
-          <a:chOff x="0" y="0"/>
-          <a:chExt cx="0" cy="0"/>
-        </a:xfrm>
-      </p:grpSpPr>
-      <p:sp>
-        <p:nvSpPr>
-          <p:cNvPr id="208" name="Shape 208"/>
-          <p:cNvSpPr>
-            <a:spLocks noGrp="1"/>
-          </p:cNvSpPr>
-          <p:nvPr>
-            <p:ph type="title"/>
-          </p:nvPr>
-        </p:nvSpPr>
-        <p:spPr>
-          <a:prstGeom prst="rect">
-            <a:avLst/>
-          </a:prstGeom>
-        </p:spPr>
-        <p:txBody>
-          <a:bodyPr/>
-          <a:lstStyle/>
-          <a:p>
-            <a:pPr lvl="0">
-              <a:defRPr sz="1800">
-                <a:solidFill>
-                  <a:srgbClr val="000000"/>
-                </a:solidFill>
-              </a:defRPr>
-            </a:pPr>
-            <a:r>
-              <a:rPr sz="8000">
-                <a:solidFill>
-                  <a:srgbClr val="FFFFFF"/>
-                </a:solidFill>
-              </a:rPr>
-              <a:t>Pola if</a:t>
-            </a:r>
-          </a:p>
-        </p:txBody>
-      </p:sp>
-      <p:sp>
-        <p:nvSpPr>
-          <p:cNvPr id="209" name="Shape 209"/>
-          <p:cNvSpPr/>
-          <p:nvPr/>
-        </p:nvSpPr>
-        <p:spPr>
-          <a:xfrm>
-            <a:off x="1315825" y="2696402"/>
-            <a:ext cx="6778372" cy="3606801"/>
-          </a:xfrm>
-          <a:prstGeom prst="rect">
-            <a:avLst/>
-          </a:prstGeom>
-          <a:ln w="12700">
-            <a:miter lim="400000"/>
-          </a:ln>
-          <a:extLst>
-            <a:ext uri="{C572A759-6A51-4108-AA02-DFA0A04FC94B}">
-              <ma14:wrappingTextBoxFlag xmlns:ma14="http://schemas.microsoft.com/office/mac/drawingml/2011/main" xmlns="" val="1"/>
-            </a:ext>
-          </a:extLst>
-        </p:spPr>
-        <p:txBody>
-          <a:bodyPr wrap="none" lIns="0" tIns="0" rIns="0" bIns="0">
-            <a:spAutoFit/>
-          </a:bodyPr>
-          <a:lstStyle/>
-          <a:p>
-            <a:pPr lvl="0" algn="l">
-              <a:defRPr sz="1800">
-                <a:solidFill>
-                  <a:srgbClr val="000000"/>
-                </a:solidFill>
-              </a:defRPr>
-            </a:pPr>
-            <a:r>
-              <a:rPr sz="3800">
-                <a:solidFill>
-                  <a:srgbClr val="FFFFFF"/>
-                </a:solidFill>
-              </a:rPr>
-              <a:t>if (x&gt;y)</a:t>
-            </a:r>
-          </a:p>
-          <a:p>
-            <a:pPr lvl="0" algn="l">
-              <a:defRPr sz="1800">
-                <a:solidFill>
-                  <a:srgbClr val="000000"/>
-                </a:solidFill>
-              </a:defRPr>
-            </a:pPr>
-            <a:r>
-              <a:rPr sz="3800">
-                <a:solidFill>
-                  <a:srgbClr val="FFFFFF"/>
-                </a:solidFill>
-              </a:rPr>
-              <a:t>{</a:t>
-            </a:r>
-          </a:p>
-          <a:p>
-            <a:pPr lvl="1" algn="l">
-              <a:defRPr sz="1800">
-                <a:solidFill>
-                  <a:srgbClr val="000000"/>
-                </a:solidFill>
-              </a:defRPr>
-            </a:pPr>
-            <a:r>
-              <a:rPr sz="3800">
-                <a:solidFill>
-                  <a:srgbClr val="FFFFFF"/>
-                </a:solidFill>
-              </a:rPr>
-              <a:t> printf(“X lebih besar dari Y”);</a:t>
-            </a:r>
-          </a:p>
-          <a:p>
-            <a:pPr lvl="1" algn="l">
-              <a:defRPr sz="1800">
-                <a:solidFill>
-                  <a:srgbClr val="000000"/>
-                </a:solidFill>
-              </a:defRPr>
-            </a:pPr>
-            <a:r>
-              <a:rPr sz="3800">
-                <a:solidFill>
-                  <a:srgbClr val="FFFFFF"/>
-                </a:solidFill>
-              </a:rPr>
-              <a:t>}</a:t>
-            </a:r>
-          </a:p>
-          <a:p>
-            <a:pPr lvl="1" algn="l">
-              <a:defRPr sz="1800">
-                <a:solidFill>
-                  <a:srgbClr val="000000"/>
-                </a:solidFill>
-              </a:defRPr>
-            </a:pPr>
-            <a:endParaRPr sz="3800">
-              <a:solidFill>
-                <a:srgbClr val="FFFFFF"/>
-              </a:solidFill>
-            </a:endParaRPr>
-          </a:p>
-          <a:p>
-            <a:pPr lvl="1" algn="l">
-              <a:defRPr sz="1800">
-                <a:solidFill>
-                  <a:srgbClr val="000000"/>
-                </a:solidFill>
-              </a:defRPr>
-            </a:pPr>
-            <a:r>
-              <a:rPr sz="3800">
-                <a:solidFill>
-                  <a:srgbClr val="FFFFFF"/>
-                </a:solidFill>
-              </a:rPr>
-              <a:t>printf(“Selesai”);</a:t>
-            </a:r>
-          </a:p>
-        </p:txBody>
-      </p:sp>
-      <p:sp>
-        <p:nvSpPr>
-          <p:cNvPr id="210" name="Shape 210"/>
-          <p:cNvSpPr>
-            <a:spLocks noGrp="1"/>
-          </p:cNvSpPr>
-          <p:nvPr>
-            <p:ph type="sldNum" sz="quarter" idx="4294967295"/>
-          </p:nvPr>
-        </p:nvSpPr>
-        <p:spPr>
-          <a:xfrm>
-            <a:off x="6311798" y="9245600"/>
-            <a:ext cx="368504" cy="381000"/>
-          </a:xfrm>
-          <a:prstGeom prst="rect">
-            <a:avLst/>
-          </a:prstGeom>
-          <a:ln w="12700">
-            <a:miter lim="400000"/>
-          </a:ln>
-          <a:extLst>
-            <a:ext uri="{C572A759-6A51-4108-AA02-DFA0A04FC94B}">
-              <ma14:wrappingTextBoxFlag xmlns:ma14="http://schemas.microsoft.com/office/mac/drawingml/2011/main" xmlns="" val="1"/>
-            </a:ext>
-          </a:extLst>
-        </p:spPr>
-        <p:txBody>
-          <a:bodyPr wrap="none" lIns="0" tIns="0" rIns="0" bIns="0">
-            <a:spAutoFit/>
-          </a:bodyPr>
-          <a:lstStyle>
-            <a:lvl1pPr>
-              <a:defRPr sz="1800"/>
-            </a:lvl1pPr>
-          </a:lstStyle>
-          <a:p>
-            <a:pPr lvl="0">
-              <a:defRPr>
-                <a:solidFill>
-                  <a:srgbClr val="000000"/>
-                </a:solidFill>
-              </a:defRPr>
-            </a:pPr>
-            <a:fld id="{86CB4B4D-7CA3-9044-876B-883B54F8677D}" type="slidenum">
-              <a:rPr>
-                <a:solidFill>
-                  <a:srgbClr val="FFFFFF"/>
-                </a:solidFill>
-              </a:rPr>
-              <a:t>48</a:t>
-            </a:fld>
-            <a:endParaRPr>
-              <a:solidFill>
-                <a:srgbClr val="FFFFFF"/>
-              </a:solidFill>
-            </a:endParaRPr>
-          </a:p>
-        </p:txBody>
-      </p:sp>
-    </p:spTree>
-  </p:cSld>
-  <p:clrMapOvr>
-    <a:masterClrMapping/>
-  </p:clrMapOvr>
-  <p:transition spd="med"/>
-</p:sld>
-</file>
-
-<file path=ppt/slides/slide49.xml><?xml version="1.0" encoding="utf-8"?>
-<p:sld xmlns:a="http://schemas.openxmlformats.org/drawingml/2006/main" xmlns:r="http://schemas.openxmlformats.org/officeDocument/2006/relationships" xmlns:p="http://schemas.openxmlformats.org/presentationml/2006/main">
-  <p:cSld>
-    <p:spTree>
-      <p:nvGrpSpPr>
-        <p:cNvPr id="1" name=""/>
-        <p:cNvGrpSpPr/>
-        <p:nvPr/>
-      </p:nvGrpSpPr>
-      <p:grpSpPr>
-        <a:xfrm>
-          <a:off x="0" y="0"/>
-          <a:ext cx="0" cy="0"/>
-          <a:chOff x="0" y="0"/>
-          <a:chExt cx="0" cy="0"/>
-        </a:xfrm>
-      </p:grpSpPr>
-      <p:sp>
-        <p:nvSpPr>
-          <p:cNvPr id="212" name="Shape 212"/>
-          <p:cNvSpPr>
-            <a:spLocks noGrp="1"/>
-          </p:cNvSpPr>
-          <p:nvPr>
-            <p:ph type="title"/>
-          </p:nvPr>
-        </p:nvSpPr>
-        <p:spPr>
-          <a:prstGeom prst="rect">
-            <a:avLst/>
-          </a:prstGeom>
-        </p:spPr>
-        <p:txBody>
-          <a:bodyPr/>
-          <a:lstStyle/>
-          <a:p>
-            <a:pPr lvl="0">
-              <a:defRPr sz="1800">
-                <a:solidFill>
-                  <a:srgbClr val="000000"/>
-                </a:solidFill>
-              </a:defRPr>
-            </a:pPr>
-            <a:r>
-              <a:rPr sz="8000">
-                <a:solidFill>
-                  <a:srgbClr val="FFFFFF"/>
-                </a:solidFill>
-              </a:rPr>
-              <a:t>Bentuk if else</a:t>
-            </a:r>
-          </a:p>
-        </p:txBody>
-      </p:sp>
-      <p:sp>
-        <p:nvSpPr>
-          <p:cNvPr id="213" name="Shape 213"/>
-          <p:cNvSpPr/>
-          <p:nvPr/>
-        </p:nvSpPr>
-        <p:spPr>
-          <a:xfrm>
-            <a:off x="850637" y="2501151"/>
-            <a:ext cx="9701481" cy="4191001"/>
-          </a:xfrm>
-          <a:prstGeom prst="rect">
-            <a:avLst/>
-          </a:prstGeom>
-          <a:ln w="12700">
-            <a:miter lim="400000"/>
-          </a:ln>
-          <a:extLst>
-            <a:ext uri="{C572A759-6A51-4108-AA02-DFA0A04FC94B}">
-              <ma14:wrappingTextBoxFlag xmlns:ma14="http://schemas.microsoft.com/office/mac/drawingml/2011/main" xmlns="" val="1"/>
-            </a:ext>
-          </a:extLst>
-        </p:spPr>
-        <p:txBody>
-          <a:bodyPr wrap="none" lIns="50800" tIns="50800" rIns="50800" bIns="50800" anchor="ctr">
-            <a:spAutoFit/>
-          </a:bodyPr>
-          <a:lstStyle/>
-          <a:p>
-            <a:pPr lvl="0" algn="l">
-              <a:defRPr sz="1800">
-                <a:solidFill>
-                  <a:srgbClr val="000000"/>
-                </a:solidFill>
-              </a:defRPr>
-            </a:pPr>
-            <a:r>
-              <a:rPr sz="3800">
-                <a:solidFill>
-                  <a:srgbClr val="FFFFFF"/>
-                </a:solidFill>
-              </a:rPr>
-              <a:t>if (x&gt;y)</a:t>
-            </a:r>
-          </a:p>
-          <a:p>
-            <a:pPr lvl="0" algn="l">
-              <a:defRPr sz="1800">
-                <a:solidFill>
-                  <a:srgbClr val="000000"/>
-                </a:solidFill>
-              </a:defRPr>
-            </a:pPr>
-            <a:endParaRPr sz="3800">
-              <a:solidFill>
-                <a:srgbClr val="FFFFFF"/>
-              </a:solidFill>
-            </a:endParaRPr>
-          </a:p>
-          <a:p>
-            <a:pPr lvl="1" algn="l">
-              <a:defRPr sz="1800">
-                <a:solidFill>
-                  <a:srgbClr val="000000"/>
-                </a:solidFill>
-              </a:defRPr>
-            </a:pPr>
-            <a:r>
-              <a:rPr sz="3800">
-                <a:solidFill>
-                  <a:srgbClr val="FFFFFF"/>
-                </a:solidFill>
-              </a:rPr>
-              <a:t> printf(“%d lebih besar dari %d”, x, y);</a:t>
-            </a:r>
-          </a:p>
-          <a:p>
-            <a:pPr lvl="1" algn="l">
-              <a:defRPr sz="1800">
-                <a:solidFill>
-                  <a:srgbClr val="000000"/>
-                </a:solidFill>
-              </a:defRPr>
-            </a:pPr>
-            <a:r>
-              <a:rPr sz="3800">
-                <a:solidFill>
-                  <a:srgbClr val="FFFFFF"/>
-                </a:solidFill>
-              </a:rPr>
-              <a:t>else</a:t>
-            </a:r>
-          </a:p>
-          <a:p>
-            <a:pPr lvl="1" algn="l">
-              <a:defRPr sz="1800">
-                <a:solidFill>
-                  <a:srgbClr val="000000"/>
-                </a:solidFill>
-              </a:defRPr>
-            </a:pPr>
-            <a:r>
-              <a:rPr sz="3800">
-                <a:solidFill>
-                  <a:srgbClr val="FFFFFF"/>
-                </a:solidFill>
-              </a:rPr>
-              <a:t>printf(“%d tidak lebih besar dari %d”, x, y);</a:t>
-            </a:r>
-          </a:p>
-          <a:p>
-            <a:pPr lvl="1" algn="l">
-              <a:defRPr sz="1800">
-                <a:solidFill>
-                  <a:srgbClr val="000000"/>
-                </a:solidFill>
-              </a:defRPr>
-            </a:pPr>
-            <a:endParaRPr sz="3800">
-              <a:solidFill>
-                <a:srgbClr val="FFFFFF"/>
-              </a:solidFill>
-            </a:endParaRPr>
-          </a:p>
-          <a:p>
-            <a:pPr lvl="1" algn="l">
-              <a:defRPr sz="1800">
-                <a:solidFill>
-                  <a:srgbClr val="000000"/>
-                </a:solidFill>
-              </a:defRPr>
-            </a:pPr>
-            <a:r>
-              <a:rPr sz="3800">
-                <a:solidFill>
-                  <a:srgbClr val="FFFFFF"/>
-                </a:solidFill>
-              </a:rPr>
-              <a:t>printf(“Selesai”);</a:t>
-            </a:r>
-          </a:p>
-        </p:txBody>
-      </p:sp>
-      <p:sp>
-        <p:nvSpPr>
-          <p:cNvPr id="214" name="Shape 214"/>
           <p:cNvSpPr>
             <a:spLocks noGrp="1"/>
           </p:cNvSpPr>
@@ -16255,6 +16138,524 @@
       </p:grpSpPr>
       <p:sp>
         <p:nvSpPr>
+          <p:cNvPr id="208" name="Shape 208"/>
+          <p:cNvSpPr>
+            <a:spLocks noGrp="1"/>
+          </p:cNvSpPr>
+          <p:nvPr>
+            <p:ph type="title"/>
+          </p:nvPr>
+        </p:nvSpPr>
+        <p:spPr>
+          <a:prstGeom prst="rect">
+            <a:avLst/>
+          </a:prstGeom>
+        </p:spPr>
+        <p:txBody>
+          <a:bodyPr/>
+          <a:lstStyle/>
+          <a:p>
+            <a:pPr lvl="0">
+              <a:defRPr sz="1800">
+                <a:solidFill>
+                  <a:srgbClr val="000000"/>
+                </a:solidFill>
+              </a:defRPr>
+            </a:pPr>
+            <a:r>
+              <a:rPr sz="8000">
+                <a:solidFill>
+                  <a:srgbClr val="FFFFFF"/>
+                </a:solidFill>
+              </a:rPr>
+              <a:t>Pola if</a:t>
+            </a:r>
+          </a:p>
+        </p:txBody>
+      </p:sp>
+      <p:sp>
+        <p:nvSpPr>
+          <p:cNvPr id="209" name="Shape 209"/>
+          <p:cNvSpPr/>
+          <p:nvPr/>
+        </p:nvSpPr>
+        <p:spPr>
+          <a:xfrm>
+            <a:off x="1315825" y="2696402"/>
+            <a:ext cx="6778372" cy="3606801"/>
+          </a:xfrm>
+          <a:prstGeom prst="rect">
+            <a:avLst/>
+          </a:prstGeom>
+          <a:ln w="12700">
+            <a:miter lim="400000"/>
+          </a:ln>
+          <a:extLst>
+            <a:ext uri="{C572A759-6A51-4108-AA02-DFA0A04FC94B}">
+              <ma14:wrappingTextBoxFlag xmlns:ma14="http://schemas.microsoft.com/office/mac/drawingml/2011/main" xmlns="" val="1"/>
+            </a:ext>
+          </a:extLst>
+        </p:spPr>
+        <p:txBody>
+          <a:bodyPr wrap="none" lIns="0" tIns="0" rIns="0" bIns="0">
+            <a:spAutoFit/>
+          </a:bodyPr>
+          <a:lstStyle/>
+          <a:p>
+            <a:pPr lvl="0" algn="l">
+              <a:defRPr sz="1800">
+                <a:solidFill>
+                  <a:srgbClr val="000000"/>
+                </a:solidFill>
+              </a:defRPr>
+            </a:pPr>
+            <a:r>
+              <a:rPr sz="3800">
+                <a:solidFill>
+                  <a:srgbClr val="FFFFFF"/>
+                </a:solidFill>
+              </a:rPr>
+              <a:t>if (x&gt;y)</a:t>
+            </a:r>
+          </a:p>
+          <a:p>
+            <a:pPr lvl="0" algn="l">
+              <a:defRPr sz="1800">
+                <a:solidFill>
+                  <a:srgbClr val="000000"/>
+                </a:solidFill>
+              </a:defRPr>
+            </a:pPr>
+            <a:r>
+              <a:rPr sz="3800">
+                <a:solidFill>
+                  <a:srgbClr val="FFFFFF"/>
+                </a:solidFill>
+              </a:rPr>
+              <a:t>{</a:t>
+            </a:r>
+          </a:p>
+          <a:p>
+            <a:pPr lvl="1" algn="l">
+              <a:defRPr sz="1800">
+                <a:solidFill>
+                  <a:srgbClr val="000000"/>
+                </a:solidFill>
+              </a:defRPr>
+            </a:pPr>
+            <a:r>
+              <a:rPr sz="3800">
+                <a:solidFill>
+                  <a:srgbClr val="FFFFFF"/>
+                </a:solidFill>
+              </a:rPr>
+              <a:t> printf(“X lebih besar dari Y”);</a:t>
+            </a:r>
+          </a:p>
+          <a:p>
+            <a:pPr lvl="1" algn="l">
+              <a:defRPr sz="1800">
+                <a:solidFill>
+                  <a:srgbClr val="000000"/>
+                </a:solidFill>
+              </a:defRPr>
+            </a:pPr>
+            <a:r>
+              <a:rPr sz="3800">
+                <a:solidFill>
+                  <a:srgbClr val="FFFFFF"/>
+                </a:solidFill>
+              </a:rPr>
+              <a:t>}</a:t>
+            </a:r>
+          </a:p>
+          <a:p>
+            <a:pPr lvl="1" algn="l">
+              <a:defRPr sz="1800">
+                <a:solidFill>
+                  <a:srgbClr val="000000"/>
+                </a:solidFill>
+              </a:defRPr>
+            </a:pPr>
+            <a:endParaRPr sz="3800">
+              <a:solidFill>
+                <a:srgbClr val="FFFFFF"/>
+              </a:solidFill>
+            </a:endParaRPr>
+          </a:p>
+          <a:p>
+            <a:pPr lvl="1" algn="l">
+              <a:defRPr sz="1800">
+                <a:solidFill>
+                  <a:srgbClr val="000000"/>
+                </a:solidFill>
+              </a:defRPr>
+            </a:pPr>
+            <a:r>
+              <a:rPr sz="3800">
+                <a:solidFill>
+                  <a:srgbClr val="FFFFFF"/>
+                </a:solidFill>
+              </a:rPr>
+              <a:t>printf(“Selesai”);</a:t>
+            </a:r>
+          </a:p>
+        </p:txBody>
+      </p:sp>
+      <p:sp>
+        <p:nvSpPr>
+          <p:cNvPr id="210" name="Shape 210"/>
+          <p:cNvSpPr>
+            <a:spLocks noGrp="1"/>
+          </p:cNvSpPr>
+          <p:nvPr>
+            <p:ph type="sldNum" sz="quarter" idx="4294967295"/>
+          </p:nvPr>
+        </p:nvSpPr>
+        <p:spPr>
+          <a:xfrm>
+            <a:off x="6311798" y="9245600"/>
+            <a:ext cx="368504" cy="381000"/>
+          </a:xfrm>
+          <a:prstGeom prst="rect">
+            <a:avLst/>
+          </a:prstGeom>
+          <a:ln w="12700">
+            <a:miter lim="400000"/>
+          </a:ln>
+          <a:extLst>
+            <a:ext uri="{C572A759-6A51-4108-AA02-DFA0A04FC94B}">
+              <ma14:wrappingTextBoxFlag xmlns:ma14="http://schemas.microsoft.com/office/mac/drawingml/2011/main" xmlns="" val="1"/>
+            </a:ext>
+          </a:extLst>
+        </p:spPr>
+        <p:txBody>
+          <a:bodyPr wrap="none" lIns="0" tIns="0" rIns="0" bIns="0">
+            <a:spAutoFit/>
+          </a:bodyPr>
+          <a:lstStyle>
+            <a:lvl1pPr>
+              <a:defRPr sz="1800"/>
+            </a:lvl1pPr>
+          </a:lstStyle>
+          <a:p>
+            <a:pPr lvl="0">
+              <a:defRPr>
+                <a:solidFill>
+                  <a:srgbClr val="000000"/>
+                </a:solidFill>
+              </a:defRPr>
+            </a:pPr>
+            <a:fld id="{86CB4B4D-7CA3-9044-876B-883B54F8677D}" type="slidenum">
+              <a:rPr>
+                <a:solidFill>
+                  <a:srgbClr val="FFFFFF"/>
+                </a:solidFill>
+              </a:rPr>
+              <a:t>50</a:t>
+            </a:fld>
+            <a:endParaRPr>
+              <a:solidFill>
+                <a:srgbClr val="FFFFFF"/>
+              </a:solidFill>
+            </a:endParaRPr>
+          </a:p>
+        </p:txBody>
+      </p:sp>
+    </p:spTree>
+  </p:cSld>
+  <p:clrMapOvr>
+    <a:masterClrMapping/>
+  </p:clrMapOvr>
+  <p:transition spd="med"/>
+</p:sld>
+</file>
+
+<file path=ppt/slides/slide51.xml><?xml version="1.0" encoding="utf-8"?>
+<p:sld xmlns:a="http://schemas.openxmlformats.org/drawingml/2006/main" xmlns:r="http://schemas.openxmlformats.org/officeDocument/2006/relationships" xmlns:p="http://schemas.openxmlformats.org/presentationml/2006/main">
+  <p:cSld>
+    <p:spTree>
+      <p:nvGrpSpPr>
+        <p:cNvPr id="1" name=""/>
+        <p:cNvGrpSpPr/>
+        <p:nvPr/>
+      </p:nvGrpSpPr>
+      <p:grpSpPr>
+        <a:xfrm>
+          <a:off x="0" y="0"/>
+          <a:ext cx="0" cy="0"/>
+          <a:chOff x="0" y="0"/>
+          <a:chExt cx="0" cy="0"/>
+        </a:xfrm>
+      </p:grpSpPr>
+      <p:sp>
+        <p:nvSpPr>
+          <p:cNvPr id="212" name="Shape 212"/>
+          <p:cNvSpPr>
+            <a:spLocks noGrp="1"/>
+          </p:cNvSpPr>
+          <p:nvPr>
+            <p:ph type="title"/>
+          </p:nvPr>
+        </p:nvSpPr>
+        <p:spPr>
+          <a:prstGeom prst="rect">
+            <a:avLst/>
+          </a:prstGeom>
+        </p:spPr>
+        <p:txBody>
+          <a:bodyPr/>
+          <a:lstStyle/>
+          <a:p>
+            <a:pPr lvl="0">
+              <a:defRPr sz="1800">
+                <a:solidFill>
+                  <a:srgbClr val="000000"/>
+                </a:solidFill>
+              </a:defRPr>
+            </a:pPr>
+            <a:r>
+              <a:rPr sz="8000">
+                <a:solidFill>
+                  <a:srgbClr val="FFFFFF"/>
+                </a:solidFill>
+              </a:rPr>
+              <a:t>Bentuk if else</a:t>
+            </a:r>
+          </a:p>
+        </p:txBody>
+      </p:sp>
+      <p:sp>
+        <p:nvSpPr>
+          <p:cNvPr id="213" name="Shape 213"/>
+          <p:cNvSpPr/>
+          <p:nvPr/>
+        </p:nvSpPr>
+        <p:spPr>
+          <a:xfrm>
+            <a:off x="850637" y="2501151"/>
+            <a:ext cx="9701481" cy="4191001"/>
+          </a:xfrm>
+          <a:prstGeom prst="rect">
+            <a:avLst/>
+          </a:prstGeom>
+          <a:ln w="12700">
+            <a:miter lim="400000"/>
+          </a:ln>
+          <a:extLst>
+            <a:ext uri="{C572A759-6A51-4108-AA02-DFA0A04FC94B}">
+              <ma14:wrappingTextBoxFlag xmlns:ma14="http://schemas.microsoft.com/office/mac/drawingml/2011/main" xmlns="" val="1"/>
+            </a:ext>
+          </a:extLst>
+        </p:spPr>
+        <p:txBody>
+          <a:bodyPr wrap="none" lIns="50800" tIns="50800" rIns="50800" bIns="50800" anchor="ctr">
+            <a:spAutoFit/>
+          </a:bodyPr>
+          <a:lstStyle/>
+          <a:p>
+            <a:pPr lvl="0" algn="l">
+              <a:defRPr sz="1800">
+                <a:solidFill>
+                  <a:srgbClr val="000000"/>
+                </a:solidFill>
+              </a:defRPr>
+            </a:pPr>
+            <a:r>
+              <a:rPr sz="3800">
+                <a:solidFill>
+                  <a:srgbClr val="FFFFFF"/>
+                </a:solidFill>
+              </a:rPr>
+              <a:t>if (x&gt;y)</a:t>
+            </a:r>
+          </a:p>
+          <a:p>
+            <a:pPr lvl="0" algn="l">
+              <a:defRPr sz="1800">
+                <a:solidFill>
+                  <a:srgbClr val="000000"/>
+                </a:solidFill>
+              </a:defRPr>
+            </a:pPr>
+            <a:endParaRPr sz="3800">
+              <a:solidFill>
+                <a:srgbClr val="FFFFFF"/>
+              </a:solidFill>
+            </a:endParaRPr>
+          </a:p>
+          <a:p>
+            <a:pPr lvl="1" algn="l">
+              <a:defRPr sz="1800">
+                <a:solidFill>
+                  <a:srgbClr val="000000"/>
+                </a:solidFill>
+              </a:defRPr>
+            </a:pPr>
+            <a:r>
+              <a:rPr sz="3800">
+                <a:solidFill>
+                  <a:srgbClr val="FFFFFF"/>
+                </a:solidFill>
+              </a:rPr>
+              <a:t> printf(“%d lebih besar dari %d”, x, y);</a:t>
+            </a:r>
+          </a:p>
+          <a:p>
+            <a:pPr lvl="1" algn="l">
+              <a:defRPr sz="1800">
+                <a:solidFill>
+                  <a:srgbClr val="000000"/>
+                </a:solidFill>
+              </a:defRPr>
+            </a:pPr>
+            <a:r>
+              <a:rPr sz="3800">
+                <a:solidFill>
+                  <a:srgbClr val="FFFFFF"/>
+                </a:solidFill>
+              </a:rPr>
+              <a:t>else</a:t>
+            </a:r>
+          </a:p>
+          <a:p>
+            <a:pPr lvl="1" algn="l">
+              <a:defRPr sz="1800">
+                <a:solidFill>
+                  <a:srgbClr val="000000"/>
+                </a:solidFill>
+              </a:defRPr>
+            </a:pPr>
+            <a:r>
+              <a:rPr sz="3800">
+                <a:solidFill>
+                  <a:srgbClr val="FFFFFF"/>
+                </a:solidFill>
+              </a:rPr>
+              <a:t>printf(“%d tidak lebih besar dari %d”, x, y);</a:t>
+            </a:r>
+          </a:p>
+          <a:p>
+            <a:pPr lvl="1" algn="l">
+              <a:defRPr sz="1800">
+                <a:solidFill>
+                  <a:srgbClr val="000000"/>
+                </a:solidFill>
+              </a:defRPr>
+            </a:pPr>
+            <a:endParaRPr sz="3800">
+              <a:solidFill>
+                <a:srgbClr val="FFFFFF"/>
+              </a:solidFill>
+            </a:endParaRPr>
+          </a:p>
+          <a:p>
+            <a:pPr lvl="1" algn="l">
+              <a:defRPr sz="1800">
+                <a:solidFill>
+                  <a:srgbClr val="000000"/>
+                </a:solidFill>
+              </a:defRPr>
+            </a:pPr>
+            <a:r>
+              <a:rPr sz="3800">
+                <a:solidFill>
+                  <a:srgbClr val="FFFFFF"/>
+                </a:solidFill>
+              </a:rPr>
+              <a:t>printf(“Selesai”);</a:t>
+            </a:r>
+          </a:p>
+        </p:txBody>
+      </p:sp>
+      <p:sp>
+        <p:nvSpPr>
+          <p:cNvPr id="214" name="Shape 214"/>
+          <p:cNvSpPr>
+            <a:spLocks noGrp="1"/>
+          </p:cNvSpPr>
+          <p:nvPr>
+            <p:ph type="sldNum" sz="quarter" idx="4294967295"/>
+          </p:nvPr>
+        </p:nvSpPr>
+        <p:spPr>
+          <a:xfrm>
+            <a:off x="6311798" y="9245600"/>
+            <a:ext cx="368504" cy="381000"/>
+          </a:xfrm>
+          <a:prstGeom prst="rect">
+            <a:avLst/>
+          </a:prstGeom>
+          <a:ln w="12700">
+            <a:miter lim="400000"/>
+          </a:ln>
+          <a:extLst>
+            <a:ext uri="{C572A759-6A51-4108-AA02-DFA0A04FC94B}">
+              <ma14:wrappingTextBoxFlag xmlns:ma14="http://schemas.microsoft.com/office/mac/drawingml/2011/main" xmlns="" val="1"/>
+            </a:ext>
+          </a:extLst>
+        </p:spPr>
+        <p:txBody>
+          <a:bodyPr wrap="none" lIns="0" tIns="0" rIns="0" bIns="0">
+            <a:spAutoFit/>
+          </a:bodyPr>
+          <a:lstStyle>
+            <a:lvl1pPr>
+              <a:defRPr sz="1800"/>
+            </a:lvl1pPr>
+          </a:lstStyle>
+          <a:p>
+            <a:pPr lvl="0">
+              <a:defRPr>
+                <a:solidFill>
+                  <a:srgbClr val="000000"/>
+                </a:solidFill>
+              </a:defRPr>
+            </a:pPr>
+            <a:fld id="{86CB4B4D-7CA3-9044-876B-883B54F8677D}" type="slidenum">
+              <a:rPr>
+                <a:solidFill>
+                  <a:srgbClr val="FFFFFF"/>
+                </a:solidFill>
+              </a:rPr>
+              <a:t>51</a:t>
+            </a:fld>
+            <a:endParaRPr>
+              <a:solidFill>
+                <a:srgbClr val="FFFFFF"/>
+              </a:solidFill>
+            </a:endParaRPr>
+          </a:p>
+        </p:txBody>
+      </p:sp>
+    </p:spTree>
+  </p:cSld>
+  <p:clrMapOvr>
+    <a:masterClrMapping/>
+  </p:clrMapOvr>
+  <p:transition spd="med"/>
+</p:sld>
+</file>
+
+<file path=ppt/slides/slide52.xml><?xml version="1.0" encoding="utf-8"?>
+<p:sld xmlns:a="http://schemas.openxmlformats.org/drawingml/2006/main" xmlns:r="http://schemas.openxmlformats.org/officeDocument/2006/relationships" xmlns:p="http://schemas.openxmlformats.org/presentationml/2006/main">
+  <p:cSld>
+    <p:spTree>
+      <p:nvGrpSpPr>
+        <p:cNvPr id="1" name=""/>
+        <p:cNvGrpSpPr/>
+        <p:nvPr/>
+      </p:nvGrpSpPr>
+      <p:grpSpPr>
+        <a:xfrm>
+          <a:off x="0" y="0"/>
+          <a:ext cx="0" cy="0"/>
+          <a:chOff x="0" y="0"/>
+          <a:chExt cx="0" cy="0"/>
+        </a:xfrm>
+      </p:grpSpPr>
+      <p:sp>
+        <p:nvSpPr>
           <p:cNvPr id="216" name="Shape 216"/>
           <p:cNvSpPr>
             <a:spLocks noGrp="1"/>
@@ -16584,7 +16985,7 @@
 </p:sld>
 </file>
 
-<file path=ppt/slides/slide51.xml><?xml version="1.0" encoding="utf-8"?>
+<file path=ppt/slides/slide53.xml><?xml version="1.0" encoding="utf-8"?>
 <p:sld xmlns:a="http://schemas.openxmlformats.org/drawingml/2006/main" xmlns:r="http://schemas.openxmlformats.org/officeDocument/2006/relationships" xmlns:p="http://schemas.openxmlformats.org/presentationml/2006/main">
   <p:cSld>
     <p:spTree>
@@ -17177,7 +17578,7 @@
                   <a:srgbClr val="FFFFFF"/>
                 </a:solidFill>
               </a:rPr>
-              <a:t>51</a:t>
+              <a:t>53</a:t>
             </a:fld>
             <a:endParaRPr>
               <a:solidFill>
@@ -17196,7 +17597,7 @@
 </p:sld>
 </file>
 
-<file path=ppt/slides/slide52.xml><?xml version="1.0" encoding="utf-8"?>
+<file path=ppt/slides/slide54.xml><?xml version="1.0" encoding="utf-8"?>
 <p:sld xmlns:a="http://schemas.openxmlformats.org/drawingml/2006/main" xmlns:r="http://schemas.openxmlformats.org/officeDocument/2006/relationships" xmlns:p="http://schemas.openxmlformats.org/presentationml/2006/main">
   <p:cSld>
     <p:spTree>
@@ -17330,7 +17731,7 @@
 </p:sld>
 </file>
 
-<file path=ppt/slides/slide53.xml><?xml version="1.0" encoding="utf-8"?>
+<file path=ppt/slides/slide55.xml><?xml version="1.0" encoding="utf-8"?>
 <p:sld xmlns:a="http://schemas.openxmlformats.org/drawingml/2006/main" xmlns:r="http://schemas.openxmlformats.org/officeDocument/2006/relationships" xmlns:p="http://schemas.openxmlformats.org/presentationml/2006/main">
   <p:cSld>
     <p:spTree>
@@ -17464,7 +17865,7 @@
 </p:sld>
 </file>
 
-<file path=ppt/slides/slide54.xml><?xml version="1.0" encoding="utf-8"?>
+<file path=ppt/slides/slide56.xml><?xml version="1.0" encoding="utf-8"?>
 <p:sld xmlns:a="http://schemas.openxmlformats.org/drawingml/2006/main" xmlns:r="http://schemas.openxmlformats.org/officeDocument/2006/relationships" xmlns:p="http://schemas.openxmlformats.org/presentationml/2006/main">
   <p:cSld>
     <p:spTree>
@@ -17687,7 +18088,7 @@
 </p:sld>
 </file>
 
-<file path=ppt/slides/slide55.xml><?xml version="1.0" encoding="utf-8"?>
+<file path=ppt/slides/slide57.xml><?xml version="1.0" encoding="utf-8"?>
 <p:sld xmlns:a="http://schemas.openxmlformats.org/drawingml/2006/main" xmlns:r="http://schemas.openxmlformats.org/officeDocument/2006/relationships" xmlns:p="http://schemas.openxmlformats.org/presentationml/2006/main">
   <p:cSld>
     <p:spTree>
@@ -17866,7 +18267,7 @@
                   <a:srgbClr val="FFFFFF"/>
                 </a:solidFill>
               </a:rPr>
-              <a:t>55</a:t>
+              <a:t>57</a:t>
             </a:fld>
             <a:endParaRPr>
               <a:solidFill>
@@ -17885,7 +18286,7 @@
 </p:sld>
 </file>
 
-<file path=ppt/slides/slide56.xml><?xml version="1.0" encoding="utf-8"?>
+<file path=ppt/slides/slide58.xml><?xml version="1.0" encoding="utf-8"?>
 <p:sld xmlns:a="http://schemas.openxmlformats.org/drawingml/2006/main" xmlns:r="http://schemas.openxmlformats.org/officeDocument/2006/relationships" xmlns:p="http://schemas.openxmlformats.org/presentationml/2006/main">
   <p:cSld>
     <p:spTree>
@@ -18080,7 +18481,7 @@
 </p:sld>
 </file>
 
-<file path=ppt/slides/slide57.xml><?xml version="1.0" encoding="utf-8"?>
+<file path=ppt/slides/slide59.xml><?xml version="1.0" encoding="utf-8"?>
 <p:sld xmlns:a="http://schemas.openxmlformats.org/drawingml/2006/main" xmlns:r="http://schemas.openxmlformats.org/officeDocument/2006/relationships" xmlns:p="http://schemas.openxmlformats.org/presentationml/2006/main">
   <p:cSld>
     <p:spTree>
@@ -18262,465 +18663,6 @@
                 </a:solidFill>
               </a:rPr>
               <a:t>} while (i&lt;=5)</a:t>
-            </a:r>
-          </a:p>
-        </p:txBody>
-      </p:sp>
-    </p:spTree>
-  </p:cSld>
-  <p:clrMapOvr>
-    <a:masterClrMapping/>
-  </p:clrMapOvr>
-  <p:transition spd="med"/>
-</p:sld>
-</file>
-
-<file path=ppt/slides/slide58.xml><?xml version="1.0" encoding="utf-8"?>
-<p:sld xmlns:a="http://schemas.openxmlformats.org/drawingml/2006/main" xmlns:r="http://schemas.openxmlformats.org/officeDocument/2006/relationships" xmlns:p="http://schemas.openxmlformats.org/presentationml/2006/main">
-  <p:cSld>
-    <p:spTree>
-      <p:nvGrpSpPr>
-        <p:cNvPr id="1" name=""/>
-        <p:cNvGrpSpPr/>
-        <p:nvPr/>
-      </p:nvGrpSpPr>
-      <p:grpSpPr>
-        <a:xfrm>
-          <a:off x="0" y="0"/>
-          <a:ext cx="0" cy="0"/>
-          <a:chOff x="0" y="0"/>
-          <a:chExt cx="0" cy="0"/>
-        </a:xfrm>
-      </p:grpSpPr>
-      <p:sp>
-        <p:nvSpPr>
-          <p:cNvPr id="242" name="Shape 242"/>
-          <p:cNvSpPr>
-            <a:spLocks noGrp="1"/>
-          </p:cNvSpPr>
-          <p:nvPr>
-            <p:ph type="title"/>
-          </p:nvPr>
-        </p:nvSpPr>
-        <p:spPr>
-          <a:prstGeom prst="rect">
-            <a:avLst/>
-          </a:prstGeom>
-        </p:spPr>
-        <p:txBody>
-          <a:bodyPr/>
-          <a:lstStyle/>
-          <a:p>
-            <a:pPr lvl="0">
-              <a:defRPr sz="1800">
-                <a:solidFill>
-                  <a:srgbClr val="000000"/>
-                </a:solidFill>
-              </a:defRPr>
-            </a:pPr>
-            <a:r>
-              <a:rPr sz="8000">
-                <a:solidFill>
-                  <a:srgbClr val="FFFFFF"/>
-                </a:solidFill>
-              </a:rPr>
-              <a:t>Contoh 3</a:t>
-            </a:r>
-          </a:p>
-        </p:txBody>
-      </p:sp>
-      <p:sp>
-        <p:nvSpPr>
-          <p:cNvPr id="243" name="Shape 243"/>
-          <p:cNvSpPr/>
-          <p:nvPr/>
-        </p:nvSpPr>
-        <p:spPr>
-          <a:xfrm>
-            <a:off x="2373892" y="3365500"/>
-            <a:ext cx="5760568" cy="3022600"/>
-          </a:xfrm>
-          <a:prstGeom prst="rect">
-            <a:avLst/>
-          </a:prstGeom>
-          <a:ln w="12700">
-            <a:miter lim="400000"/>
-          </a:ln>
-          <a:extLst>
-            <a:ext uri="{C572A759-6A51-4108-AA02-DFA0A04FC94B}">
-              <ma14:wrappingTextBoxFlag xmlns:ma14="http://schemas.microsoft.com/office/mac/drawingml/2011/main" xmlns="" val="1"/>
-            </a:ext>
-          </a:extLst>
-        </p:spPr>
-        <p:txBody>
-          <a:bodyPr wrap="none" lIns="0" tIns="0" rIns="0" bIns="0">
-            <a:spAutoFit/>
-          </a:bodyPr>
-          <a:lstStyle/>
-          <a:p>
-            <a:pPr lvl="0" algn="l">
-              <a:defRPr sz="1800">
-                <a:solidFill>
-                  <a:srgbClr val="000000"/>
-                </a:solidFill>
-              </a:defRPr>
-            </a:pPr>
-            <a:r>
-              <a:rPr sz="3800">
-                <a:solidFill>
-                  <a:srgbClr val="FFFFFF"/>
-                </a:solidFill>
-              </a:rPr>
-              <a:t>int i;</a:t>
-            </a:r>
-          </a:p>
-          <a:p>
-            <a:pPr lvl="0" algn="l">
-              <a:defRPr sz="1800">
-                <a:solidFill>
-                  <a:srgbClr val="000000"/>
-                </a:solidFill>
-              </a:defRPr>
-            </a:pPr>
-            <a:r>
-              <a:rPr sz="3800">
-                <a:solidFill>
-                  <a:srgbClr val="FFFFFF"/>
-                </a:solidFill>
-              </a:rPr>
-              <a:t>for (i= 3; i &lt;=7; i++)</a:t>
-            </a:r>
-          </a:p>
-          <a:p>
-            <a:pPr lvl="0" algn="l">
-              <a:defRPr sz="1800">
-                <a:solidFill>
-                  <a:srgbClr val="000000"/>
-                </a:solidFill>
-              </a:defRPr>
-            </a:pPr>
-            <a:r>
-              <a:rPr sz="3800">
-                <a:solidFill>
-                  <a:srgbClr val="FFFFFF"/>
-                </a:solidFill>
-              </a:rPr>
-              <a:t>{</a:t>
-            </a:r>
-          </a:p>
-          <a:p>
-            <a:pPr lvl="1" algn="l">
-              <a:defRPr sz="1800">
-                <a:solidFill>
-                  <a:srgbClr val="000000"/>
-                </a:solidFill>
-              </a:defRPr>
-            </a:pPr>
-            <a:r>
-              <a:rPr sz="3800">
-                <a:solidFill>
-                  <a:srgbClr val="FFFFFF"/>
-                </a:solidFill>
-              </a:rPr>
-              <a:t>printf(“cetakan %d\n”, i);</a:t>
-            </a:r>
-          </a:p>
-          <a:p>
-            <a:pPr lvl="0" algn="l">
-              <a:defRPr sz="1800">
-                <a:solidFill>
-                  <a:srgbClr val="000000"/>
-                </a:solidFill>
-              </a:defRPr>
-            </a:pPr>
-            <a:r>
-              <a:rPr sz="3800">
-                <a:solidFill>
-                  <a:srgbClr val="FFFFFF"/>
-                </a:solidFill>
-              </a:rPr>
-              <a:t>}</a:t>
-            </a:r>
-          </a:p>
-        </p:txBody>
-      </p:sp>
-    </p:spTree>
-  </p:cSld>
-  <p:clrMapOvr>
-    <a:masterClrMapping/>
-  </p:clrMapOvr>
-  <p:transition spd="med"/>
-</p:sld>
-</file>
-
-<file path=ppt/slides/slide59.xml><?xml version="1.0" encoding="utf-8"?>
-<p:sld xmlns:a="http://schemas.openxmlformats.org/drawingml/2006/main" xmlns:r="http://schemas.openxmlformats.org/officeDocument/2006/relationships" xmlns:p="http://schemas.openxmlformats.org/presentationml/2006/main">
-  <p:cSld>
-    <p:spTree>
-      <p:nvGrpSpPr>
-        <p:cNvPr id="1" name=""/>
-        <p:cNvGrpSpPr/>
-        <p:nvPr/>
-      </p:nvGrpSpPr>
-      <p:grpSpPr>
-        <a:xfrm>
-          <a:off x="0" y="0"/>
-          <a:ext cx="0" cy="0"/>
-          <a:chOff x="0" y="0"/>
-          <a:chExt cx="0" cy="0"/>
-        </a:xfrm>
-      </p:grpSpPr>
-      <p:sp>
-        <p:nvSpPr>
-          <p:cNvPr id="245" name="Shape 245"/>
-          <p:cNvSpPr>
-            <a:spLocks noGrp="1"/>
-          </p:cNvSpPr>
-          <p:nvPr>
-            <p:ph type="title"/>
-          </p:nvPr>
-        </p:nvSpPr>
-        <p:spPr>
-          <a:prstGeom prst="rect">
-            <a:avLst/>
-          </a:prstGeom>
-        </p:spPr>
-        <p:txBody>
-          <a:bodyPr/>
-          <a:lstStyle/>
-          <a:p>
-            <a:pPr lvl="0">
-              <a:defRPr sz="1800">
-                <a:solidFill>
-                  <a:srgbClr val="000000"/>
-                </a:solidFill>
-              </a:defRPr>
-            </a:pPr>
-            <a:r>
-              <a:rPr sz="8000">
-                <a:solidFill>
-                  <a:srgbClr val="FFFFFF"/>
-                </a:solidFill>
-              </a:rPr>
-              <a:t>Contoh 4</a:t>
-            </a:r>
-          </a:p>
-        </p:txBody>
-      </p:sp>
-      <p:sp>
-        <p:nvSpPr>
-          <p:cNvPr id="246" name="Shape 246"/>
-          <p:cNvSpPr>
-            <a:spLocks noGrp="1"/>
-          </p:cNvSpPr>
-          <p:nvPr>
-            <p:ph type="body" idx="1"/>
-          </p:nvPr>
-        </p:nvSpPr>
-        <p:spPr>
-          <a:prstGeom prst="rect">
-            <a:avLst/>
-          </a:prstGeom>
-        </p:spPr>
-        <p:txBody>
-          <a:bodyPr/>
-          <a:lstStyle/>
-          <a:p>
-            <a:pPr marL="0" lvl="0" indent="0">
-              <a:spcBef>
-                <a:spcPts val="0"/>
-              </a:spcBef>
-              <a:buSzTx/>
-              <a:buNone/>
-              <a:defRPr sz="1800">
-                <a:solidFill>
-                  <a:srgbClr val="000000"/>
-                </a:solidFill>
-              </a:defRPr>
-            </a:pPr>
-            <a:r>
-              <a:rPr sz="3800">
-                <a:solidFill>
-                  <a:srgbClr val="FFFFFF"/>
-                </a:solidFill>
-              </a:rPr>
-              <a:t>int i, j;</a:t>
-            </a:r>
-          </a:p>
-          <a:p>
-            <a:pPr marL="0" lvl="0" indent="0">
-              <a:spcBef>
-                <a:spcPts val="0"/>
-              </a:spcBef>
-              <a:buSzTx/>
-              <a:buNone/>
-              <a:defRPr sz="1800">
-                <a:solidFill>
-                  <a:srgbClr val="000000"/>
-                </a:solidFill>
-              </a:defRPr>
-            </a:pPr>
-            <a:r>
-              <a:rPr sz="3800">
-                <a:solidFill>
-                  <a:srgbClr val="FFFFFF"/>
-                </a:solidFill>
-              </a:rPr>
-              <a:t>for (i= 1; i &lt;=7; i++)</a:t>
-            </a:r>
-          </a:p>
-          <a:p>
-            <a:pPr marL="0" lvl="0" indent="0">
-              <a:spcBef>
-                <a:spcPts val="0"/>
-              </a:spcBef>
-              <a:buSzTx/>
-              <a:buNone/>
-              <a:defRPr sz="1800">
-                <a:solidFill>
-                  <a:srgbClr val="000000"/>
-                </a:solidFill>
-              </a:defRPr>
-            </a:pPr>
-            <a:r>
-              <a:rPr sz="3800">
-                <a:solidFill>
-                  <a:srgbClr val="FFFFFF"/>
-                </a:solidFill>
-              </a:rPr>
-              <a:t>{</a:t>
-            </a:r>
-          </a:p>
-          <a:p>
-            <a:pPr marL="0" lvl="1" indent="228600">
-              <a:spcBef>
-                <a:spcPts val="0"/>
-              </a:spcBef>
-              <a:buSzTx/>
-              <a:buNone/>
-              <a:defRPr sz="1800">
-                <a:solidFill>
-                  <a:srgbClr val="000000"/>
-                </a:solidFill>
-              </a:defRPr>
-            </a:pPr>
-            <a:r>
-              <a:rPr sz="3800">
-                <a:solidFill>
-                  <a:srgbClr val="FFFFFF"/>
-                </a:solidFill>
-              </a:rPr>
-              <a:t>for (j=1; j&lt;=i; j++)</a:t>
-            </a:r>
-          </a:p>
-          <a:p>
-            <a:pPr marL="0" lvl="1" indent="228600">
-              <a:spcBef>
-                <a:spcPts val="0"/>
-              </a:spcBef>
-              <a:buSzTx/>
-              <a:buNone/>
-              <a:defRPr sz="1800">
-                <a:solidFill>
-                  <a:srgbClr val="000000"/>
-                </a:solidFill>
-              </a:defRPr>
-            </a:pPr>
-            <a:r>
-              <a:rPr sz="3800">
-                <a:solidFill>
-                  <a:srgbClr val="FFFFFF"/>
-                </a:solidFill>
-              </a:rPr>
-              <a:t>{</a:t>
-            </a:r>
-          </a:p>
-          <a:p>
-            <a:pPr marL="0" lvl="2" indent="457200">
-              <a:spcBef>
-                <a:spcPts val="0"/>
-              </a:spcBef>
-              <a:buSzTx/>
-              <a:buNone/>
-              <a:defRPr sz="1800">
-                <a:solidFill>
-                  <a:srgbClr val="000000"/>
-                </a:solidFill>
-              </a:defRPr>
-            </a:pPr>
-            <a:r>
-              <a:rPr sz="3800">
-                <a:solidFill>
-                  <a:srgbClr val="FFFFFF"/>
-                </a:solidFill>
-              </a:rPr>
-              <a:t>printf(“%d “, j);</a:t>
-            </a:r>
-          </a:p>
-          <a:p>
-            <a:pPr marL="0" lvl="1" indent="228600">
-              <a:spcBef>
-                <a:spcPts val="0"/>
-              </a:spcBef>
-              <a:buSzTx/>
-              <a:buNone/>
-              <a:defRPr sz="1800">
-                <a:solidFill>
-                  <a:srgbClr val="000000"/>
-                </a:solidFill>
-              </a:defRPr>
-            </a:pPr>
-            <a:r>
-              <a:rPr sz="3800">
-                <a:solidFill>
-                  <a:srgbClr val="FFFFFF"/>
-                </a:solidFill>
-              </a:rPr>
-              <a:t>}</a:t>
-            </a:r>
-          </a:p>
-          <a:p>
-            <a:pPr marL="0" lvl="1" indent="228600">
-              <a:spcBef>
-                <a:spcPts val="0"/>
-              </a:spcBef>
-              <a:buSzTx/>
-              <a:buNone/>
-              <a:defRPr sz="1800">
-                <a:solidFill>
-                  <a:srgbClr val="000000"/>
-                </a:solidFill>
-              </a:defRPr>
-            </a:pPr>
-            <a:r>
-              <a:rPr sz="3800">
-                <a:solidFill>
-                  <a:srgbClr val="FFFFFF"/>
-                </a:solidFill>
-              </a:rPr>
-              <a:t>printf(“\n”);</a:t>
-            </a:r>
-          </a:p>
-          <a:p>
-            <a:pPr marL="0" lvl="0" indent="0">
-              <a:spcBef>
-                <a:spcPts val="0"/>
-              </a:spcBef>
-              <a:buSzTx/>
-              <a:buNone/>
-              <a:defRPr sz="1800">
-                <a:solidFill>
-                  <a:srgbClr val="000000"/>
-                </a:solidFill>
-              </a:defRPr>
-            </a:pPr>
-            <a:r>
-              <a:rPr sz="3800">
-                <a:solidFill>
-                  <a:srgbClr val="FFFFFF"/>
-                </a:solidFill>
-              </a:rPr>
-              <a:t>}</a:t>
             </a:r>
           </a:p>
         </p:txBody>
@@ -18947,6 +18889,465 @@
       </p:grpSpPr>
       <p:sp>
         <p:nvSpPr>
+          <p:cNvPr id="242" name="Shape 242"/>
+          <p:cNvSpPr>
+            <a:spLocks noGrp="1"/>
+          </p:cNvSpPr>
+          <p:nvPr>
+            <p:ph type="title"/>
+          </p:nvPr>
+        </p:nvSpPr>
+        <p:spPr>
+          <a:prstGeom prst="rect">
+            <a:avLst/>
+          </a:prstGeom>
+        </p:spPr>
+        <p:txBody>
+          <a:bodyPr/>
+          <a:lstStyle/>
+          <a:p>
+            <a:pPr lvl="0">
+              <a:defRPr sz="1800">
+                <a:solidFill>
+                  <a:srgbClr val="000000"/>
+                </a:solidFill>
+              </a:defRPr>
+            </a:pPr>
+            <a:r>
+              <a:rPr sz="8000">
+                <a:solidFill>
+                  <a:srgbClr val="FFFFFF"/>
+                </a:solidFill>
+              </a:rPr>
+              <a:t>Contoh 3</a:t>
+            </a:r>
+          </a:p>
+        </p:txBody>
+      </p:sp>
+      <p:sp>
+        <p:nvSpPr>
+          <p:cNvPr id="243" name="Shape 243"/>
+          <p:cNvSpPr/>
+          <p:nvPr/>
+        </p:nvSpPr>
+        <p:spPr>
+          <a:xfrm>
+            <a:off x="2373892" y="3365500"/>
+            <a:ext cx="5760568" cy="3022600"/>
+          </a:xfrm>
+          <a:prstGeom prst="rect">
+            <a:avLst/>
+          </a:prstGeom>
+          <a:ln w="12700">
+            <a:miter lim="400000"/>
+          </a:ln>
+          <a:extLst>
+            <a:ext uri="{C572A759-6A51-4108-AA02-DFA0A04FC94B}">
+              <ma14:wrappingTextBoxFlag xmlns:ma14="http://schemas.microsoft.com/office/mac/drawingml/2011/main" xmlns="" val="1"/>
+            </a:ext>
+          </a:extLst>
+        </p:spPr>
+        <p:txBody>
+          <a:bodyPr wrap="none" lIns="0" tIns="0" rIns="0" bIns="0">
+            <a:spAutoFit/>
+          </a:bodyPr>
+          <a:lstStyle/>
+          <a:p>
+            <a:pPr lvl="0" algn="l">
+              <a:defRPr sz="1800">
+                <a:solidFill>
+                  <a:srgbClr val="000000"/>
+                </a:solidFill>
+              </a:defRPr>
+            </a:pPr>
+            <a:r>
+              <a:rPr sz="3800">
+                <a:solidFill>
+                  <a:srgbClr val="FFFFFF"/>
+                </a:solidFill>
+              </a:rPr>
+              <a:t>int i;</a:t>
+            </a:r>
+          </a:p>
+          <a:p>
+            <a:pPr lvl="0" algn="l">
+              <a:defRPr sz="1800">
+                <a:solidFill>
+                  <a:srgbClr val="000000"/>
+                </a:solidFill>
+              </a:defRPr>
+            </a:pPr>
+            <a:r>
+              <a:rPr sz="3800">
+                <a:solidFill>
+                  <a:srgbClr val="FFFFFF"/>
+                </a:solidFill>
+              </a:rPr>
+              <a:t>for (i= 3; i &lt;=7; i++)</a:t>
+            </a:r>
+          </a:p>
+          <a:p>
+            <a:pPr lvl="0" algn="l">
+              <a:defRPr sz="1800">
+                <a:solidFill>
+                  <a:srgbClr val="000000"/>
+                </a:solidFill>
+              </a:defRPr>
+            </a:pPr>
+            <a:r>
+              <a:rPr sz="3800">
+                <a:solidFill>
+                  <a:srgbClr val="FFFFFF"/>
+                </a:solidFill>
+              </a:rPr>
+              <a:t>{</a:t>
+            </a:r>
+          </a:p>
+          <a:p>
+            <a:pPr lvl="1" algn="l">
+              <a:defRPr sz="1800">
+                <a:solidFill>
+                  <a:srgbClr val="000000"/>
+                </a:solidFill>
+              </a:defRPr>
+            </a:pPr>
+            <a:r>
+              <a:rPr sz="3800">
+                <a:solidFill>
+                  <a:srgbClr val="FFFFFF"/>
+                </a:solidFill>
+              </a:rPr>
+              <a:t>printf(“cetakan %d\n”, i);</a:t>
+            </a:r>
+          </a:p>
+          <a:p>
+            <a:pPr lvl="0" algn="l">
+              <a:defRPr sz="1800">
+                <a:solidFill>
+                  <a:srgbClr val="000000"/>
+                </a:solidFill>
+              </a:defRPr>
+            </a:pPr>
+            <a:r>
+              <a:rPr sz="3800">
+                <a:solidFill>
+                  <a:srgbClr val="FFFFFF"/>
+                </a:solidFill>
+              </a:rPr>
+              <a:t>}</a:t>
+            </a:r>
+          </a:p>
+        </p:txBody>
+      </p:sp>
+    </p:spTree>
+  </p:cSld>
+  <p:clrMapOvr>
+    <a:masterClrMapping/>
+  </p:clrMapOvr>
+  <p:transition spd="med"/>
+</p:sld>
+</file>
+
+<file path=ppt/slides/slide61.xml><?xml version="1.0" encoding="utf-8"?>
+<p:sld xmlns:a="http://schemas.openxmlformats.org/drawingml/2006/main" xmlns:r="http://schemas.openxmlformats.org/officeDocument/2006/relationships" xmlns:p="http://schemas.openxmlformats.org/presentationml/2006/main">
+  <p:cSld>
+    <p:spTree>
+      <p:nvGrpSpPr>
+        <p:cNvPr id="1" name=""/>
+        <p:cNvGrpSpPr/>
+        <p:nvPr/>
+      </p:nvGrpSpPr>
+      <p:grpSpPr>
+        <a:xfrm>
+          <a:off x="0" y="0"/>
+          <a:ext cx="0" cy="0"/>
+          <a:chOff x="0" y="0"/>
+          <a:chExt cx="0" cy="0"/>
+        </a:xfrm>
+      </p:grpSpPr>
+      <p:sp>
+        <p:nvSpPr>
+          <p:cNvPr id="245" name="Shape 245"/>
+          <p:cNvSpPr>
+            <a:spLocks noGrp="1"/>
+          </p:cNvSpPr>
+          <p:nvPr>
+            <p:ph type="title"/>
+          </p:nvPr>
+        </p:nvSpPr>
+        <p:spPr>
+          <a:prstGeom prst="rect">
+            <a:avLst/>
+          </a:prstGeom>
+        </p:spPr>
+        <p:txBody>
+          <a:bodyPr/>
+          <a:lstStyle/>
+          <a:p>
+            <a:pPr lvl="0">
+              <a:defRPr sz="1800">
+                <a:solidFill>
+                  <a:srgbClr val="000000"/>
+                </a:solidFill>
+              </a:defRPr>
+            </a:pPr>
+            <a:r>
+              <a:rPr sz="8000">
+                <a:solidFill>
+                  <a:srgbClr val="FFFFFF"/>
+                </a:solidFill>
+              </a:rPr>
+              <a:t>Contoh 4</a:t>
+            </a:r>
+          </a:p>
+        </p:txBody>
+      </p:sp>
+      <p:sp>
+        <p:nvSpPr>
+          <p:cNvPr id="246" name="Shape 246"/>
+          <p:cNvSpPr>
+            <a:spLocks noGrp="1"/>
+          </p:cNvSpPr>
+          <p:nvPr>
+            <p:ph type="body" idx="1"/>
+          </p:nvPr>
+        </p:nvSpPr>
+        <p:spPr>
+          <a:prstGeom prst="rect">
+            <a:avLst/>
+          </a:prstGeom>
+        </p:spPr>
+        <p:txBody>
+          <a:bodyPr/>
+          <a:lstStyle/>
+          <a:p>
+            <a:pPr marL="0" lvl="0" indent="0">
+              <a:spcBef>
+                <a:spcPts val="0"/>
+              </a:spcBef>
+              <a:buSzTx/>
+              <a:buNone/>
+              <a:defRPr sz="1800">
+                <a:solidFill>
+                  <a:srgbClr val="000000"/>
+                </a:solidFill>
+              </a:defRPr>
+            </a:pPr>
+            <a:r>
+              <a:rPr sz="3800">
+                <a:solidFill>
+                  <a:srgbClr val="FFFFFF"/>
+                </a:solidFill>
+              </a:rPr>
+              <a:t>int i, j;</a:t>
+            </a:r>
+          </a:p>
+          <a:p>
+            <a:pPr marL="0" lvl="0" indent="0">
+              <a:spcBef>
+                <a:spcPts val="0"/>
+              </a:spcBef>
+              <a:buSzTx/>
+              <a:buNone/>
+              <a:defRPr sz="1800">
+                <a:solidFill>
+                  <a:srgbClr val="000000"/>
+                </a:solidFill>
+              </a:defRPr>
+            </a:pPr>
+            <a:r>
+              <a:rPr sz="3800">
+                <a:solidFill>
+                  <a:srgbClr val="FFFFFF"/>
+                </a:solidFill>
+              </a:rPr>
+              <a:t>for (i= 1; i &lt;=7; i++)</a:t>
+            </a:r>
+          </a:p>
+          <a:p>
+            <a:pPr marL="0" lvl="0" indent="0">
+              <a:spcBef>
+                <a:spcPts val="0"/>
+              </a:spcBef>
+              <a:buSzTx/>
+              <a:buNone/>
+              <a:defRPr sz="1800">
+                <a:solidFill>
+                  <a:srgbClr val="000000"/>
+                </a:solidFill>
+              </a:defRPr>
+            </a:pPr>
+            <a:r>
+              <a:rPr sz="3800">
+                <a:solidFill>
+                  <a:srgbClr val="FFFFFF"/>
+                </a:solidFill>
+              </a:rPr>
+              <a:t>{</a:t>
+            </a:r>
+          </a:p>
+          <a:p>
+            <a:pPr marL="0" lvl="1" indent="228600">
+              <a:spcBef>
+                <a:spcPts val="0"/>
+              </a:spcBef>
+              <a:buSzTx/>
+              <a:buNone/>
+              <a:defRPr sz="1800">
+                <a:solidFill>
+                  <a:srgbClr val="000000"/>
+                </a:solidFill>
+              </a:defRPr>
+            </a:pPr>
+            <a:r>
+              <a:rPr sz="3800">
+                <a:solidFill>
+                  <a:srgbClr val="FFFFFF"/>
+                </a:solidFill>
+              </a:rPr>
+              <a:t>for (j=1; j&lt;=i; j++)</a:t>
+            </a:r>
+          </a:p>
+          <a:p>
+            <a:pPr marL="0" lvl="1" indent="228600">
+              <a:spcBef>
+                <a:spcPts val="0"/>
+              </a:spcBef>
+              <a:buSzTx/>
+              <a:buNone/>
+              <a:defRPr sz="1800">
+                <a:solidFill>
+                  <a:srgbClr val="000000"/>
+                </a:solidFill>
+              </a:defRPr>
+            </a:pPr>
+            <a:r>
+              <a:rPr sz="3800">
+                <a:solidFill>
+                  <a:srgbClr val="FFFFFF"/>
+                </a:solidFill>
+              </a:rPr>
+              <a:t>{</a:t>
+            </a:r>
+          </a:p>
+          <a:p>
+            <a:pPr marL="0" lvl="2" indent="457200">
+              <a:spcBef>
+                <a:spcPts val="0"/>
+              </a:spcBef>
+              <a:buSzTx/>
+              <a:buNone/>
+              <a:defRPr sz="1800">
+                <a:solidFill>
+                  <a:srgbClr val="000000"/>
+                </a:solidFill>
+              </a:defRPr>
+            </a:pPr>
+            <a:r>
+              <a:rPr sz="3800">
+                <a:solidFill>
+                  <a:srgbClr val="FFFFFF"/>
+                </a:solidFill>
+              </a:rPr>
+              <a:t>printf(“%d “, j);</a:t>
+            </a:r>
+          </a:p>
+          <a:p>
+            <a:pPr marL="0" lvl="1" indent="228600">
+              <a:spcBef>
+                <a:spcPts val="0"/>
+              </a:spcBef>
+              <a:buSzTx/>
+              <a:buNone/>
+              <a:defRPr sz="1800">
+                <a:solidFill>
+                  <a:srgbClr val="000000"/>
+                </a:solidFill>
+              </a:defRPr>
+            </a:pPr>
+            <a:r>
+              <a:rPr sz="3800">
+                <a:solidFill>
+                  <a:srgbClr val="FFFFFF"/>
+                </a:solidFill>
+              </a:rPr>
+              <a:t>}</a:t>
+            </a:r>
+          </a:p>
+          <a:p>
+            <a:pPr marL="0" lvl="1" indent="228600">
+              <a:spcBef>
+                <a:spcPts val="0"/>
+              </a:spcBef>
+              <a:buSzTx/>
+              <a:buNone/>
+              <a:defRPr sz="1800">
+                <a:solidFill>
+                  <a:srgbClr val="000000"/>
+                </a:solidFill>
+              </a:defRPr>
+            </a:pPr>
+            <a:r>
+              <a:rPr sz="3800">
+                <a:solidFill>
+                  <a:srgbClr val="FFFFFF"/>
+                </a:solidFill>
+              </a:rPr>
+              <a:t>printf(“\n”);</a:t>
+            </a:r>
+          </a:p>
+          <a:p>
+            <a:pPr marL="0" lvl="0" indent="0">
+              <a:spcBef>
+                <a:spcPts val="0"/>
+              </a:spcBef>
+              <a:buSzTx/>
+              <a:buNone/>
+              <a:defRPr sz="1800">
+                <a:solidFill>
+                  <a:srgbClr val="000000"/>
+                </a:solidFill>
+              </a:defRPr>
+            </a:pPr>
+            <a:r>
+              <a:rPr sz="3800">
+                <a:solidFill>
+                  <a:srgbClr val="FFFFFF"/>
+                </a:solidFill>
+              </a:rPr>
+              <a:t>}</a:t>
+            </a:r>
+          </a:p>
+        </p:txBody>
+      </p:sp>
+    </p:spTree>
+  </p:cSld>
+  <p:clrMapOvr>
+    <a:masterClrMapping/>
+  </p:clrMapOvr>
+  <p:transition spd="med"/>
+</p:sld>
+</file>
+
+<file path=ppt/slides/slide62.xml><?xml version="1.0" encoding="utf-8"?>
+<p:sld xmlns:a="http://schemas.openxmlformats.org/drawingml/2006/main" xmlns:r="http://schemas.openxmlformats.org/officeDocument/2006/relationships" xmlns:p="http://schemas.openxmlformats.org/presentationml/2006/main">
+  <p:cSld>
+    <p:spTree>
+      <p:nvGrpSpPr>
+        <p:cNvPr id="1" name=""/>
+        <p:cNvGrpSpPr/>
+        <p:nvPr/>
+      </p:nvGrpSpPr>
+      <p:grpSpPr>
+        <a:xfrm>
+          <a:off x="0" y="0"/>
+          <a:ext cx="0" cy="0"/>
+          <a:chOff x="0" y="0"/>
+          <a:chExt cx="0" cy="0"/>
+        </a:xfrm>
+      </p:grpSpPr>
+      <p:sp>
+        <p:nvSpPr>
           <p:cNvPr id="248" name="Shape 248"/>
           <p:cNvSpPr>
             <a:spLocks noGrp="1"/>
@@ -19315,7 +19716,7 @@
 </p:sld>
 </file>
 
-<file path=ppt/slides/slide61.xml><?xml version="1.0" encoding="utf-8"?>
+<file path=ppt/slides/slide63.xml><?xml version="1.0" encoding="utf-8"?>
 <p:sld xmlns:a="http://schemas.openxmlformats.org/drawingml/2006/main" xmlns:r="http://schemas.openxmlformats.org/officeDocument/2006/relationships" xmlns:p="http://schemas.openxmlformats.org/presentationml/2006/main">
   <p:cSld>
     <p:spTree>
@@ -19466,7 +19867,7 @@
 </p:sld>
 </file>
 
-<file path=ppt/slides/slide62.xml><?xml version="1.0" encoding="utf-8"?>
+<file path=ppt/slides/slide64.xml><?xml version="1.0" encoding="utf-8"?>
 <p:sld xmlns:a="http://schemas.openxmlformats.org/drawingml/2006/main" xmlns:r="http://schemas.openxmlformats.org/officeDocument/2006/relationships" xmlns:p="http://schemas.openxmlformats.org/presentationml/2006/main">
   <p:cSld>
     <p:spTree>
@@ -19664,7 +20065,7 @@
 </p:sld>
 </file>
 
-<file path=ppt/slides/slide63.xml><?xml version="1.0" encoding="utf-8"?>
+<file path=ppt/slides/slide65.xml><?xml version="1.0" encoding="utf-8"?>
 <p:sld xmlns:a="http://schemas.openxmlformats.org/drawingml/2006/main" xmlns:r="http://schemas.openxmlformats.org/officeDocument/2006/relationships" xmlns:p="http://schemas.openxmlformats.org/presentationml/2006/main">
   <p:cSld>
     <p:spTree>
@@ -19856,7 +20257,7 @@
                   <a:srgbClr val="FFFFFF"/>
                 </a:solidFill>
               </a:rPr>
-              <a:t>63</a:t>
+              <a:t>65</a:t>
             </a:fld>
             <a:endParaRPr>
               <a:solidFill>
@@ -19875,7 +20276,7 @@
 </p:sld>
 </file>
 
-<file path=ppt/slides/slide64.xml><?xml version="1.0" encoding="utf-8"?>
+<file path=ppt/slides/slide66.xml><?xml version="1.0" encoding="utf-8"?>
 <p:sld xmlns:a="http://schemas.openxmlformats.org/drawingml/2006/main" xmlns:r="http://schemas.openxmlformats.org/officeDocument/2006/relationships" xmlns:p="http://schemas.openxmlformats.org/presentationml/2006/main">
   <p:cSld>
     <p:spTree>
@@ -20234,7 +20635,7 @@
 </p:sld>
 </file>
 
-<file path=ppt/slides/slide65.xml><?xml version="1.0" encoding="utf-8"?>
+<file path=ppt/slides/slide67.xml><?xml version="1.0" encoding="utf-8"?>
 <p:sld xmlns:a="http://schemas.openxmlformats.org/drawingml/2006/main" xmlns:r="http://schemas.openxmlformats.org/officeDocument/2006/relationships" xmlns:p="http://schemas.openxmlformats.org/presentationml/2006/main">
   <p:cSld>
     <p:spTree>
@@ -20576,7 +20977,7 @@
 </p:sld>
 </file>
 
-<file path=ppt/slides/slide66.xml><?xml version="1.0" encoding="utf-8"?>
+<file path=ppt/slides/slide68.xml><?xml version="1.0" encoding="utf-8"?>
 <p:sld xmlns:a="http://schemas.openxmlformats.org/drawingml/2006/main" xmlns:r="http://schemas.openxmlformats.org/officeDocument/2006/relationships" xmlns:p="http://schemas.openxmlformats.org/presentationml/2006/main">
   <p:cSld>
     <p:spTree>
@@ -20835,7 +21236,7 @@
 </p:sld>
 </file>
 
-<file path=ppt/slides/slide67.xml><?xml version="1.0" encoding="utf-8"?>
+<file path=ppt/slides/slide69.xml><?xml version="1.0" encoding="utf-8"?>
 <p:sld xmlns:a="http://schemas.openxmlformats.org/drawingml/2006/main" xmlns:r="http://schemas.openxmlformats.org/officeDocument/2006/relationships" xmlns:p="http://schemas.openxmlformats.org/presentationml/2006/main">
   <p:cSld>
     <p:spTree>
@@ -21001,180 +21402,6 @@
               </a:rPr>
               <a:t>}</a:t>
             </a:r>
-          </a:p>
-        </p:txBody>
-      </p:sp>
-    </p:spTree>
-  </p:cSld>
-  <p:clrMapOvr>
-    <a:masterClrMapping/>
-  </p:clrMapOvr>
-  <p:transition spd="med"/>
-</p:sld>
-</file>
-
-<file path=ppt/slides/slide68.xml><?xml version="1.0" encoding="utf-8"?>
-<p:sld xmlns:a="http://schemas.openxmlformats.org/drawingml/2006/main" xmlns:r="http://schemas.openxmlformats.org/officeDocument/2006/relationships" xmlns:p="http://schemas.openxmlformats.org/presentationml/2006/main">
-  <p:cSld>
-    <p:spTree>
-      <p:nvGrpSpPr>
-        <p:cNvPr id="1" name=""/>
-        <p:cNvGrpSpPr/>
-        <p:nvPr/>
-      </p:nvGrpSpPr>
-      <p:grpSpPr>
-        <a:xfrm>
-          <a:off x="0" y="0"/>
-          <a:ext cx="0" cy="0"/>
-          <a:chOff x="0" y="0"/>
-          <a:chExt cx="0" cy="0"/>
-        </a:xfrm>
-      </p:grpSpPr>
-      <p:sp>
-        <p:nvSpPr>
-          <p:cNvPr id="277" name="Shape 277"/>
-          <p:cNvSpPr>
-            <a:spLocks noGrp="1"/>
-          </p:cNvSpPr>
-          <p:nvPr>
-            <p:ph type="title"/>
-          </p:nvPr>
-        </p:nvSpPr>
-        <p:spPr>
-          <a:prstGeom prst="rect">
-            <a:avLst/>
-          </a:prstGeom>
-        </p:spPr>
-        <p:txBody>
-          <a:bodyPr/>
-          <a:lstStyle/>
-          <a:p>
-            <a:pPr lvl="0">
-              <a:defRPr sz="1800">
-                <a:solidFill>
-                  <a:srgbClr val="000000"/>
-                </a:solidFill>
-              </a:defRPr>
-            </a:pPr>
-            <a:r>
-              <a:rPr sz="8000">
-                <a:solidFill>
-                  <a:srgbClr val="FFFFFF"/>
-                </a:solidFill>
-              </a:rPr>
-              <a:t>Latihan 1</a:t>
-            </a:r>
-          </a:p>
-        </p:txBody>
-      </p:sp>
-      <p:sp>
-        <p:nvSpPr>
-          <p:cNvPr id="278" name="Shape 278"/>
-          <p:cNvSpPr>
-            <a:spLocks noGrp="1"/>
-          </p:cNvSpPr>
-          <p:nvPr>
-            <p:ph type="body" idx="1"/>
-          </p:nvPr>
-        </p:nvSpPr>
-        <p:spPr>
-          <a:prstGeom prst="rect">
-            <a:avLst/>
-          </a:prstGeom>
-        </p:spPr>
-        <p:txBody>
-          <a:bodyPr/>
-          <a:lstStyle/>
-          <a:p>
-            <a:pPr lvl="0"/>
-            <a:endParaRPr/>
-          </a:p>
-        </p:txBody>
-      </p:sp>
-    </p:spTree>
-  </p:cSld>
-  <p:clrMapOvr>
-    <a:masterClrMapping/>
-  </p:clrMapOvr>
-  <p:transition spd="med"/>
-</p:sld>
-</file>
-
-<file path=ppt/slides/slide69.xml><?xml version="1.0" encoding="utf-8"?>
-<p:sld xmlns:a="http://schemas.openxmlformats.org/drawingml/2006/main" xmlns:r="http://schemas.openxmlformats.org/officeDocument/2006/relationships" xmlns:p="http://schemas.openxmlformats.org/presentationml/2006/main">
-  <p:cSld>
-    <p:spTree>
-      <p:nvGrpSpPr>
-        <p:cNvPr id="1" name=""/>
-        <p:cNvGrpSpPr/>
-        <p:nvPr/>
-      </p:nvGrpSpPr>
-      <p:grpSpPr>
-        <a:xfrm>
-          <a:off x="0" y="0"/>
-          <a:ext cx="0" cy="0"/>
-          <a:chOff x="0" y="0"/>
-          <a:chExt cx="0" cy="0"/>
-        </a:xfrm>
-      </p:grpSpPr>
-      <p:sp>
-        <p:nvSpPr>
-          <p:cNvPr id="280" name="Shape 280"/>
-          <p:cNvSpPr>
-            <a:spLocks noGrp="1"/>
-          </p:cNvSpPr>
-          <p:nvPr>
-            <p:ph type="title"/>
-          </p:nvPr>
-        </p:nvSpPr>
-        <p:spPr>
-          <a:prstGeom prst="rect">
-            <a:avLst/>
-          </a:prstGeom>
-        </p:spPr>
-        <p:txBody>
-          <a:bodyPr/>
-          <a:lstStyle/>
-          <a:p>
-            <a:pPr lvl="0">
-              <a:defRPr sz="1800">
-                <a:solidFill>
-                  <a:srgbClr val="000000"/>
-                </a:solidFill>
-              </a:defRPr>
-            </a:pPr>
-            <a:r>
-              <a:rPr sz="8000">
-                <a:solidFill>
-                  <a:srgbClr val="FFFFFF"/>
-                </a:solidFill>
-              </a:rPr>
-              <a:t>Latihan 2</a:t>
-            </a:r>
-          </a:p>
-        </p:txBody>
-      </p:sp>
-      <p:sp>
-        <p:nvSpPr>
-          <p:cNvPr id="281" name="Shape 281"/>
-          <p:cNvSpPr>
-            <a:spLocks noGrp="1"/>
-          </p:cNvSpPr>
-          <p:nvPr>
-            <p:ph type="body" idx="1"/>
-          </p:nvPr>
-        </p:nvSpPr>
-        <p:spPr>
-          <a:prstGeom prst="rect">
-            <a:avLst/>
-          </a:prstGeom>
-        </p:spPr>
-        <p:txBody>
-          <a:bodyPr/>
-          <a:lstStyle/>
-          <a:p>
-            <a:pPr lvl="0"/>
-            <a:endParaRPr/>
           </a:p>
         </p:txBody>
       </p:sp>
@@ -21489,6 +21716,180 @@
       </p:grpSpPr>
       <p:sp>
         <p:nvSpPr>
+          <p:cNvPr id="277" name="Shape 277"/>
+          <p:cNvSpPr>
+            <a:spLocks noGrp="1"/>
+          </p:cNvSpPr>
+          <p:nvPr>
+            <p:ph type="title"/>
+          </p:nvPr>
+        </p:nvSpPr>
+        <p:spPr>
+          <a:prstGeom prst="rect">
+            <a:avLst/>
+          </a:prstGeom>
+        </p:spPr>
+        <p:txBody>
+          <a:bodyPr/>
+          <a:lstStyle/>
+          <a:p>
+            <a:pPr lvl="0">
+              <a:defRPr sz="1800">
+                <a:solidFill>
+                  <a:srgbClr val="000000"/>
+                </a:solidFill>
+              </a:defRPr>
+            </a:pPr>
+            <a:r>
+              <a:rPr sz="8000">
+                <a:solidFill>
+                  <a:srgbClr val="FFFFFF"/>
+                </a:solidFill>
+              </a:rPr>
+              <a:t>Latihan 1</a:t>
+            </a:r>
+          </a:p>
+        </p:txBody>
+      </p:sp>
+      <p:sp>
+        <p:nvSpPr>
+          <p:cNvPr id="278" name="Shape 278"/>
+          <p:cNvSpPr>
+            <a:spLocks noGrp="1"/>
+          </p:cNvSpPr>
+          <p:nvPr>
+            <p:ph type="body" idx="1"/>
+          </p:nvPr>
+        </p:nvSpPr>
+        <p:spPr>
+          <a:prstGeom prst="rect">
+            <a:avLst/>
+          </a:prstGeom>
+        </p:spPr>
+        <p:txBody>
+          <a:bodyPr/>
+          <a:lstStyle/>
+          <a:p>
+            <a:pPr lvl="0"/>
+            <a:endParaRPr/>
+          </a:p>
+        </p:txBody>
+      </p:sp>
+    </p:spTree>
+  </p:cSld>
+  <p:clrMapOvr>
+    <a:masterClrMapping/>
+  </p:clrMapOvr>
+  <p:transition spd="med"/>
+</p:sld>
+</file>
+
+<file path=ppt/slides/slide71.xml><?xml version="1.0" encoding="utf-8"?>
+<p:sld xmlns:a="http://schemas.openxmlformats.org/drawingml/2006/main" xmlns:r="http://schemas.openxmlformats.org/officeDocument/2006/relationships" xmlns:p="http://schemas.openxmlformats.org/presentationml/2006/main">
+  <p:cSld>
+    <p:spTree>
+      <p:nvGrpSpPr>
+        <p:cNvPr id="1" name=""/>
+        <p:cNvGrpSpPr/>
+        <p:nvPr/>
+      </p:nvGrpSpPr>
+      <p:grpSpPr>
+        <a:xfrm>
+          <a:off x="0" y="0"/>
+          <a:ext cx="0" cy="0"/>
+          <a:chOff x="0" y="0"/>
+          <a:chExt cx="0" cy="0"/>
+        </a:xfrm>
+      </p:grpSpPr>
+      <p:sp>
+        <p:nvSpPr>
+          <p:cNvPr id="280" name="Shape 280"/>
+          <p:cNvSpPr>
+            <a:spLocks noGrp="1"/>
+          </p:cNvSpPr>
+          <p:nvPr>
+            <p:ph type="title"/>
+          </p:nvPr>
+        </p:nvSpPr>
+        <p:spPr>
+          <a:prstGeom prst="rect">
+            <a:avLst/>
+          </a:prstGeom>
+        </p:spPr>
+        <p:txBody>
+          <a:bodyPr/>
+          <a:lstStyle/>
+          <a:p>
+            <a:pPr lvl="0">
+              <a:defRPr sz="1800">
+                <a:solidFill>
+                  <a:srgbClr val="000000"/>
+                </a:solidFill>
+              </a:defRPr>
+            </a:pPr>
+            <a:r>
+              <a:rPr sz="8000">
+                <a:solidFill>
+                  <a:srgbClr val="FFFFFF"/>
+                </a:solidFill>
+              </a:rPr>
+              <a:t>Latihan 2</a:t>
+            </a:r>
+          </a:p>
+        </p:txBody>
+      </p:sp>
+      <p:sp>
+        <p:nvSpPr>
+          <p:cNvPr id="281" name="Shape 281"/>
+          <p:cNvSpPr>
+            <a:spLocks noGrp="1"/>
+          </p:cNvSpPr>
+          <p:nvPr>
+            <p:ph type="body" idx="1"/>
+          </p:nvPr>
+        </p:nvSpPr>
+        <p:spPr>
+          <a:prstGeom prst="rect">
+            <a:avLst/>
+          </a:prstGeom>
+        </p:spPr>
+        <p:txBody>
+          <a:bodyPr/>
+          <a:lstStyle/>
+          <a:p>
+            <a:pPr lvl="0"/>
+            <a:endParaRPr/>
+          </a:p>
+        </p:txBody>
+      </p:sp>
+    </p:spTree>
+  </p:cSld>
+  <p:clrMapOvr>
+    <a:masterClrMapping/>
+  </p:clrMapOvr>
+  <p:transition spd="med"/>
+</p:sld>
+</file>
+
+<file path=ppt/slides/slide72.xml><?xml version="1.0" encoding="utf-8"?>
+<p:sld xmlns:a="http://schemas.openxmlformats.org/drawingml/2006/main" xmlns:r="http://schemas.openxmlformats.org/officeDocument/2006/relationships" xmlns:p="http://schemas.openxmlformats.org/presentationml/2006/main">
+  <p:cSld>
+    <p:spTree>
+      <p:nvGrpSpPr>
+        <p:cNvPr id="1" name=""/>
+        <p:cNvGrpSpPr/>
+        <p:nvPr/>
+      </p:nvGrpSpPr>
+      <p:grpSpPr>
+        <a:xfrm>
+          <a:off x="0" y="0"/>
+          <a:ext cx="0" cy="0"/>
+          <a:chOff x="0" y="0"/>
+          <a:chExt cx="0" cy="0"/>
+        </a:xfrm>
+      </p:grpSpPr>
+      <p:sp>
+        <p:nvSpPr>
           <p:cNvPr id="283" name="Shape 283"/>
           <p:cNvSpPr>
             <a:spLocks noGrp="1"/>
@@ -21557,7 +21958,7 @@
 </p:sld>
 </file>
 
-<file path=ppt/slides/slide71.xml><?xml version="1.0" encoding="utf-8"?>
+<file path=ppt/slides/slide73.xml><?xml version="1.0" encoding="utf-8"?>
 <p:sld xmlns:a="http://schemas.openxmlformats.org/drawingml/2006/main" xmlns:r="http://schemas.openxmlformats.org/officeDocument/2006/relationships" xmlns:p="http://schemas.openxmlformats.org/presentationml/2006/main">
   <p:cSld>
     <p:spTree>
@@ -21698,7 +22099,7 @@
                   <a:srgbClr val="FFFFFF"/>
                 </a:solidFill>
               </a:rPr>
-              <a:t>71</a:t>
+              <a:t>73</a:t>
             </a:fld>
             <a:endParaRPr>
               <a:solidFill>
@@ -21717,7 +22118,7 @@
 </p:sld>
 </file>
 
-<file path=ppt/slides/slide72.xml><?xml version="1.0" encoding="utf-8"?>
+<file path=ppt/slides/slide74.xml><?xml version="1.0" encoding="utf-8"?>
 <p:sld xmlns:a="http://schemas.openxmlformats.org/drawingml/2006/main" xmlns:r="http://schemas.openxmlformats.org/officeDocument/2006/relationships" xmlns:p="http://schemas.openxmlformats.org/presentationml/2006/main">
   <p:cSld>
     <p:spTree>
@@ -21872,7 +22273,7 @@
 </p:sld>
 </file>
 
-<file path=ppt/slides/slide73.xml><?xml version="1.0" encoding="utf-8"?>
+<file path=ppt/slides/slide75.xml><?xml version="1.0" encoding="utf-8"?>
 <p:sld xmlns:a="http://schemas.openxmlformats.org/drawingml/2006/main" xmlns:r="http://schemas.openxmlformats.org/officeDocument/2006/relationships" xmlns:p="http://schemas.openxmlformats.org/presentationml/2006/main">
   <p:cSld>
     <p:spTree>
@@ -21976,7 +22377,7 @@
                   <a:srgbClr val="FFFFFF"/>
                 </a:solidFill>
               </a:rPr>
-              <a:t>73</a:t>
+              <a:t>75</a:t>
             </a:fld>
             <a:endParaRPr>
               <a:solidFill>
@@ -22350,7 +22751,7 @@
 </p:sld>
 </file>
 
-<file path=ppt/slides/slide74.xml><?xml version="1.0" encoding="utf-8"?>
+<file path=ppt/slides/slide76.xml><?xml version="1.0" encoding="utf-8"?>
 <p:sld xmlns:a="http://schemas.openxmlformats.org/drawingml/2006/main" xmlns:r="http://schemas.openxmlformats.org/officeDocument/2006/relationships" xmlns:p="http://schemas.openxmlformats.org/presentationml/2006/main">
   <p:cSld>
     <p:spTree>
@@ -22437,7 +22838,7 @@
 </p:sld>
 </file>
 
-<file path=ppt/slides/slide75.xml><?xml version="1.0" encoding="utf-8"?>
+<file path=ppt/slides/slide77.xml><?xml version="1.0" encoding="utf-8"?>
 <p:sld xmlns:a="http://schemas.openxmlformats.org/drawingml/2006/main" xmlns:r="http://schemas.openxmlformats.org/officeDocument/2006/relationships" xmlns:p="http://schemas.openxmlformats.org/presentationml/2006/main">
   <p:cSld>
     <p:spTree>
@@ -22524,7 +22925,7 @@
 </p:sld>
 </file>
 
-<file path=ppt/slides/slide76.xml><?xml version="1.0" encoding="utf-8"?>
+<file path=ppt/slides/slide78.xml><?xml version="1.0" encoding="utf-8"?>
 <p:sld xmlns:a="http://schemas.openxmlformats.org/drawingml/2006/main" xmlns:r="http://schemas.openxmlformats.org/officeDocument/2006/relationships" xmlns:p="http://schemas.openxmlformats.org/presentationml/2006/main">
   <p:cSld>
     <p:spTree>
@@ -22611,7 +23012,7 @@
 </p:sld>
 </file>
 
-<file path=ppt/slides/slide77.xml><?xml version="1.0" encoding="utf-8"?>
+<file path=ppt/slides/slide79.xml><?xml version="1.0" encoding="utf-8"?>
 <p:sld xmlns:a="http://schemas.openxmlformats.org/drawingml/2006/main" xmlns:r="http://schemas.openxmlformats.org/officeDocument/2006/relationships" xmlns:p="http://schemas.openxmlformats.org/presentationml/2006/main">
   <p:cSld>
     <p:spTree>

--- a/Documents/Algoritma Pemrograman.pptx
+++ b/Documents/Algoritma Pemrograman.pptx
@@ -191,6 +191,11 @@
       </a:defRPr>
     </a:lvl9pPr>
   </p:defaultTextStyle>
+  <p:extLst>
+    <p:ext uri="{EFAFB233-063F-42B5-8137-9DF3F51BA10A}">
+      <p15:sldGuideLst xmlns:p15="http://schemas.microsoft.com/office/powerpoint/2012/main"/>
+    </p:ext>
+  </p:extLst>
 </p:presentation>
 </file>
 
@@ -1826,7 +1831,7 @@
           </a:ln>
           <a:extLst>
             <a:ext uri="{C572A759-6A51-4108-AA02-DFA0A04FC94B}">
-              <ma14:wrappingTextBoxFlag xmlns:ma14="http://schemas.microsoft.com/office/mac/drawingml/2011/main" xmlns="" val="1"/>
+              <ma14:wrappingTextBoxFlag xmlns="" xmlns:ma14="http://schemas.microsoft.com/office/mac/drawingml/2011/main" val="1"/>
             </a:ext>
           </a:extLst>
         </p:spPr>
@@ -1877,7 +1882,7 @@
           </a:ln>
           <a:extLst>
             <a:ext uri="{C572A759-6A51-4108-AA02-DFA0A04FC94B}">
-              <ma14:wrappingTextBoxFlag xmlns:ma14="http://schemas.microsoft.com/office/mac/drawingml/2011/main" xmlns="" val="1"/>
+              <ma14:wrappingTextBoxFlag xmlns="" xmlns:ma14="http://schemas.microsoft.com/office/mac/drawingml/2011/main" val="1"/>
             </a:ext>
           </a:extLst>
         </p:spPr>
@@ -2475,7 +2480,7 @@
           </a:ln>
           <a:extLst>
             <a:ext uri="{C572A759-6A51-4108-AA02-DFA0A04FC94B}">
-              <ma14:wrappingTextBoxFlag xmlns:ma14="http://schemas.microsoft.com/office/mac/drawingml/2011/main" xmlns="" val="1"/>
+              <ma14:wrappingTextBoxFlag xmlns="" xmlns:ma14="http://schemas.microsoft.com/office/mac/drawingml/2011/main" val="1"/>
             </a:ext>
           </a:extLst>
         </p:spPr>
@@ -2878,7 +2883,7 @@
           </a:ln>
           <a:extLst>
             <a:ext uri="{C572A759-6A51-4108-AA02-DFA0A04FC94B}">
-              <ma14:wrappingTextBoxFlag xmlns:ma14="http://schemas.microsoft.com/office/mac/drawingml/2011/main" xmlns="" val="1"/>
+              <ma14:wrappingTextBoxFlag xmlns="" xmlns:ma14="http://schemas.microsoft.com/office/mac/drawingml/2011/main" val="1"/>
             </a:ext>
           </a:extLst>
         </p:spPr>
@@ -3145,7 +3150,7 @@
           </a:ln>
           <a:extLst>
             <a:ext uri="{C572A759-6A51-4108-AA02-DFA0A04FC94B}">
-              <ma14:wrappingTextBoxFlag xmlns:ma14="http://schemas.microsoft.com/office/mac/drawingml/2011/main" xmlns="" val="1"/>
+              <ma14:wrappingTextBoxFlag xmlns="" xmlns:ma14="http://schemas.microsoft.com/office/mac/drawingml/2011/main" val="1"/>
             </a:ext>
           </a:extLst>
         </p:spPr>
@@ -3452,7 +3457,7 @@
           </a:ln>
           <a:extLst>
             <a:ext uri="{C572A759-6A51-4108-AA02-DFA0A04FC94B}">
-              <ma14:wrappingTextBoxFlag xmlns:ma14="http://schemas.microsoft.com/office/mac/drawingml/2011/main" xmlns="" val="1"/>
+              <ma14:wrappingTextBoxFlag xmlns="" xmlns:ma14="http://schemas.microsoft.com/office/mac/drawingml/2011/main" val="1"/>
             </a:ext>
           </a:extLst>
         </p:spPr>
@@ -3612,7 +3617,7 @@
           </a:ln>
           <a:extLst>
             <a:ext uri="{C572A759-6A51-4108-AA02-DFA0A04FC94B}">
-              <ma14:wrappingTextBoxFlag xmlns:ma14="http://schemas.microsoft.com/office/mac/drawingml/2011/main" xmlns="" val="1"/>
+              <ma14:wrappingTextBoxFlag xmlns="" xmlns:ma14="http://schemas.microsoft.com/office/mac/drawingml/2011/main" val="1"/>
             </a:ext>
           </a:extLst>
         </p:spPr>
@@ -3790,7 +3795,7 @@
           </a:ln>
           <a:extLst>
             <a:ext uri="{C572A759-6A51-4108-AA02-DFA0A04FC94B}">
-              <ma14:wrappingTextBoxFlag xmlns:ma14="http://schemas.microsoft.com/office/mac/drawingml/2011/main" xmlns="" val="1"/>
+              <ma14:wrappingTextBoxFlag xmlns="" xmlns:ma14="http://schemas.microsoft.com/office/mac/drawingml/2011/main" val="1"/>
             </a:ext>
           </a:extLst>
         </p:spPr>
@@ -3968,7 +3973,7 @@
           </a:ln>
           <a:extLst>
             <a:ext uri="{C572A759-6A51-4108-AA02-DFA0A04FC94B}">
-              <ma14:wrappingTextBoxFlag xmlns:ma14="http://schemas.microsoft.com/office/mac/drawingml/2011/main" xmlns="" val="1"/>
+              <ma14:wrappingTextBoxFlag xmlns="" xmlns:ma14="http://schemas.microsoft.com/office/mac/drawingml/2011/main" val="1"/>
             </a:ext>
           </a:extLst>
         </p:spPr>
@@ -4142,7 +4147,7 @@
           </a:ln>
           <a:extLst>
             <a:ext uri="{C572A759-6A51-4108-AA02-DFA0A04FC94B}">
-              <ma14:wrappingTextBoxFlag xmlns:ma14="http://schemas.microsoft.com/office/mac/drawingml/2011/main" xmlns="" val="1"/>
+              <ma14:wrappingTextBoxFlag xmlns="" xmlns:ma14="http://schemas.microsoft.com/office/mac/drawingml/2011/main" val="1"/>
             </a:ext>
           </a:extLst>
         </p:spPr>
@@ -4385,7 +4390,7 @@
           </a:ln>
           <a:extLst>
             <a:ext uri="{C572A759-6A51-4108-AA02-DFA0A04FC94B}">
-              <ma14:wrappingTextBoxFlag xmlns:ma14="http://schemas.microsoft.com/office/mac/drawingml/2011/main" xmlns="" val="1"/>
+              <ma14:wrappingTextBoxFlag xmlns="" xmlns:ma14="http://schemas.microsoft.com/office/mac/drawingml/2011/main" val="1"/>
             </a:ext>
           </a:extLst>
         </p:spPr>
@@ -4937,7 +4942,7 @@
           </a:ln>
           <a:extLst>
             <a:ext uri="{C572A759-6A51-4108-AA02-DFA0A04FC94B}">
-              <ma14:wrappingTextBoxFlag xmlns:ma14="http://schemas.microsoft.com/office/mac/drawingml/2011/main" xmlns="" val="1"/>
+              <ma14:wrappingTextBoxFlag xmlns="" xmlns:ma14="http://schemas.microsoft.com/office/mac/drawingml/2011/main" val="1"/>
             </a:ext>
           </a:extLst>
         </p:spPr>
@@ -5282,6 +5287,14 @@
             </a:r>
           </a:p>
           <a:p>
+            <a:pPr lvl="2">
+              <a:lnSpc>
+                <a:spcPct val="120000"/>
+              </a:lnSpc>
+            </a:pPr>
+            <a:endParaRPr lang="en-US" dirty="0"/>
+          </a:p>
+          <a:p>
             <a:pPr marL="457200" lvl="1" indent="0">
               <a:lnSpc>
                 <a:spcPct val="120000"/>
@@ -5503,7 +5516,7 @@
           </a:ln>
           <a:extLst>
             <a:ext uri="{C572A759-6A51-4108-AA02-DFA0A04FC94B}">
-              <ma14:wrappingTextBoxFlag xmlns:ma14="http://schemas.microsoft.com/office/mac/drawingml/2011/main" xmlns="" val="1"/>
+              <ma14:wrappingTextBoxFlag xmlns="" xmlns:ma14="http://schemas.microsoft.com/office/mac/drawingml/2011/main" val="1"/>
             </a:ext>
           </a:extLst>
         </p:spPr>
@@ -6884,7 +6897,7 @@
           </a:ln>
           <a:extLst>
             <a:ext uri="{C572A759-6A51-4108-AA02-DFA0A04FC94B}">
-              <ma14:wrappingTextBoxFlag xmlns:ma14="http://schemas.microsoft.com/office/mac/drawingml/2011/main" xmlns="" val="1"/>
+              <ma14:wrappingTextBoxFlag xmlns="" xmlns:ma14="http://schemas.microsoft.com/office/mac/drawingml/2011/main" val="1"/>
             </a:ext>
           </a:extLst>
         </p:spPr>
@@ -7112,7 +7125,7 @@
           </a:ln>
           <a:extLst>
             <a:ext uri="{C572A759-6A51-4108-AA02-DFA0A04FC94B}">
-              <ma14:wrappingTextBoxFlag xmlns:ma14="http://schemas.microsoft.com/office/mac/drawingml/2011/main" xmlns="" val="1"/>
+              <ma14:wrappingTextBoxFlag xmlns="" xmlns:ma14="http://schemas.microsoft.com/office/mac/drawingml/2011/main" val="1"/>
             </a:ext>
           </a:extLst>
         </p:spPr>
@@ -7323,7 +7336,7 @@
           </a:ln>
           <a:extLst>
             <a:ext uri="{C572A759-6A51-4108-AA02-DFA0A04FC94B}">
-              <ma14:wrappingTextBoxFlag xmlns:ma14="http://schemas.microsoft.com/office/mac/drawingml/2011/main" xmlns="" val="1"/>
+              <ma14:wrappingTextBoxFlag xmlns="" xmlns:ma14="http://schemas.microsoft.com/office/mac/drawingml/2011/main" val="1"/>
             </a:ext>
           </a:extLst>
         </p:spPr>
@@ -7521,7 +7534,7 @@
           </a:ln>
           <a:extLst>
             <a:ext uri="{C572A759-6A51-4108-AA02-DFA0A04FC94B}">
-              <ma14:wrappingTextBoxFlag xmlns:ma14="http://schemas.microsoft.com/office/mac/drawingml/2011/main" xmlns="" val="1"/>
+              <ma14:wrappingTextBoxFlag xmlns="" xmlns:ma14="http://schemas.microsoft.com/office/mac/drawingml/2011/main" val="1"/>
             </a:ext>
           </a:extLst>
         </p:spPr>
@@ -7640,7 +7653,7 @@
           </a:ln>
           <a:extLst>
             <a:ext uri="{C572A759-6A51-4108-AA02-DFA0A04FC94B}">
-              <ma14:wrappingTextBoxFlag xmlns:ma14="http://schemas.microsoft.com/office/mac/drawingml/2011/main" xmlns="" val="1"/>
+              <ma14:wrappingTextBoxFlag xmlns="" xmlns:ma14="http://schemas.microsoft.com/office/mac/drawingml/2011/main" val="1"/>
             </a:ext>
           </a:extLst>
         </p:spPr>
@@ -7858,7 +7871,7 @@
           </a:ln>
           <a:extLst>
             <a:ext uri="{C572A759-6A51-4108-AA02-DFA0A04FC94B}">
-              <ma14:wrappingTextBoxFlag xmlns:ma14="http://schemas.microsoft.com/office/mac/drawingml/2011/main" xmlns="" val="1"/>
+              <ma14:wrappingTextBoxFlag xmlns="" xmlns:ma14="http://schemas.microsoft.com/office/mac/drawingml/2011/main" val="1"/>
             </a:ext>
           </a:extLst>
         </p:spPr>
@@ -8052,7 +8065,7 @@
           </a:ln>
           <a:extLst>
             <a:ext uri="{C572A759-6A51-4108-AA02-DFA0A04FC94B}">
-              <ma14:wrappingTextBoxFlag xmlns:ma14="http://schemas.microsoft.com/office/mac/drawingml/2011/main" xmlns="" val="1"/>
+              <ma14:wrappingTextBoxFlag xmlns="" xmlns:ma14="http://schemas.microsoft.com/office/mac/drawingml/2011/main" val="1"/>
             </a:ext>
           </a:extLst>
         </p:spPr>
@@ -8171,7 +8184,7 @@
           </a:ln>
           <a:extLst>
             <a:ext uri="{C572A759-6A51-4108-AA02-DFA0A04FC94B}">
-              <ma14:wrappingTextBoxFlag xmlns:ma14="http://schemas.microsoft.com/office/mac/drawingml/2011/main" xmlns="" val="1"/>
+              <ma14:wrappingTextBoxFlag xmlns="" xmlns:ma14="http://schemas.microsoft.com/office/mac/drawingml/2011/main" val="1"/>
             </a:ext>
           </a:extLst>
         </p:spPr>
@@ -8389,7 +8402,7 @@
           </a:ln>
           <a:extLst>
             <a:ext uri="{C572A759-6A51-4108-AA02-DFA0A04FC94B}">
-              <ma14:wrappingTextBoxFlag xmlns:ma14="http://schemas.microsoft.com/office/mac/drawingml/2011/main" xmlns="" val="1"/>
+              <ma14:wrappingTextBoxFlag xmlns="" xmlns:ma14="http://schemas.microsoft.com/office/mac/drawingml/2011/main" val="1"/>
             </a:ext>
           </a:extLst>
         </p:spPr>
@@ -8508,7 +8521,7 @@
           </a:ln>
           <a:extLst>
             <a:ext uri="{C572A759-6A51-4108-AA02-DFA0A04FC94B}">
-              <ma14:wrappingTextBoxFlag xmlns:ma14="http://schemas.microsoft.com/office/mac/drawingml/2011/main" xmlns="" val="1"/>
+              <ma14:wrappingTextBoxFlag xmlns="" xmlns:ma14="http://schemas.microsoft.com/office/mac/drawingml/2011/main" val="1"/>
             </a:ext>
           </a:extLst>
         </p:spPr>
@@ -8726,7 +8739,7 @@
           </a:ln>
           <a:extLst>
             <a:ext uri="{C572A759-6A51-4108-AA02-DFA0A04FC94B}">
-              <ma14:wrappingTextBoxFlag xmlns:ma14="http://schemas.microsoft.com/office/mac/drawingml/2011/main" xmlns="" val="1"/>
+              <ma14:wrappingTextBoxFlag xmlns="" xmlns:ma14="http://schemas.microsoft.com/office/mac/drawingml/2011/main" val="1"/>
             </a:ext>
           </a:extLst>
         </p:spPr>
@@ -8845,7 +8858,7 @@
           </a:ln>
           <a:extLst>
             <a:ext uri="{C572A759-6A51-4108-AA02-DFA0A04FC94B}">
-              <ma14:wrappingTextBoxFlag xmlns:ma14="http://schemas.microsoft.com/office/mac/drawingml/2011/main" xmlns="" val="1"/>
+              <ma14:wrappingTextBoxFlag xmlns="" xmlns:ma14="http://schemas.microsoft.com/office/mac/drawingml/2011/main" val="1"/>
             </a:ext>
           </a:extLst>
         </p:spPr>
@@ -9063,7 +9076,7 @@
           </a:ln>
           <a:extLst>
             <a:ext uri="{C572A759-6A51-4108-AA02-DFA0A04FC94B}">
-              <ma14:wrappingTextBoxFlag xmlns:ma14="http://schemas.microsoft.com/office/mac/drawingml/2011/main" xmlns="" val="1"/>
+              <ma14:wrappingTextBoxFlag xmlns="" xmlns:ma14="http://schemas.microsoft.com/office/mac/drawingml/2011/main" val="1"/>
             </a:ext>
           </a:extLst>
         </p:spPr>
@@ -10032,7 +10045,7 @@
           </a:ln>
           <a:extLst>
             <a:ext uri="{C572A759-6A51-4108-AA02-DFA0A04FC94B}">
-              <ma14:wrappingTextBoxFlag xmlns:ma14="http://schemas.microsoft.com/office/mac/drawingml/2011/main" xmlns="" val="1"/>
+              <ma14:wrappingTextBoxFlag xmlns="" xmlns:ma14="http://schemas.microsoft.com/office/mac/drawingml/2011/main" val="1"/>
             </a:ext>
           </a:extLst>
         </p:spPr>
@@ -10151,7 +10164,7 @@
           </a:ln>
           <a:extLst>
             <a:ext uri="{C572A759-6A51-4108-AA02-DFA0A04FC94B}">
-              <ma14:wrappingTextBoxFlag xmlns:ma14="http://schemas.microsoft.com/office/mac/drawingml/2011/main" xmlns="" val="1"/>
+              <ma14:wrappingTextBoxFlag xmlns="" xmlns:ma14="http://schemas.microsoft.com/office/mac/drawingml/2011/main" val="1"/>
             </a:ext>
           </a:extLst>
         </p:spPr>
@@ -10369,7 +10382,7 @@
           </a:ln>
           <a:extLst>
             <a:ext uri="{C572A759-6A51-4108-AA02-DFA0A04FC94B}">
-              <ma14:wrappingTextBoxFlag xmlns:ma14="http://schemas.microsoft.com/office/mac/drawingml/2011/main" xmlns="" val="1"/>
+              <ma14:wrappingTextBoxFlag xmlns="" xmlns:ma14="http://schemas.microsoft.com/office/mac/drawingml/2011/main" val="1"/>
             </a:ext>
           </a:extLst>
         </p:spPr>
@@ -10451,7 +10464,7 @@
           </a:ln>
           <a:extLst>
             <a:ext uri="{C572A759-6A51-4108-AA02-DFA0A04FC94B}">
-              <ma14:wrappingTextBoxFlag xmlns:ma14="http://schemas.microsoft.com/office/mac/drawingml/2011/main" xmlns="" val="1"/>
+              <ma14:wrappingTextBoxFlag xmlns="" xmlns:ma14="http://schemas.microsoft.com/office/mac/drawingml/2011/main" val="1"/>
             </a:ext>
           </a:extLst>
         </p:spPr>
@@ -10502,7 +10515,7 @@
           </a:ln>
           <a:extLst>
             <a:ext uri="{C572A759-6A51-4108-AA02-DFA0A04FC94B}">
-              <ma14:wrappingTextBoxFlag xmlns:ma14="http://schemas.microsoft.com/office/mac/drawingml/2011/main" xmlns="" val="1"/>
+              <ma14:wrappingTextBoxFlag xmlns="" xmlns:ma14="http://schemas.microsoft.com/office/mac/drawingml/2011/main" val="1"/>
             </a:ext>
           </a:extLst>
         </p:spPr>
@@ -10720,7 +10733,7 @@
           </a:ln>
           <a:extLst>
             <a:ext uri="{C572A759-6A51-4108-AA02-DFA0A04FC94B}">
-              <ma14:wrappingTextBoxFlag xmlns:ma14="http://schemas.microsoft.com/office/mac/drawingml/2011/main" xmlns="" val="1"/>
+              <ma14:wrappingTextBoxFlag xmlns="" xmlns:ma14="http://schemas.microsoft.com/office/mac/drawingml/2011/main" val="1"/>
             </a:ext>
           </a:extLst>
         </p:spPr>
@@ -11122,7 +11135,7 @@
           </a:ln>
           <a:extLst>
             <a:ext uri="{C572A759-6A51-4108-AA02-DFA0A04FC94B}">
-              <ma14:wrappingTextBoxFlag xmlns:ma14="http://schemas.microsoft.com/office/mac/drawingml/2011/main" xmlns="" val="1"/>
+              <ma14:wrappingTextBoxFlag xmlns="" xmlns:ma14="http://schemas.microsoft.com/office/mac/drawingml/2011/main" val="1"/>
             </a:ext>
           </a:extLst>
         </p:spPr>
@@ -11241,7 +11254,7 @@
           </a:ln>
           <a:extLst>
             <a:ext uri="{C572A759-6A51-4108-AA02-DFA0A04FC94B}">
-              <ma14:wrappingTextBoxFlag xmlns:ma14="http://schemas.microsoft.com/office/mac/drawingml/2011/main" xmlns="" val="1"/>
+              <ma14:wrappingTextBoxFlag xmlns="" xmlns:ma14="http://schemas.microsoft.com/office/mac/drawingml/2011/main" val="1"/>
             </a:ext>
           </a:extLst>
         </p:spPr>
@@ -11459,7 +11472,7 @@
           </a:ln>
           <a:extLst>
             <a:ext uri="{C572A759-6A51-4108-AA02-DFA0A04FC94B}">
-              <ma14:wrappingTextBoxFlag xmlns:ma14="http://schemas.microsoft.com/office/mac/drawingml/2011/main" xmlns="" val="1"/>
+              <ma14:wrappingTextBoxFlag xmlns="" xmlns:ma14="http://schemas.microsoft.com/office/mac/drawingml/2011/main" val="1"/>
             </a:ext>
           </a:extLst>
         </p:spPr>
@@ -11582,7 +11595,7 @@
           </a:ln>
           <a:extLst>
             <a:ext uri="{C572A759-6A51-4108-AA02-DFA0A04FC94B}">
-              <ma14:wrappingTextBoxFlag xmlns:ma14="http://schemas.microsoft.com/office/mac/drawingml/2011/main" xmlns="" val="1"/>
+              <ma14:wrappingTextBoxFlag xmlns="" xmlns:ma14="http://schemas.microsoft.com/office/mac/drawingml/2011/main" val="1"/>
             </a:ext>
           </a:extLst>
         </p:spPr>
@@ -11800,7 +11813,7 @@
           </a:ln>
           <a:extLst>
             <a:ext uri="{C572A759-6A51-4108-AA02-DFA0A04FC94B}">
-              <ma14:wrappingTextBoxFlag xmlns:ma14="http://schemas.microsoft.com/office/mac/drawingml/2011/main" xmlns="" val="1"/>
+              <ma14:wrappingTextBoxFlag xmlns="" xmlns:ma14="http://schemas.microsoft.com/office/mac/drawingml/2011/main" val="1"/>
             </a:ext>
           </a:extLst>
         </p:spPr>
@@ -12854,7 +12867,7 @@
           </a:ln>
           <a:extLst>
             <a:ext uri="{C572A759-6A51-4108-AA02-DFA0A04FC94B}">
-              <ma14:wrappingTextBoxFlag xmlns:ma14="http://schemas.microsoft.com/office/mac/drawingml/2011/main" xmlns="" val="1"/>
+              <ma14:wrappingTextBoxFlag xmlns="" xmlns:ma14="http://schemas.microsoft.com/office/mac/drawingml/2011/main" val="1"/>
             </a:ext>
           </a:extLst>
         </p:spPr>
@@ -13073,7 +13086,7 @@
           </a:ln>
           <a:extLst>
             <a:ext uri="{C572A759-6A51-4108-AA02-DFA0A04FC94B}">
-              <ma14:wrappingTextBoxFlag xmlns:ma14="http://schemas.microsoft.com/office/mac/drawingml/2011/main" xmlns="" val="1"/>
+              <ma14:wrappingTextBoxFlag xmlns="" xmlns:ma14="http://schemas.microsoft.com/office/mac/drawingml/2011/main" val="1"/>
             </a:ext>
           </a:extLst>
         </p:spPr>
@@ -13196,7 +13209,7 @@
           </a:ln>
           <a:extLst>
             <a:ext uri="{C572A759-6A51-4108-AA02-DFA0A04FC94B}">
-              <ma14:wrappingTextBoxFlag xmlns:ma14="http://schemas.microsoft.com/office/mac/drawingml/2011/main" xmlns="" val="1"/>
+              <ma14:wrappingTextBoxFlag xmlns="" xmlns:ma14="http://schemas.microsoft.com/office/mac/drawingml/2011/main" val="1"/>
             </a:ext>
           </a:extLst>
         </p:spPr>
@@ -13414,7 +13427,7 @@
           </a:ln>
           <a:extLst>
             <a:ext uri="{C572A759-6A51-4108-AA02-DFA0A04FC94B}">
-              <ma14:wrappingTextBoxFlag xmlns:ma14="http://schemas.microsoft.com/office/mac/drawingml/2011/main" xmlns="" val="1"/>
+              <ma14:wrappingTextBoxFlag xmlns="" xmlns:ma14="http://schemas.microsoft.com/office/mac/drawingml/2011/main" val="1"/>
             </a:ext>
           </a:extLst>
         </p:spPr>
@@ -14610,7 +14623,7 @@
           </a:ln>
           <a:extLst>
             <a:ext uri="{C572A759-6A51-4108-AA02-DFA0A04FC94B}">
-              <ma14:wrappingTextBoxFlag xmlns:ma14="http://schemas.microsoft.com/office/mac/drawingml/2011/main" xmlns="" val="1"/>
+              <ma14:wrappingTextBoxFlag xmlns="" xmlns:ma14="http://schemas.microsoft.com/office/mac/drawingml/2011/main" val="1"/>
             </a:ext>
           </a:extLst>
         </p:spPr>
@@ -15158,7 +15171,7 @@
           </a:ln>
           <a:extLst>
             <a:ext uri="{C572A759-6A51-4108-AA02-DFA0A04FC94B}">
-              <ma14:wrappingTextBoxFlag xmlns:ma14="http://schemas.microsoft.com/office/mac/drawingml/2011/main" xmlns="" val="1"/>
+              <ma14:wrappingTextBoxFlag xmlns="" xmlns:ma14="http://schemas.microsoft.com/office/mac/drawingml/2011/main" val="1"/>
             </a:ext>
           </a:extLst>
         </p:spPr>
@@ -15647,7 +15660,7 @@
           </a:ln>
           <a:extLst>
             <a:ext uri="{C572A759-6A51-4108-AA02-DFA0A04FC94B}">
-              <ma14:wrappingTextBoxFlag xmlns:ma14="http://schemas.microsoft.com/office/mac/drawingml/2011/main" xmlns="" val="1"/>
+              <ma14:wrappingTextBoxFlag xmlns="" xmlns:ma14="http://schemas.microsoft.com/office/mac/drawingml/2011/main" val="1"/>
             </a:ext>
           </a:extLst>
         </p:spPr>
@@ -15845,7 +15858,7 @@
           </a:ln>
           <a:extLst>
             <a:ext uri="{C572A759-6A51-4108-AA02-DFA0A04FC94B}">
-              <ma14:wrappingTextBoxFlag xmlns:ma14="http://schemas.microsoft.com/office/mac/drawingml/2011/main" xmlns="" val="1"/>
+              <ma14:wrappingTextBoxFlag xmlns="" xmlns:ma14="http://schemas.microsoft.com/office/mac/drawingml/2011/main" val="1"/>
             </a:ext>
           </a:extLst>
         </p:spPr>
@@ -16073,7 +16086,7 @@
           </a:ln>
           <a:extLst>
             <a:ext uri="{C572A759-6A51-4108-AA02-DFA0A04FC94B}">
-              <ma14:wrappingTextBoxFlag xmlns:ma14="http://schemas.microsoft.com/office/mac/drawingml/2011/main" xmlns="" val="1"/>
+              <ma14:wrappingTextBoxFlag xmlns="" xmlns:ma14="http://schemas.microsoft.com/office/mac/drawingml/2011/main" val="1"/>
             </a:ext>
           </a:extLst>
         </p:spPr>
@@ -16192,7 +16205,7 @@
           </a:ln>
           <a:extLst>
             <a:ext uri="{C572A759-6A51-4108-AA02-DFA0A04FC94B}">
-              <ma14:wrappingTextBoxFlag xmlns:ma14="http://schemas.microsoft.com/office/mac/drawingml/2011/main" xmlns="" val="1"/>
+              <ma14:wrappingTextBoxFlag xmlns="" xmlns:ma14="http://schemas.microsoft.com/office/mac/drawingml/2011/main" val="1"/>
             </a:ext>
           </a:extLst>
         </p:spPr>
@@ -16325,7 +16338,7 @@
           </a:ln>
           <a:extLst>
             <a:ext uri="{C572A759-6A51-4108-AA02-DFA0A04FC94B}">
-              <ma14:wrappingTextBoxFlag xmlns:ma14="http://schemas.microsoft.com/office/mac/drawingml/2011/main" xmlns="" val="1"/>
+              <ma14:wrappingTextBoxFlag xmlns="" xmlns:ma14="http://schemas.microsoft.com/office/mac/drawingml/2011/main" val="1"/>
             </a:ext>
           </a:extLst>
         </p:spPr>
@@ -16444,7 +16457,7 @@
           </a:ln>
           <a:extLst>
             <a:ext uri="{C572A759-6A51-4108-AA02-DFA0A04FC94B}">
-              <ma14:wrappingTextBoxFlag xmlns:ma14="http://schemas.microsoft.com/office/mac/drawingml/2011/main" xmlns="" val="1"/>
+              <ma14:wrappingTextBoxFlag xmlns="" xmlns:ma14="http://schemas.microsoft.com/office/mac/drawingml/2011/main" val="1"/>
             </a:ext>
           </a:extLst>
         </p:spPr>
@@ -16591,7 +16604,7 @@
           </a:ln>
           <a:extLst>
             <a:ext uri="{C572A759-6A51-4108-AA02-DFA0A04FC94B}">
-              <ma14:wrappingTextBoxFlag xmlns:ma14="http://schemas.microsoft.com/office/mac/drawingml/2011/main" xmlns="" val="1"/>
+              <ma14:wrappingTextBoxFlag xmlns="" xmlns:ma14="http://schemas.microsoft.com/office/mac/drawingml/2011/main" val="1"/>
             </a:ext>
           </a:extLst>
         </p:spPr>
@@ -16710,7 +16723,7 @@
           </a:ln>
           <a:extLst>
             <a:ext uri="{C572A759-6A51-4108-AA02-DFA0A04FC94B}">
-              <ma14:wrappingTextBoxFlag xmlns:ma14="http://schemas.microsoft.com/office/mac/drawingml/2011/main" xmlns="" val="1"/>
+              <ma14:wrappingTextBoxFlag xmlns="" xmlns:ma14="http://schemas.microsoft.com/office/mac/drawingml/2011/main" val="1"/>
             </a:ext>
           </a:extLst>
         </p:spPr>
@@ -17058,7 +17071,7 @@
           </a:ln>
           <a:extLst>
             <a:ext uri="{C572A759-6A51-4108-AA02-DFA0A04FC94B}">
-              <ma14:wrappingTextBoxFlag xmlns:ma14="http://schemas.microsoft.com/office/mac/drawingml/2011/main" xmlns="" val="1"/>
+              <ma14:wrappingTextBoxFlag xmlns="" xmlns:ma14="http://schemas.microsoft.com/office/mac/drawingml/2011/main" val="1"/>
             </a:ext>
           </a:extLst>
         </p:spPr>
@@ -17551,7 +17564,7 @@
           </a:ln>
           <a:extLst>
             <a:ext uri="{C572A759-6A51-4108-AA02-DFA0A04FC94B}">
-              <ma14:wrappingTextBoxFlag xmlns:ma14="http://schemas.microsoft.com/office/mac/drawingml/2011/main" xmlns="" val="1"/>
+              <ma14:wrappingTextBoxFlag xmlns="" xmlns:ma14="http://schemas.microsoft.com/office/mac/drawingml/2011/main" val="1"/>
             </a:ext>
           </a:extLst>
         </p:spPr>
@@ -18240,7 +18253,7 @@
           </a:ln>
           <a:extLst>
             <a:ext uri="{C572A759-6A51-4108-AA02-DFA0A04FC94B}">
-              <ma14:wrappingTextBoxFlag xmlns:ma14="http://schemas.microsoft.com/office/mac/drawingml/2011/main" xmlns="" val="1"/>
+              <ma14:wrappingTextBoxFlag xmlns="" xmlns:ma14="http://schemas.microsoft.com/office/mac/drawingml/2011/main" val="1"/>
             </a:ext>
           </a:extLst>
         </p:spPr>
@@ -18359,7 +18372,7 @@
           </a:ln>
           <a:extLst>
             <a:ext uri="{C572A759-6A51-4108-AA02-DFA0A04FC94B}">
-              <ma14:wrappingTextBoxFlag xmlns:ma14="http://schemas.microsoft.com/office/mac/drawingml/2011/main" xmlns="" val="1"/>
+              <ma14:wrappingTextBoxFlag xmlns="" xmlns:ma14="http://schemas.microsoft.com/office/mac/drawingml/2011/main" val="1"/>
             </a:ext>
           </a:extLst>
         </p:spPr>
@@ -18554,7 +18567,7 @@
           </a:ln>
           <a:extLst>
             <a:ext uri="{C572A759-6A51-4108-AA02-DFA0A04FC94B}">
-              <ma14:wrappingTextBoxFlag xmlns:ma14="http://schemas.microsoft.com/office/mac/drawingml/2011/main" xmlns="" val="1"/>
+              <ma14:wrappingTextBoxFlag xmlns="" xmlns:ma14="http://schemas.microsoft.com/office/mac/drawingml/2011/main" val="1"/>
             </a:ext>
           </a:extLst>
         </p:spPr>
@@ -18824,7 +18837,7 @@
           </a:ln>
           <a:extLst>
             <a:ext uri="{C572A759-6A51-4108-AA02-DFA0A04FC94B}">
-              <ma14:wrappingTextBoxFlag xmlns:ma14="http://schemas.microsoft.com/office/mac/drawingml/2011/main" xmlns="" val="1"/>
+              <ma14:wrappingTextBoxFlag xmlns="" xmlns:ma14="http://schemas.microsoft.com/office/mac/drawingml/2011/main" val="1"/>
             </a:ext>
           </a:extLst>
         </p:spPr>
@@ -18943,7 +18956,7 @@
           </a:ln>
           <a:extLst>
             <a:ext uri="{C572A759-6A51-4108-AA02-DFA0A04FC94B}">
-              <ma14:wrappingTextBoxFlag xmlns:ma14="http://schemas.microsoft.com/office/mac/drawingml/2011/main" xmlns="" val="1"/>
+              <ma14:wrappingTextBoxFlag xmlns="" xmlns:ma14="http://schemas.microsoft.com/office/mac/drawingml/2011/main" val="1"/>
             </a:ext>
           </a:extLst>
         </p:spPr>
@@ -19402,7 +19415,7 @@
           </a:ln>
           <a:extLst>
             <a:ext uri="{C572A759-6A51-4108-AA02-DFA0A04FC94B}">
-              <ma14:wrappingTextBoxFlag xmlns:ma14="http://schemas.microsoft.com/office/mac/drawingml/2011/main" xmlns="" val="1"/>
+              <ma14:wrappingTextBoxFlag xmlns="" xmlns:ma14="http://schemas.microsoft.com/office/mac/drawingml/2011/main" val="1"/>
             </a:ext>
           </a:extLst>
         </p:spPr>
@@ -19585,7 +19598,7 @@
           </a:ln>
           <a:extLst>
             <a:ext uri="{C572A759-6A51-4108-AA02-DFA0A04FC94B}">
-              <ma14:wrappingTextBoxFlag xmlns:ma14="http://schemas.microsoft.com/office/mac/drawingml/2011/main" xmlns="" val="1"/>
+              <ma14:wrappingTextBoxFlag xmlns="" xmlns:ma14="http://schemas.microsoft.com/office/mac/drawingml/2011/main" val="1"/>
             </a:ext>
           </a:extLst>
         </p:spPr>
@@ -19632,7 +19645,7 @@
           </a:ln>
           <a:extLst>
             <a:ext uri="{C572A759-6A51-4108-AA02-DFA0A04FC94B}">
-              <ma14:wrappingTextBoxFlag xmlns:ma14="http://schemas.microsoft.com/office/mac/drawingml/2011/main" xmlns="" val="1"/>
+              <ma14:wrappingTextBoxFlag xmlns="" xmlns:ma14="http://schemas.microsoft.com/office/mac/drawingml/2011/main" val="1"/>
             </a:ext>
           </a:extLst>
         </p:spPr>
@@ -19679,7 +19692,7 @@
           </a:ln>
           <a:extLst>
             <a:ext uri="{C572A759-6A51-4108-AA02-DFA0A04FC94B}">
-              <ma14:wrappingTextBoxFlag xmlns:ma14="http://schemas.microsoft.com/office/mac/drawingml/2011/main" xmlns="" val="1"/>
+              <ma14:wrappingTextBoxFlag xmlns="" xmlns:ma14="http://schemas.microsoft.com/office/mac/drawingml/2011/main" val="1"/>
             </a:ext>
           </a:extLst>
         </p:spPr>
@@ -20230,7 +20243,7 @@
           </a:ln>
           <a:extLst>
             <a:ext uri="{C572A759-6A51-4108-AA02-DFA0A04FC94B}">
-              <ma14:wrappingTextBoxFlag xmlns:ma14="http://schemas.microsoft.com/office/mac/drawingml/2011/main" xmlns="" val="1"/>
+              <ma14:wrappingTextBoxFlag xmlns="" xmlns:ma14="http://schemas.microsoft.com/office/mac/drawingml/2011/main" val="1"/>
             </a:ext>
           </a:extLst>
         </p:spPr>
@@ -20349,7 +20362,7 @@
           </a:ln>
           <a:extLst>
             <a:ext uri="{C572A759-6A51-4108-AA02-DFA0A04FC94B}">
-              <ma14:wrappingTextBoxFlag xmlns:ma14="http://schemas.microsoft.com/office/mac/drawingml/2011/main" xmlns="" val="1"/>
+              <ma14:wrappingTextBoxFlag xmlns="" xmlns:ma14="http://schemas.microsoft.com/office/mac/drawingml/2011/main" val="1"/>
             </a:ext>
           </a:extLst>
         </p:spPr>
@@ -20708,7 +20721,7 @@
           </a:ln>
           <a:extLst>
             <a:ext uri="{C572A759-6A51-4108-AA02-DFA0A04FC94B}">
-              <ma14:wrappingTextBoxFlag xmlns:ma14="http://schemas.microsoft.com/office/mac/drawingml/2011/main" xmlns="" val="1"/>
+              <ma14:wrappingTextBoxFlag xmlns="" xmlns:ma14="http://schemas.microsoft.com/office/mac/drawingml/2011/main" val="1"/>
             </a:ext>
           </a:extLst>
         </p:spPr>
@@ -21050,7 +21063,7 @@
           </a:ln>
           <a:extLst>
             <a:ext uri="{C572A759-6A51-4108-AA02-DFA0A04FC94B}">
-              <ma14:wrappingTextBoxFlag xmlns:ma14="http://schemas.microsoft.com/office/mac/drawingml/2011/main" xmlns="" val="1"/>
+              <ma14:wrappingTextBoxFlag xmlns="" xmlns:ma14="http://schemas.microsoft.com/office/mac/drawingml/2011/main" val="1"/>
             </a:ext>
           </a:extLst>
         </p:spPr>
@@ -21165,7 +21178,7 @@
           </a:ln>
           <a:extLst>
             <a:ext uri="{C572A759-6A51-4108-AA02-DFA0A04FC94B}">
-              <ma14:wrappingTextBoxFlag xmlns:ma14="http://schemas.microsoft.com/office/mac/drawingml/2011/main" xmlns="" val="1"/>
+              <ma14:wrappingTextBoxFlag xmlns="" xmlns:ma14="http://schemas.microsoft.com/office/mac/drawingml/2011/main" val="1"/>
             </a:ext>
           </a:extLst>
         </p:spPr>
@@ -21309,7 +21322,7 @@
           </a:ln>
           <a:extLst>
             <a:ext uri="{C572A759-6A51-4108-AA02-DFA0A04FC94B}">
-              <ma14:wrappingTextBoxFlag xmlns:ma14="http://schemas.microsoft.com/office/mac/drawingml/2011/main" xmlns="" val="1"/>
+              <ma14:wrappingTextBoxFlag xmlns="" xmlns:ma14="http://schemas.microsoft.com/office/mac/drawingml/2011/main" val="1"/>
             </a:ext>
           </a:extLst>
         </p:spPr>
@@ -21651,7 +21664,7 @@
           </a:ln>
           <a:extLst>
             <a:ext uri="{C572A759-6A51-4108-AA02-DFA0A04FC94B}">
-              <ma14:wrappingTextBoxFlag xmlns:ma14="http://schemas.microsoft.com/office/mac/drawingml/2011/main" xmlns="" val="1"/>
+              <ma14:wrappingTextBoxFlag xmlns="" xmlns:ma14="http://schemas.microsoft.com/office/mac/drawingml/2011/main" val="1"/>
             </a:ext>
           </a:extLst>
         </p:spPr>
@@ -22072,7 +22085,7 @@
           </a:ln>
           <a:extLst>
             <a:ext uri="{C572A759-6A51-4108-AA02-DFA0A04FC94B}">
-              <ma14:wrappingTextBoxFlag xmlns:ma14="http://schemas.microsoft.com/office/mac/drawingml/2011/main" xmlns="" val="1"/>
+              <ma14:wrappingTextBoxFlag xmlns="" xmlns:ma14="http://schemas.microsoft.com/office/mac/drawingml/2011/main" val="1"/>
             </a:ext>
           </a:extLst>
         </p:spPr>
@@ -22350,7 +22363,7 @@
           </a:ln>
           <a:extLst>
             <a:ext uri="{C572A759-6A51-4108-AA02-DFA0A04FC94B}">
-              <ma14:wrappingTextBoxFlag xmlns:ma14="http://schemas.microsoft.com/office/mac/drawingml/2011/main" xmlns="" val="1"/>
+              <ma14:wrappingTextBoxFlag xmlns="" xmlns:ma14="http://schemas.microsoft.com/office/mac/drawingml/2011/main" val="1"/>
             </a:ext>
           </a:extLst>
         </p:spPr>
@@ -22406,7 +22419,7 @@
           </a:ln>
           <a:extLst>
             <a:ext uri="{C572A759-6A51-4108-AA02-DFA0A04FC94B}">
-              <ma14:wrappingTextBoxFlag xmlns:ma14="http://schemas.microsoft.com/office/mac/drawingml/2011/main" xmlns="" val="1"/>
+              <ma14:wrappingTextBoxFlag xmlns="" xmlns:ma14="http://schemas.microsoft.com/office/mac/drawingml/2011/main" val="1"/>
             </a:ext>
           </a:extLst>
         </p:spPr>
@@ -23213,7 +23226,7 @@
           </a:ln>
           <a:extLst>
             <a:ext uri="{C572A759-6A51-4108-AA02-DFA0A04FC94B}">
-              <ma14:wrappingTextBoxFlag xmlns:ma14="http://schemas.microsoft.com/office/mac/drawingml/2011/main" xmlns="" val="1"/>
+              <ma14:wrappingTextBoxFlag xmlns="" xmlns:ma14="http://schemas.microsoft.com/office/mac/drawingml/2011/main" val="1"/>
             </a:ext>
           </a:extLst>
         </p:spPr>
@@ -23373,7 +23386,7 @@
           </a:ln>
           <a:extLst>
             <a:ext uri="{C572A759-6A51-4108-AA02-DFA0A04FC94B}">
-              <ma14:wrappingTextBoxFlag xmlns:ma14="http://schemas.microsoft.com/office/mac/drawingml/2011/main" xmlns="" val="1"/>
+              <ma14:wrappingTextBoxFlag xmlns="" xmlns:ma14="http://schemas.microsoft.com/office/mac/drawingml/2011/main" val="1"/>
             </a:ext>
           </a:extLst>
         </p:spPr>
